--- a/Git-GitHub/Git & Git-Hub – Aprimorando o conhecimento.pptx
+++ b/Git-GitHub/Git & Git-Hub – Aprimorando o conhecimento.pptx
@@ -9,9 +9,10 @@
     <p:sldId id="257" r:id="rId3"/>
     <p:sldId id="258" r:id="rId4"/>
     <p:sldId id="259" r:id="rId5"/>
-    <p:sldId id="260" r:id="rId6"/>
-    <p:sldId id="261" r:id="rId7"/>
-    <p:sldId id="262" r:id="rId8"/>
+    <p:sldId id="263" r:id="rId6"/>
+    <p:sldId id="260" r:id="rId7"/>
+    <p:sldId id="261" r:id="rId8"/>
+    <p:sldId id="264" r:id="rId9"/>
   </p:sldIdLst>
   <p:sldSz cx="12192000" cy="6858000"/>
   <p:notesSz cx="6858000" cy="9144000"/>
@@ -110,6 +111,11 @@
       </a:defRPr>
     </a:lvl9pPr>
   </p:defaultTextStyle>
+  <p:extLst>
+    <p:ext uri="{EFAFB233-063F-42B5-8137-9DF3F51BA10A}">
+      <p15:sldGuideLst xmlns:p15="http://schemas.microsoft.com/office/powerpoint/2012/main"/>
+    </p:ext>
+  </p:extLst>
 </p:presentation>
 </file>
 
@@ -400,7 +406,7 @@
           <a:p>
             <a:fld id="{7E3A08E2-22EA-4B94-AECE-CF991948958D}" type="datetimeFigureOut">
               <a:rPr lang="pt-BR" smtClean="0"/>
-              <a:t>13/03/2025</a:t>
+              <a:t>18/03/2025</a:t>
             </a:fld>
             <a:endParaRPr lang="pt-BR"/>
           </a:p>
@@ -718,7 +724,7 @@
           <a:p>
             <a:fld id="{7E3A08E2-22EA-4B94-AECE-CF991948958D}" type="datetimeFigureOut">
               <a:rPr lang="pt-BR" smtClean="0"/>
-              <a:t>13/03/2025</a:t>
+              <a:t>18/03/2025</a:t>
             </a:fld>
             <a:endParaRPr lang="pt-BR"/>
           </a:p>
@@ -1206,7 +1212,7 @@
           <a:p>
             <a:fld id="{7E3A08E2-22EA-4B94-AECE-CF991948958D}" type="datetimeFigureOut">
               <a:rPr lang="pt-BR" smtClean="0"/>
-              <a:t>13/03/2025</a:t>
+              <a:t>18/03/2025</a:t>
             </a:fld>
             <a:endParaRPr lang="pt-BR"/>
           </a:p>
@@ -1575,7 +1581,7 @@
           <a:p>
             <a:fld id="{7E3A08E2-22EA-4B94-AECE-CF991948958D}" type="datetimeFigureOut">
               <a:rPr lang="pt-BR" smtClean="0"/>
-              <a:t>13/03/2025</a:t>
+              <a:t>18/03/2025</a:t>
             </a:fld>
             <a:endParaRPr lang="pt-BR"/>
           </a:p>
@@ -1848,7 +1854,7 @@
           <a:p>
             <a:fld id="{7E3A08E2-22EA-4B94-AECE-CF991948958D}" type="datetimeFigureOut">
               <a:rPr lang="pt-BR" smtClean="0"/>
-              <a:t>13/03/2025</a:t>
+              <a:t>18/03/2025</a:t>
             </a:fld>
             <a:endParaRPr lang="pt-BR"/>
           </a:p>
@@ -2133,7 +2139,7 @@
           <a:p>
             <a:fld id="{7E3A08E2-22EA-4B94-AECE-CF991948958D}" type="datetimeFigureOut">
               <a:rPr lang="pt-BR" smtClean="0"/>
-              <a:t>13/03/2025</a:t>
+              <a:t>18/03/2025</a:t>
             </a:fld>
             <a:endParaRPr lang="pt-BR"/>
           </a:p>
@@ -2416,7 +2422,7 @@
           <a:p>
             <a:fld id="{7E3A08E2-22EA-4B94-AECE-CF991948958D}" type="datetimeFigureOut">
               <a:rPr lang="pt-BR" smtClean="0"/>
-              <a:t>13/03/2025</a:t>
+              <a:t>18/03/2025</a:t>
             </a:fld>
             <a:endParaRPr lang="pt-BR"/>
           </a:p>
@@ -2759,7 +2765,7 @@
           <a:p>
             <a:fld id="{7E3A08E2-22EA-4B94-AECE-CF991948958D}" type="datetimeFigureOut">
               <a:rPr lang="pt-BR" smtClean="0"/>
-              <a:t>13/03/2025</a:t>
+              <a:t>18/03/2025</a:t>
             </a:fld>
             <a:endParaRPr lang="pt-BR"/>
           </a:p>
@@ -3098,7 +3104,7 @@
           <a:p>
             <a:fld id="{7E3A08E2-22EA-4B94-AECE-CF991948958D}" type="datetimeFigureOut">
               <a:rPr lang="pt-BR" smtClean="0"/>
-              <a:t>13/03/2025</a:t>
+              <a:t>18/03/2025</a:t>
             </a:fld>
             <a:endParaRPr lang="pt-BR"/>
           </a:p>
@@ -3575,7 +3581,7 @@
           <a:p>
             <a:fld id="{7E3A08E2-22EA-4B94-AECE-CF991948958D}" type="datetimeFigureOut">
               <a:rPr lang="pt-BR" smtClean="0"/>
-              <a:t>13/03/2025</a:t>
+              <a:t>18/03/2025</a:t>
             </a:fld>
             <a:endParaRPr lang="pt-BR"/>
           </a:p>
@@ -3796,7 +3802,7 @@
           <a:p>
             <a:fld id="{7E3A08E2-22EA-4B94-AECE-CF991948958D}" type="datetimeFigureOut">
               <a:rPr lang="pt-BR" smtClean="0"/>
-              <a:t>13/03/2025</a:t>
+              <a:t>18/03/2025</a:t>
             </a:fld>
             <a:endParaRPr lang="pt-BR"/>
           </a:p>
@@ -3891,7 +3897,7 @@
           <a:p>
             <a:fld id="{7E3A08E2-22EA-4B94-AECE-CF991948958D}" type="datetimeFigureOut">
               <a:rPr lang="pt-BR" smtClean="0"/>
-              <a:t>13/03/2025</a:t>
+              <a:t>18/03/2025</a:t>
             </a:fld>
             <a:endParaRPr lang="pt-BR"/>
           </a:p>
@@ -4358,7 +4364,7 @@
           <a:p>
             <a:fld id="{7E3A08E2-22EA-4B94-AECE-CF991948958D}" type="datetimeFigureOut">
               <a:rPr lang="pt-BR" smtClean="0"/>
-              <a:t>13/03/2025</a:t>
+              <a:t>18/03/2025</a:t>
             </a:fld>
             <a:endParaRPr lang="pt-BR"/>
           </a:p>
@@ -4671,7 +4677,7 @@
           <a:p>
             <a:fld id="{7E3A08E2-22EA-4B94-AECE-CF991948958D}" type="datetimeFigureOut">
               <a:rPr lang="pt-BR" smtClean="0"/>
-              <a:t>13/03/2025</a:t>
+              <a:t>18/03/2025</a:t>
             </a:fld>
             <a:endParaRPr lang="pt-BR"/>
           </a:p>
@@ -4941,7 +4947,7 @@
           <a:p>
             <a:fld id="{7E3A08E2-22EA-4B94-AECE-CF991948958D}" type="datetimeFigureOut">
               <a:rPr lang="pt-BR" smtClean="0"/>
-              <a:t>13/03/2025</a:t>
+              <a:t>18/03/2025</a:t>
             </a:fld>
             <a:endParaRPr lang="pt-BR"/>
           </a:p>
@@ -5673,6 +5679,16 @@
             </a:pPr>
             <a:r>
               <a:rPr lang="pt-BR" sz="1800" dirty="0"/>
+              <a:t>Estudante de Hacking Ético </a:t>
+            </a:r>
+          </a:p>
+          <a:p>
+            <a:pPr marL="285750" indent="-285750">
+              <a:buFont typeface="Arial" panose="020B0604020202020204" pitchFamily="34" charset="0"/>
+              <a:buChar char="•"/>
+            </a:pPr>
+            <a:r>
+              <a:rPr lang="pt-BR" sz="1800" dirty="0"/>
               <a:t>Técnico em Informática</a:t>
             </a:r>
           </a:p>
@@ -5762,7 +5778,7 @@
           <a:p>
             <a:r>
               <a:rPr lang="pt-BR" dirty="0"/>
-              <a:t>Ementa</a:t>
+              <a:t>Ementa da Capacitação</a:t>
             </a:r>
           </a:p>
         </p:txBody>
@@ -6027,15 +6043,6 @@
             <a:r>
               <a:rPr lang="pt-BR" dirty="0"/>
               <a:t>, é possível criar um repositório e inicializa-lo.</a:t>
-            </a:r>
-          </a:p>
-          <a:p>
-            <a:pPr marL="0" indent="0">
-              <a:buNone/>
-            </a:pPr>
-            <a:r>
-              <a:rPr lang="pt-BR" dirty="0"/>
-              <a:t>Vejamos os comandos necessários</a:t>
             </a:r>
           </a:p>
         </p:txBody>
@@ -6129,6 +6136,202 @@
           <p:cNvPr id="2" name="Título 1">
             <a:extLst>
               <a:ext uri="{FF2B5EF4-FFF2-40B4-BE49-F238E27FC236}">
+                <a16:creationId xmlns:a16="http://schemas.microsoft.com/office/drawing/2014/main" id="{C594FF01-FBF2-45DB-B1C7-942E5001ECEF}"/>
+              </a:ext>
+            </a:extLst>
+          </p:cNvPr>
+          <p:cNvSpPr>
+            <a:spLocks noGrp="1"/>
+          </p:cNvSpPr>
+          <p:nvPr>
+            <p:ph type="title"/>
+          </p:nvPr>
+        </p:nvSpPr>
+        <p:spPr/>
+        <p:txBody>
+          <a:bodyPr/>
+          <a:lstStyle/>
+          <a:p>
+            <a:br>
+              <a:rPr lang="pt-BR" sz="2800" dirty="0"/>
+            </a:br>
+            <a:r>
+              <a:rPr lang="pt-BR" sz="2800" dirty="0"/>
+              <a:t>O que é um repositório local?</a:t>
+            </a:r>
+          </a:p>
+        </p:txBody>
+      </p:sp>
+      <p:sp>
+        <p:nvSpPr>
+          <p:cNvPr id="4" name="Espaço Reservado para Texto 3">
+            <a:extLst>
+              <a:ext uri="{FF2B5EF4-FFF2-40B4-BE49-F238E27FC236}">
+                <a16:creationId xmlns:a16="http://schemas.microsoft.com/office/drawing/2014/main" id="{7C8A4A1A-36C2-45C5-8670-48D007A14319}"/>
+              </a:ext>
+            </a:extLst>
+          </p:cNvPr>
+          <p:cNvSpPr>
+            <a:spLocks noGrp="1"/>
+          </p:cNvSpPr>
+          <p:nvPr>
+            <p:ph type="body" sz="half" idx="2"/>
+          </p:nvPr>
+        </p:nvSpPr>
+        <p:spPr/>
+        <p:txBody>
+          <a:bodyPr anchor="t">
+            <a:normAutofit/>
+          </a:bodyPr>
+          <a:lstStyle/>
+          <a:p>
+            <a:r>
+              <a:rPr lang="pt-BR" sz="1800" dirty="0"/>
+              <a:t>Um local onde o código-fonte fica armazenado. Ele permite:</a:t>
+            </a:r>
+          </a:p>
+          <a:p>
+            <a:pPr marL="285750" indent="-285750">
+              <a:buFont typeface="Arial" panose="020B0604020202020204" pitchFamily="34" charset="0"/>
+              <a:buChar char="•"/>
+            </a:pPr>
+            <a:r>
+              <a:rPr lang="pt-BR" sz="1800" dirty="0"/>
+              <a:t>Versionamento </a:t>
+            </a:r>
+          </a:p>
+          <a:p>
+            <a:pPr marL="285750" indent="-285750">
+              <a:buFont typeface="Arial" panose="020B0604020202020204" pitchFamily="34" charset="0"/>
+              <a:buChar char="•"/>
+            </a:pPr>
+            <a:r>
+              <a:rPr lang="pt-BR" sz="1800" dirty="0"/>
+              <a:t>Registro de alterações (</a:t>
+            </a:r>
+            <a:r>
+              <a:rPr lang="pt-BR" sz="1800" i="1" dirty="0" err="1"/>
+              <a:t>commits</a:t>
+            </a:r>
+            <a:r>
+              <a:rPr lang="pt-BR" sz="1800" dirty="0"/>
+              <a:t>)</a:t>
+            </a:r>
+          </a:p>
+          <a:p>
+            <a:pPr marL="285750" indent="-285750">
+              <a:buFont typeface="Arial" panose="020B0604020202020204" pitchFamily="34" charset="0"/>
+              <a:buChar char="•"/>
+            </a:pPr>
+            <a:r>
+              <a:rPr lang="pt-BR" sz="1800" dirty="0"/>
+              <a:t>Limitações de acesso</a:t>
+            </a:r>
+          </a:p>
+          <a:p>
+            <a:pPr marL="285750" indent="-285750">
+              <a:buFont typeface="Arial" panose="020B0604020202020204" pitchFamily="34" charset="0"/>
+              <a:buChar char="•"/>
+            </a:pPr>
+            <a:r>
+              <a:rPr lang="pt-BR" sz="1800" dirty="0"/>
+              <a:t>Mesclagem de funcionalidades</a:t>
+            </a:r>
+          </a:p>
+          <a:p>
+            <a:pPr marL="285750" indent="-285750">
+              <a:buFont typeface="Arial" panose="020B0604020202020204" pitchFamily="34" charset="0"/>
+              <a:buChar char="•"/>
+            </a:pPr>
+            <a:endParaRPr lang="pt-BR" sz="1800" dirty="0"/>
+          </a:p>
+          <a:p>
+            <a:endParaRPr lang="pt-BR" sz="1800" dirty="0"/>
+          </a:p>
+        </p:txBody>
+      </p:sp>
+      <p:pic>
+        <p:nvPicPr>
+          <p:cNvPr id="11" name="Espaço Reservado para Conteúdo 10">
+            <a:extLst>
+              <a:ext uri="{FF2B5EF4-FFF2-40B4-BE49-F238E27FC236}">
+                <a16:creationId xmlns:a16="http://schemas.microsoft.com/office/drawing/2014/main" id="{0AB61E67-6549-4DCC-B9CF-D84AAB0C15F1}"/>
+              </a:ext>
+            </a:extLst>
+          </p:cNvPr>
+          <p:cNvPicPr>
+            <a:picLocks noGrp="1" noChangeAspect="1"/>
+          </p:cNvPicPr>
+          <p:nvPr>
+            <p:ph idx="1"/>
+          </p:nvPr>
+        </p:nvPicPr>
+        <p:blipFill>
+          <a:blip r:embed="rId2">
+            <a:extLst>
+              <a:ext uri="{28A0092B-C50C-407E-A947-70E740481C1C}">
+                <a14:useLocalDpi xmlns:a14="http://schemas.microsoft.com/office/drawing/2010/main" val="0"/>
+              </a:ext>
+              <a:ext uri="{837473B0-CC2E-450A-ABE3-18F120FF3D39}">
+                <a1611:picAttrSrcUrl xmlns:a1611="http://schemas.microsoft.com/office/drawing/2016/11/main" r:id="rId3"/>
+              </a:ext>
+            </a:extLst>
+          </a:blip>
+          <a:stretch>
+            <a:fillRect/>
+          </a:stretch>
+        </p:blipFill>
+        <p:spPr>
+          <a:xfrm>
+            <a:off x="4856163" y="1069059"/>
+            <a:ext cx="6251575" cy="4169019"/>
+          </a:xfrm>
+          <a:prstGeom prst="rect">
+            <a:avLst/>
+          </a:prstGeom>
+          <a:ln>
+            <a:noFill/>
+          </a:ln>
+          <a:effectLst>
+            <a:softEdge rad="112500"/>
+          </a:effectLst>
+        </p:spPr>
+      </p:pic>
+    </p:spTree>
+    <p:extLst>
+      <p:ext uri="{BB962C8B-B14F-4D97-AF65-F5344CB8AC3E}">
+        <p14:creationId xmlns:p14="http://schemas.microsoft.com/office/powerpoint/2010/main" val="4187711091"/>
+      </p:ext>
+    </p:extLst>
+  </p:cSld>
+  <p:clrMapOvr>
+    <a:masterClrMapping/>
+  </p:clrMapOvr>
+</p:sld>
+</file>
+
+<file path=ppt/slides/slide6.xml><?xml version="1.0" encoding="utf-8"?>
+<p:sld xmlns:a="http://schemas.openxmlformats.org/drawingml/2006/main" xmlns:r="http://schemas.openxmlformats.org/officeDocument/2006/relationships" xmlns:p="http://schemas.openxmlformats.org/presentationml/2006/main">
+  <p:cSld>
+    <p:spTree>
+      <p:nvGrpSpPr>
+        <p:cNvPr id="1" name=""/>
+        <p:cNvGrpSpPr/>
+        <p:nvPr/>
+      </p:nvGrpSpPr>
+      <p:grpSpPr>
+        <a:xfrm>
+          <a:off x="0" y="0"/>
+          <a:ext cx="0" cy="0"/>
+          <a:chOff x="0" y="0"/>
+          <a:chExt cx="0" cy="0"/>
+        </a:xfrm>
+      </p:grpSpPr>
+      <p:sp>
+        <p:nvSpPr>
+          <p:cNvPr id="2" name="Título 1">
+            <a:extLst>
+              <a:ext uri="{FF2B5EF4-FFF2-40B4-BE49-F238E27FC236}">
                 <a16:creationId xmlns:a16="http://schemas.microsoft.com/office/drawing/2014/main" id="{79736A8C-D6D0-45BF-BE88-033A71F68685}"/>
               </a:ext>
             </a:extLst>
@@ -6685,7 +6888,7 @@
 </p:sld>
 </file>
 
-<file path=ppt/slides/slide6.xml><?xml version="1.0" encoding="utf-8"?>
+<file path=ppt/slides/slide7.xml><?xml version="1.0" encoding="utf-8"?>
 <p:sld xmlns:a="http://schemas.openxmlformats.org/drawingml/2006/main" xmlns:r="http://schemas.openxmlformats.org/officeDocument/2006/relationships" xmlns:p="http://schemas.openxmlformats.org/presentationml/2006/main">
   <p:cSld>
     <p:spTree>
@@ -6780,7 +6983,7 @@
 </p:sld>
 </file>
 
-<file path=ppt/slides/slide7.xml><?xml version="1.0" encoding="utf-8"?>
+<file path=ppt/slides/slide8.xml><?xml version="1.0" encoding="utf-8"?>
 <p:sld xmlns:a="http://schemas.openxmlformats.org/drawingml/2006/main" xmlns:r="http://schemas.openxmlformats.org/officeDocument/2006/relationships" xmlns:p="http://schemas.openxmlformats.org/presentationml/2006/main">
   <p:cSld>
     <p:spTree>
@@ -6802,7 +7005,7 @@
           <p:cNvPr id="2" name="Título 1">
             <a:extLst>
               <a:ext uri="{FF2B5EF4-FFF2-40B4-BE49-F238E27FC236}">
-                <a16:creationId xmlns:a16="http://schemas.microsoft.com/office/drawing/2014/main" id="{02BE8916-15DB-48A3-A05B-D424E295CF1E}"/>
+                <a16:creationId xmlns:a16="http://schemas.microsoft.com/office/drawing/2014/main" id="{E79FFECE-8B1B-40AD-B90E-496672470593}"/>
               </a:ext>
             </a:extLst>
           </p:cNvPr>
@@ -6819,10 +7022,6 @@
           <a:lstStyle/>
           <a:p>
             <a:r>
-              <a:rPr lang="pt-BR" dirty="0"/>
-              <a:t>Repositórios do </a:t>
-            </a:r>
-            <a:r>
               <a:rPr lang="pt-BR" dirty="0" err="1"/>
               <a:t>Git-Hub</a:t>
             </a:r>
@@ -6835,7 +7034,7 @@
           <p:cNvPr id="3" name="Espaço Reservado para Conteúdo 2">
             <a:extLst>
               <a:ext uri="{FF2B5EF4-FFF2-40B4-BE49-F238E27FC236}">
-                <a16:creationId xmlns:a16="http://schemas.microsoft.com/office/drawing/2014/main" id="{80C027FB-DE03-4F69-8074-CEB3F8753A3F}"/>
+                <a16:creationId xmlns:a16="http://schemas.microsoft.com/office/drawing/2014/main" id="{BD2A23FA-C3B2-4F4B-A8E2-DB72C4FE805E}"/>
               </a:ext>
             </a:extLst>
           </p:cNvPr>
@@ -6848,42 +7047,164 @@
         </p:nvSpPr>
         <p:spPr/>
         <p:txBody>
-          <a:bodyPr/>
+          <a:bodyPr anchor="t">
+            <a:normAutofit fontScale="92500"/>
+          </a:bodyPr>
           <a:lstStyle/>
           <a:p>
-            <a:endParaRPr lang="pt-BR"/>
-          </a:p>
-        </p:txBody>
-      </p:sp>
-      <p:sp>
-        <p:nvSpPr>
-          <p:cNvPr id="4" name="Espaço Reservado para Conteúdo 3">
+            <a:pPr marL="0" indent="0">
+              <a:buNone/>
+            </a:pPr>
+            <a:r>
+              <a:rPr lang="pt-BR" dirty="0"/>
+              <a:t>O </a:t>
+            </a:r>
+            <a:r>
+              <a:rPr lang="pt-BR" dirty="0" err="1"/>
+              <a:t>Git-Hub</a:t>
+            </a:r>
+            <a:r>
+              <a:rPr lang="pt-BR" dirty="0"/>
+              <a:t> é uma plataforma de hospedagem de Código-Fonte, baseada em </a:t>
+            </a:r>
+            <a:r>
+              <a:rPr lang="pt-BR" dirty="0" err="1"/>
+              <a:t>Git</a:t>
+            </a:r>
+            <a:r>
+              <a:rPr lang="pt-BR" dirty="0"/>
+              <a:t>. Nele temos diversas funcionalidades como</a:t>
+            </a:r>
+          </a:p>
+          <a:p>
+            <a:r>
+              <a:rPr lang="pt-BR" dirty="0"/>
+              <a:t>Criar e manter Repositórios com código-fonte</a:t>
+            </a:r>
+          </a:p>
+          <a:p>
+            <a:r>
+              <a:rPr lang="pt-BR" dirty="0"/>
+              <a:t>Relatar bugs (</a:t>
+            </a:r>
+            <a:r>
+              <a:rPr lang="pt-BR" i="1" dirty="0" err="1"/>
+              <a:t>Issues</a:t>
+            </a:r>
+            <a:r>
+              <a:rPr lang="pt-BR" dirty="0"/>
+              <a:t>)</a:t>
+            </a:r>
+          </a:p>
+          <a:p>
+            <a:r>
+              <a:rPr lang="pt-BR" dirty="0"/>
+              <a:t>Mesclar contribuições (</a:t>
+            </a:r>
+            <a:r>
+              <a:rPr lang="pt-BR" i="1" dirty="0" err="1"/>
+              <a:t>Pull-Requests</a:t>
+            </a:r>
+            <a:r>
+              <a:rPr lang="pt-BR" dirty="0"/>
+              <a:t>)</a:t>
+            </a:r>
+          </a:p>
+          <a:p>
+            <a:r>
+              <a:rPr lang="pt-BR" dirty="0"/>
+              <a:t>Automatizar tarefas (</a:t>
+            </a:r>
+            <a:r>
+              <a:rPr lang="pt-BR" i="1" dirty="0" err="1"/>
+              <a:t>Actions</a:t>
+            </a:r>
+            <a:r>
+              <a:rPr lang="pt-BR" dirty="0"/>
+              <a:t>)</a:t>
+            </a:r>
+          </a:p>
+          <a:p>
+            <a:r>
+              <a:rPr lang="pt-BR" dirty="0"/>
+              <a:t>Gerenciar projetos (</a:t>
+            </a:r>
+            <a:r>
+              <a:rPr lang="pt-BR" i="1" dirty="0" err="1"/>
+              <a:t>Projects</a:t>
+            </a:r>
+            <a:r>
+              <a:rPr lang="pt-BR" dirty="0"/>
+              <a:t>)</a:t>
+            </a:r>
+          </a:p>
+          <a:p>
+            <a:r>
+              <a:rPr lang="pt-BR" dirty="0"/>
+              <a:t>Documentar dados do repositório (</a:t>
+            </a:r>
+            <a:r>
+              <a:rPr lang="pt-BR" i="1" dirty="0"/>
+              <a:t>Wiki</a:t>
+            </a:r>
+            <a:r>
+              <a:rPr lang="pt-BR" dirty="0"/>
+              <a:t>)</a:t>
+            </a:r>
+          </a:p>
+          <a:p>
+            <a:endParaRPr lang="pt-BR" dirty="0"/>
+          </a:p>
+          <a:p>
+            <a:endParaRPr lang="pt-BR" dirty="0"/>
+          </a:p>
+          <a:p>
+            <a:endParaRPr lang="pt-BR" dirty="0"/>
+          </a:p>
+        </p:txBody>
+      </p:sp>
+      <p:pic>
+        <p:nvPicPr>
+          <p:cNvPr id="8" name="Espaço Reservado para Conteúdo 7">
             <a:extLst>
               <a:ext uri="{FF2B5EF4-FFF2-40B4-BE49-F238E27FC236}">
-                <a16:creationId xmlns:a16="http://schemas.microsoft.com/office/drawing/2014/main" id="{DC13F60D-C479-4F13-82D0-D2AF0E37E6E7}"/>
+                <a16:creationId xmlns:a16="http://schemas.microsoft.com/office/drawing/2014/main" id="{97C1FE34-4EEE-4619-B237-6AD3D5A01B66}"/>
               </a:ext>
             </a:extLst>
           </p:cNvPr>
-          <p:cNvSpPr>
-            <a:spLocks noGrp="1"/>
-          </p:cNvSpPr>
+          <p:cNvPicPr>
+            <a:picLocks noGrp="1" noChangeAspect="1"/>
+          </p:cNvPicPr>
           <p:nvPr>
             <p:ph sz="half" idx="2"/>
           </p:nvPr>
-        </p:nvSpPr>
-        <p:spPr/>
-        <p:txBody>
-          <a:bodyPr/>
-          <a:lstStyle/>
-          <a:p>
-            <a:endParaRPr lang="pt-BR"/>
-          </a:p>
-        </p:txBody>
-      </p:sp>
+        </p:nvPicPr>
+        <p:blipFill>
+          <a:blip r:embed="rId2">
+            <a:extLst>
+              <a:ext uri="{28A0092B-C50C-407E-A947-70E740481C1C}">
+                <a14:useLocalDpi xmlns:a14="http://schemas.microsoft.com/office/drawing/2010/main" val="0"/>
+              </a:ext>
+              <a:ext uri="{837473B0-CC2E-450A-ABE3-18F120FF3D39}">
+                <a1611:picAttrSrcUrl xmlns:a1611="http://schemas.microsoft.com/office/drawing/2016/11/main" r:id="rId3"/>
+              </a:ext>
+            </a:extLst>
+          </a:blip>
+          <a:stretch>
+            <a:fillRect/>
+          </a:stretch>
+        </p:blipFill>
+        <p:spPr>
+          <a:xfrm>
+            <a:off x="6188075" y="2580288"/>
+            <a:ext cx="5194300" cy="2922974"/>
+          </a:xfrm>
+        </p:spPr>
+      </p:pic>
     </p:spTree>
     <p:extLst>
       <p:ext uri="{BB962C8B-B14F-4D97-AF65-F5344CB8AC3E}">
-        <p14:creationId xmlns:p14="http://schemas.microsoft.com/office/powerpoint/2010/main" val="4000625318"/>
+        <p14:creationId xmlns:p14="http://schemas.microsoft.com/office/powerpoint/2010/main" val="3812909690"/>
       </p:ext>
     </p:extLst>
   </p:cSld>

--- a/Git-GitHub/Git & Git-Hub – Aprimorando o conhecimento.pptx
+++ b/Git-GitHub/Git & Git-Hub – Aprimorando o conhecimento.pptx
@@ -13,6 +13,10 @@
     <p:sldId id="260" r:id="rId7"/>
     <p:sldId id="261" r:id="rId8"/>
     <p:sldId id="264" r:id="rId9"/>
+    <p:sldId id="265" r:id="rId10"/>
+    <p:sldId id="266" r:id="rId11"/>
+    <p:sldId id="267" r:id="rId12"/>
+    <p:sldId id="268" r:id="rId13"/>
   </p:sldIdLst>
   <p:sldSz cx="12192000" cy="6858000"/>
   <p:notesSz cx="6858000" cy="9144000"/>
@@ -214,7 +218,7 @@
           <a:effectLst/>
           <a:extLst>
             <a:ext uri="{91240B29-F687-4f45-9708-019B960494DF}">
-              <a14:hiddenLine xmlns:a14="http://schemas.microsoft.com/office/drawing/2010/main" xmlns="" w="9525">
+              <a14:hiddenLine xmlns="" xmlns:a14="http://schemas.microsoft.com/office/drawing/2010/main" w="9525">
                 <a:solidFill>
                   <a:srgbClr val="000000"/>
                 </a:solidFill>
@@ -1736,7 +1740,7 @@
           <a:ln/>
           <a:extLst>
             <a:ext uri="{91240B29-F687-4f45-9708-019B960494DF}">
-              <a14:hiddenLine xmlns:a14="http://schemas.microsoft.com/office/drawing/2010/main" xmlns="" w="9525">
+              <a14:hiddenLine xmlns="" xmlns:a14="http://schemas.microsoft.com/office/drawing/2010/main" w="9525">
                 <a:solidFill>
                   <a:srgbClr val="000000"/>
                 </a:solidFill>
@@ -2011,7 +2015,7 @@
           <a:ln/>
           <a:extLst>
             <a:ext uri="{91240B29-F687-4f45-9708-019B960494DF}">
-              <a14:hiddenLine xmlns:a14="http://schemas.microsoft.com/office/drawing/2010/main" xmlns="" w="9525">
+              <a14:hiddenLine xmlns="" xmlns:a14="http://schemas.microsoft.com/office/drawing/2010/main" w="9525">
                 <a:solidFill>
                   <a:srgbClr val="000000"/>
                 </a:solidFill>
@@ -2294,7 +2298,7 @@
           <a:ln/>
           <a:extLst>
             <a:ext uri="{91240B29-F687-4f45-9708-019B960494DF}">
-              <a14:hiddenLine xmlns:a14="http://schemas.microsoft.com/office/drawing/2010/main" xmlns="" w="9525">
+              <a14:hiddenLine xmlns="" xmlns:a14="http://schemas.microsoft.com/office/drawing/2010/main" w="9525">
                 <a:solidFill>
                   <a:srgbClr val="000000"/>
                 </a:solidFill>
@@ -2920,7 +2924,7 @@
           <a:ln/>
           <a:extLst>
             <a:ext uri="{91240B29-F687-4f45-9708-019B960494DF}">
-              <a14:hiddenLine xmlns:a14="http://schemas.microsoft.com/office/drawing/2010/main" xmlns="" w="9525">
+              <a14:hiddenLine xmlns="" xmlns:a14="http://schemas.microsoft.com/office/drawing/2010/main" w="9525">
                 <a:solidFill>
                   <a:srgbClr val="000000"/>
                 </a:solidFill>
@@ -3259,7 +3263,7 @@
           <a:ln/>
           <a:extLst>
             <a:ext uri="{91240B29-F687-4f45-9708-019B960494DF}">
-              <a14:hiddenLine xmlns:a14="http://schemas.microsoft.com/office/drawing/2010/main" xmlns="" w="9525">
+              <a14:hiddenLine xmlns="" xmlns:a14="http://schemas.microsoft.com/office/drawing/2010/main" w="9525">
                 <a:solidFill>
                   <a:srgbClr val="000000"/>
                 </a:solidFill>
@@ -3736,7 +3740,7 @@
           <a:ln/>
           <a:extLst>
             <a:ext uri="{91240B29-F687-4f45-9708-019B960494DF}">
-              <a14:hiddenLine xmlns:a14="http://schemas.microsoft.com/office/drawing/2010/main" xmlns="" w="9525">
+              <a14:hiddenLine xmlns="" xmlns:a14="http://schemas.microsoft.com/office/drawing/2010/main" w="9525">
                 <a:solidFill>
                   <a:srgbClr val="000000"/>
                 </a:solidFill>
@@ -4165,7 +4169,7 @@
           <a:ln/>
           <a:extLst>
             <a:ext uri="{91240B29-F687-4f45-9708-019B960494DF}">
-              <a14:hiddenLine xmlns:a14="http://schemas.microsoft.com/office/drawing/2010/main" xmlns="" w="9525">
+              <a14:hiddenLine xmlns="" xmlns:a14="http://schemas.microsoft.com/office/drawing/2010/main" w="9525">
                 <a:solidFill>
                   <a:srgbClr val="000000"/>
                 </a:solidFill>
@@ -5501,6 +5505,469 @@
 </p:sld>
 </file>
 
+<file path=ppt/slides/slide10.xml><?xml version="1.0" encoding="utf-8"?>
+<p:sld xmlns:a="http://schemas.openxmlformats.org/drawingml/2006/main" xmlns:r="http://schemas.openxmlformats.org/officeDocument/2006/relationships" xmlns:p="http://schemas.openxmlformats.org/presentationml/2006/main">
+  <p:cSld>
+    <p:spTree>
+      <p:nvGrpSpPr>
+        <p:cNvPr id="1" name=""/>
+        <p:cNvGrpSpPr/>
+        <p:nvPr/>
+      </p:nvGrpSpPr>
+      <p:grpSpPr>
+        <a:xfrm>
+          <a:off x="0" y="0"/>
+          <a:ext cx="0" cy="0"/>
+          <a:chOff x="0" y="0"/>
+          <a:chExt cx="0" cy="0"/>
+        </a:xfrm>
+      </p:grpSpPr>
+      <p:sp>
+        <p:nvSpPr>
+          <p:cNvPr id="2" name="Título 1">
+            <a:extLst>
+              <a:ext uri="{FF2B5EF4-FFF2-40B4-BE49-F238E27FC236}">
+                <a16:creationId xmlns:a16="http://schemas.microsoft.com/office/drawing/2014/main" id="{E79FFECE-8B1B-40AD-B90E-496672470593}"/>
+              </a:ext>
+            </a:extLst>
+          </p:cNvPr>
+          <p:cNvSpPr>
+            <a:spLocks noGrp="1"/>
+          </p:cNvSpPr>
+          <p:nvPr>
+            <p:ph type="title"/>
+          </p:nvPr>
+        </p:nvSpPr>
+        <p:spPr/>
+        <p:txBody>
+          <a:bodyPr/>
+          <a:lstStyle/>
+          <a:p>
+            <a:r>
+              <a:rPr lang="pt-BR" dirty="0" err="1"/>
+              <a:t>Git-Hub</a:t>
+            </a:r>
+            <a:endParaRPr lang="pt-BR" dirty="0"/>
+          </a:p>
+        </p:txBody>
+      </p:sp>
+      <p:sp>
+        <p:nvSpPr>
+          <p:cNvPr id="3" name="Espaço Reservado para Conteúdo 2">
+            <a:extLst>
+              <a:ext uri="{FF2B5EF4-FFF2-40B4-BE49-F238E27FC236}">
+                <a16:creationId xmlns:a16="http://schemas.microsoft.com/office/drawing/2014/main" id="{BD2A23FA-C3B2-4F4B-A8E2-DB72C4FE805E}"/>
+              </a:ext>
+            </a:extLst>
+          </p:cNvPr>
+          <p:cNvSpPr>
+            <a:spLocks noGrp="1"/>
+          </p:cNvSpPr>
+          <p:nvPr>
+            <p:ph sz="half" idx="1"/>
+          </p:nvPr>
+        </p:nvSpPr>
+        <p:spPr/>
+        <p:txBody>
+          <a:bodyPr anchor="t">
+            <a:normAutofit/>
+          </a:bodyPr>
+          <a:lstStyle/>
+          <a:p>
+            <a:pPr marL="0" indent="0">
+              <a:buNone/>
+            </a:pPr>
+            <a:r>
+              <a:rPr lang="pt-BR" dirty="0"/>
+              <a:t>No </a:t>
+            </a:r>
+            <a:r>
+              <a:rPr lang="pt-BR" dirty="0" err="1"/>
+              <a:t>Git-Hub</a:t>
+            </a:r>
+            <a:r>
+              <a:rPr lang="pt-BR" dirty="0"/>
+              <a:t> ainda temos a possibilidade de acompanhar trabalhos de amigos através do </a:t>
+            </a:r>
+            <a:r>
+              <a:rPr lang="pt-BR" i="1" dirty="0"/>
+              <a:t>feed</a:t>
+            </a:r>
+            <a:r>
+              <a:rPr lang="pt-BR" dirty="0"/>
+              <a:t> da Home. </a:t>
+            </a:r>
+          </a:p>
+          <a:p>
+            <a:pPr marL="0" indent="0">
+              <a:buNone/>
+            </a:pPr>
+            <a:endParaRPr lang="pt-BR" dirty="0"/>
+          </a:p>
+          <a:p>
+            <a:pPr marL="0" indent="0">
+              <a:buNone/>
+            </a:pPr>
+            <a:r>
+              <a:rPr lang="pt-BR" dirty="0"/>
+              <a:t>Neste </a:t>
+            </a:r>
+            <a:r>
+              <a:rPr lang="pt-BR" i="1" dirty="0"/>
+              <a:t>feed</a:t>
+            </a:r>
+            <a:r>
+              <a:rPr lang="pt-BR" dirty="0"/>
+              <a:t> é possível ver repositórios novos que estão fazendo sucesso e que, na maioria das vezes, podem lhe ajudar com algum projeto</a:t>
+            </a:r>
+          </a:p>
+          <a:p>
+            <a:pPr marL="0" indent="0">
+              <a:buNone/>
+            </a:pPr>
+            <a:endParaRPr lang="pt-BR" dirty="0"/>
+          </a:p>
+          <a:p>
+            <a:pPr marL="0" indent="0">
+              <a:buNone/>
+            </a:pPr>
+            <a:endParaRPr lang="pt-BR" dirty="0"/>
+          </a:p>
+          <a:p>
+            <a:pPr marL="0" indent="0">
+              <a:buNone/>
+            </a:pPr>
+            <a:endParaRPr lang="pt-BR" dirty="0"/>
+          </a:p>
+          <a:p>
+            <a:pPr marL="0" indent="0">
+              <a:buNone/>
+            </a:pPr>
+            <a:endParaRPr lang="pt-BR" dirty="0"/>
+          </a:p>
+        </p:txBody>
+      </p:sp>
+      <p:pic>
+        <p:nvPicPr>
+          <p:cNvPr id="6" name="Espaço Reservado para Conteúdo 5">
+            <a:extLst>
+              <a:ext uri="{FF2B5EF4-FFF2-40B4-BE49-F238E27FC236}">
+                <a16:creationId xmlns:a16="http://schemas.microsoft.com/office/drawing/2014/main" id="{DF680172-1135-46AF-BDB6-0BAB7688C108}"/>
+              </a:ext>
+            </a:extLst>
+          </p:cNvPr>
+          <p:cNvPicPr>
+            <a:picLocks noGrp="1" noChangeAspect="1"/>
+          </p:cNvPicPr>
+          <p:nvPr>
+            <p:ph sz="half" idx="2"/>
+          </p:nvPr>
+        </p:nvPicPr>
+        <p:blipFill rotWithShape="1">
+          <a:blip r:embed="rId2"/>
+          <a:srcRect l="22094" r="14540"/>
+          <a:stretch/>
+        </p:blipFill>
+        <p:spPr>
+          <a:xfrm>
+            <a:off x="6359647" y="2222288"/>
+            <a:ext cx="4720729" cy="4188524"/>
+          </a:xfrm>
+          <a:prstGeom prst="rect">
+            <a:avLst/>
+          </a:prstGeom>
+        </p:spPr>
+      </p:pic>
+    </p:spTree>
+    <p:extLst>
+      <p:ext uri="{BB962C8B-B14F-4D97-AF65-F5344CB8AC3E}">
+        <p14:creationId xmlns:p14="http://schemas.microsoft.com/office/powerpoint/2010/main" val="2724220273"/>
+      </p:ext>
+    </p:extLst>
+  </p:cSld>
+  <p:clrMapOvr>
+    <a:masterClrMapping/>
+  </p:clrMapOvr>
+</p:sld>
+</file>
+
+<file path=ppt/slides/slide11.xml><?xml version="1.0" encoding="utf-8"?>
+<p:sld xmlns:a="http://schemas.openxmlformats.org/drawingml/2006/main" xmlns:r="http://schemas.openxmlformats.org/officeDocument/2006/relationships" xmlns:p="http://schemas.openxmlformats.org/presentationml/2006/main">
+  <p:cSld>
+    <p:spTree>
+      <p:nvGrpSpPr>
+        <p:cNvPr id="1" name=""/>
+        <p:cNvGrpSpPr/>
+        <p:nvPr/>
+      </p:nvGrpSpPr>
+      <p:grpSpPr>
+        <a:xfrm>
+          <a:off x="0" y="0"/>
+          <a:ext cx="0" cy="0"/>
+          <a:chOff x="0" y="0"/>
+          <a:chExt cx="0" cy="0"/>
+        </a:xfrm>
+      </p:grpSpPr>
+      <p:sp>
+        <p:nvSpPr>
+          <p:cNvPr id="2" name="Título 1">
+            <a:extLst>
+              <a:ext uri="{FF2B5EF4-FFF2-40B4-BE49-F238E27FC236}">
+                <a16:creationId xmlns:a16="http://schemas.microsoft.com/office/drawing/2014/main" id="{E79FFECE-8B1B-40AD-B90E-496672470593}"/>
+              </a:ext>
+            </a:extLst>
+          </p:cNvPr>
+          <p:cNvSpPr>
+            <a:spLocks noGrp="1"/>
+          </p:cNvSpPr>
+          <p:nvPr>
+            <p:ph type="title"/>
+          </p:nvPr>
+        </p:nvSpPr>
+        <p:spPr/>
+        <p:txBody>
+          <a:bodyPr/>
+          <a:lstStyle/>
+          <a:p>
+            <a:r>
+              <a:rPr lang="pt-BR" dirty="0" err="1"/>
+              <a:t>Git-Hub</a:t>
+            </a:r>
+            <a:endParaRPr lang="pt-BR" dirty="0"/>
+          </a:p>
+        </p:txBody>
+      </p:sp>
+      <p:sp>
+        <p:nvSpPr>
+          <p:cNvPr id="3" name="Espaço Reservado para Conteúdo 2">
+            <a:extLst>
+              <a:ext uri="{FF2B5EF4-FFF2-40B4-BE49-F238E27FC236}">
+                <a16:creationId xmlns:a16="http://schemas.microsoft.com/office/drawing/2014/main" id="{BD2A23FA-C3B2-4F4B-A8E2-DB72C4FE805E}"/>
+              </a:ext>
+            </a:extLst>
+          </p:cNvPr>
+          <p:cNvSpPr>
+            <a:spLocks noGrp="1"/>
+          </p:cNvSpPr>
+          <p:nvPr>
+            <p:ph sz="half" idx="1"/>
+          </p:nvPr>
+        </p:nvSpPr>
+        <p:spPr/>
+        <p:txBody>
+          <a:bodyPr anchor="t">
+            <a:normAutofit/>
+          </a:bodyPr>
+          <a:lstStyle/>
+          <a:p>
+            <a:pPr marL="0" indent="0">
+              <a:buNone/>
+            </a:pPr>
+            <a:r>
+              <a:rPr lang="pt-BR" dirty="0"/>
+              <a:t>Ainda é possível acompanhar o </a:t>
+            </a:r>
+            <a:r>
+              <a:rPr lang="pt-BR" i="1" dirty="0"/>
+              <a:t>feed</a:t>
+            </a:r>
+            <a:r>
+              <a:rPr lang="pt-BR" dirty="0"/>
+              <a:t> de cada Organização do </a:t>
+            </a:r>
+            <a:r>
+              <a:rPr lang="pt-BR" dirty="0" err="1"/>
+              <a:t>Git-Hub</a:t>
+            </a:r>
+            <a:r>
+              <a:rPr lang="pt-BR" dirty="0"/>
+              <a:t> que você participe.</a:t>
+            </a:r>
+          </a:p>
+          <a:p>
+            <a:pPr marL="0" indent="0">
+              <a:buNone/>
+            </a:pPr>
+            <a:endParaRPr lang="pt-BR" dirty="0"/>
+          </a:p>
+          <a:p>
+            <a:pPr marL="0" indent="0">
+              <a:buNone/>
+            </a:pPr>
+            <a:r>
+              <a:rPr lang="pt-BR" dirty="0"/>
+              <a:t>Criar organizações é uma boa prática para projetos de grande porte que tenham diversas aplicações. </a:t>
+            </a:r>
+          </a:p>
+        </p:txBody>
+      </p:sp>
+      <p:pic>
+        <p:nvPicPr>
+          <p:cNvPr id="7" name="Espaço Reservado para Conteúdo 6">
+            <a:extLst>
+              <a:ext uri="{FF2B5EF4-FFF2-40B4-BE49-F238E27FC236}">
+                <a16:creationId xmlns:a16="http://schemas.microsoft.com/office/drawing/2014/main" id="{0DF4137C-D8A9-4CA6-9C3F-E979577AA924}"/>
+              </a:ext>
+            </a:extLst>
+          </p:cNvPr>
+          <p:cNvPicPr>
+            <a:picLocks noGrp="1" noChangeAspect="1"/>
+          </p:cNvPicPr>
+          <p:nvPr>
+            <p:ph sz="half" idx="2"/>
+          </p:nvPr>
+        </p:nvPicPr>
+        <p:blipFill>
+          <a:blip r:embed="rId2"/>
+          <a:stretch>
+            <a:fillRect/>
+          </a:stretch>
+        </p:blipFill>
+        <p:spPr>
+          <a:xfrm>
+            <a:off x="7152804" y="1547239"/>
+            <a:ext cx="4220484" cy="4988858"/>
+          </a:xfrm>
+          <a:prstGeom prst="roundRect">
+            <a:avLst>
+              <a:gd name="adj" fmla="val 2648"/>
+            </a:avLst>
+          </a:prstGeom>
+          <a:ln>
+            <a:noFill/>
+          </a:ln>
+          <a:effectLst>
+            <a:outerShdw blurRad="76200" dist="38100" dir="7800000" algn="tl" rotWithShape="0">
+              <a:srgbClr val="000000">
+                <a:alpha val="40000"/>
+              </a:srgbClr>
+            </a:outerShdw>
+          </a:effectLst>
+          <a:scene3d>
+            <a:camera prst="orthographicFront"/>
+            <a:lightRig rig="contrasting" dir="t">
+              <a:rot lat="0" lon="0" rev="4200000"/>
+            </a:lightRig>
+          </a:scene3d>
+          <a:sp3d prstMaterial="plastic">
+            <a:bevelT w="381000" h="114300" prst="relaxedInset"/>
+            <a:contourClr>
+              <a:srgbClr val="969696"/>
+            </a:contourClr>
+          </a:sp3d>
+        </p:spPr>
+      </p:pic>
+    </p:spTree>
+    <p:extLst>
+      <p:ext uri="{BB962C8B-B14F-4D97-AF65-F5344CB8AC3E}">
+        <p14:creationId xmlns:p14="http://schemas.microsoft.com/office/powerpoint/2010/main" val="2092308325"/>
+      </p:ext>
+    </p:extLst>
+  </p:cSld>
+  <p:clrMapOvr>
+    <a:masterClrMapping/>
+  </p:clrMapOvr>
+</p:sld>
+</file>
+
+<file path=ppt/slides/slide12.xml><?xml version="1.0" encoding="utf-8"?>
+<p:sld xmlns:a="http://schemas.openxmlformats.org/drawingml/2006/main" xmlns:r="http://schemas.openxmlformats.org/officeDocument/2006/relationships" xmlns:p="http://schemas.openxmlformats.org/presentationml/2006/main">
+  <p:cSld>
+    <p:spTree>
+      <p:nvGrpSpPr>
+        <p:cNvPr id="1" name=""/>
+        <p:cNvGrpSpPr/>
+        <p:nvPr/>
+      </p:nvGrpSpPr>
+      <p:grpSpPr>
+        <a:xfrm>
+          <a:off x="0" y="0"/>
+          <a:ext cx="0" cy="0"/>
+          <a:chOff x="0" y="0"/>
+          <a:chExt cx="0" cy="0"/>
+        </a:xfrm>
+      </p:grpSpPr>
+      <p:sp>
+        <p:nvSpPr>
+          <p:cNvPr id="2" name="Título 1">
+            <a:extLst>
+              <a:ext uri="{FF2B5EF4-FFF2-40B4-BE49-F238E27FC236}">
+                <a16:creationId xmlns:a16="http://schemas.microsoft.com/office/drawing/2014/main" id="{23426FBC-9380-4967-806C-FA49C8348802}"/>
+              </a:ext>
+            </a:extLst>
+          </p:cNvPr>
+          <p:cNvSpPr>
+            <a:spLocks noGrp="1"/>
+          </p:cNvSpPr>
+          <p:nvPr>
+            <p:ph type="title"/>
+          </p:nvPr>
+        </p:nvSpPr>
+        <p:spPr/>
+        <p:txBody>
+          <a:bodyPr/>
+          <a:lstStyle/>
+          <a:p>
+            <a:r>
+              <a:rPr lang="pt-BR" dirty="0"/>
+              <a:t>README.MD e Descrição do Repositório</a:t>
+            </a:r>
+          </a:p>
+        </p:txBody>
+      </p:sp>
+      <p:sp>
+        <p:nvSpPr>
+          <p:cNvPr id="3" name="Espaço Reservado para Texto 2">
+            <a:extLst>
+              <a:ext uri="{FF2B5EF4-FFF2-40B4-BE49-F238E27FC236}">
+                <a16:creationId xmlns:a16="http://schemas.microsoft.com/office/drawing/2014/main" id="{115EDC1B-89C0-4229-940C-44422C257633}"/>
+              </a:ext>
+            </a:extLst>
+          </p:cNvPr>
+          <p:cNvSpPr>
+            <a:spLocks noGrp="1"/>
+          </p:cNvSpPr>
+          <p:nvPr>
+            <p:ph type="body" idx="1"/>
+          </p:nvPr>
+        </p:nvSpPr>
+        <p:spPr/>
+        <p:txBody>
+          <a:bodyPr/>
+          <a:lstStyle/>
+          <a:p>
+            <a:r>
+              <a:rPr lang="pt-BR" dirty="0" err="1"/>
+              <a:t>Git</a:t>
+            </a:r>
+            <a:r>
+              <a:rPr lang="pt-BR" dirty="0"/>
+              <a:t> &amp; </a:t>
+            </a:r>
+            <a:r>
+              <a:rPr lang="pt-BR" dirty="0" err="1"/>
+              <a:t>Git-Hub</a:t>
+            </a:r>
+            <a:r>
+              <a:rPr lang="pt-BR"/>
+              <a:t> – Aprimorando o conhecimento</a:t>
+            </a:r>
+          </a:p>
+        </p:txBody>
+      </p:sp>
+    </p:spTree>
+    <p:extLst>
+      <p:ext uri="{BB962C8B-B14F-4D97-AF65-F5344CB8AC3E}">
+        <p14:creationId xmlns:p14="http://schemas.microsoft.com/office/powerpoint/2010/main" val="415943112"/>
+      </p:ext>
+    </p:extLst>
+  </p:cSld>
+  <p:clrMapOvr>
+    <a:masterClrMapping/>
+  </p:clrMapOvr>
+</p:sld>
+</file>
+
 <file path=ppt/slides/slide2.xml><?xml version="1.0" encoding="utf-8"?>
 <p:sld xmlns:a="http://schemas.openxmlformats.org/drawingml/2006/main" xmlns:r="http://schemas.openxmlformats.org/officeDocument/2006/relationships" xmlns:p="http://schemas.openxmlformats.org/presentationml/2006/main">
   <p:cSld>
@@ -5909,7 +6376,7 @@
             </a:pPr>
             <a:r>
               <a:rPr lang="pt-BR" sz="2400" dirty="0" err="1"/>
-              <a:t>Baddges</a:t>
+              <a:t>Badges</a:t>
             </a:r>
             <a:r>
               <a:rPr lang="pt-BR" sz="2400" dirty="0"/>
@@ -6025,7 +6492,11 @@
             </a:r>
             <a:r>
               <a:rPr lang="pt-BR" dirty="0"/>
-              <a:t> é uma ferramenta de versionamento de arquivos criada por Linus Torvalds</a:t>
+              <a:t> é uma ferramenta de versionamento de arquivos criada por </a:t>
+            </a:r>
+            <a:r>
+              <a:rPr lang="pt-BR" b="1" dirty="0"/>
+              <a:t>Linus Torvalds</a:t>
             </a:r>
           </a:p>
           <a:p>
@@ -6181,7 +6652,7 @@
         <p:spPr/>
         <p:txBody>
           <a:bodyPr anchor="t">
-            <a:normAutofit/>
+            <a:normAutofit lnSpcReduction="10000"/>
           </a:bodyPr>
           <a:lstStyle/>
           <a:p>
@@ -6236,6 +6707,32 @@
             <a:r>
               <a:rPr lang="pt-BR" sz="1800" dirty="0"/>
               <a:t>Mesclagem de funcionalidades</a:t>
+            </a:r>
+          </a:p>
+          <a:p>
+            <a:pPr marL="285750" indent="-285750">
+              <a:buFont typeface="Arial" panose="020B0604020202020204" pitchFamily="34" charset="0"/>
+              <a:buChar char="•"/>
+            </a:pPr>
+            <a:r>
+              <a:rPr lang="pt-BR" sz="1800" dirty="0"/>
+              <a:t>Remoção automática de confirmação (</a:t>
+            </a:r>
+            <a:r>
+              <a:rPr lang="pt-BR" sz="1800" dirty="0">
+                <a:latin typeface="Consolas" panose="020B0609020204030204" pitchFamily="49" charset="0"/>
+              </a:rPr>
+              <a:t>.</a:t>
+            </a:r>
+            <a:r>
+              <a:rPr lang="pt-BR" sz="1800" dirty="0" err="1">
+                <a:latin typeface="Consolas" panose="020B0609020204030204" pitchFamily="49" charset="0"/>
+              </a:rPr>
+              <a:t>gitignore</a:t>
+            </a:r>
+            <a:r>
+              <a:rPr lang="pt-BR" sz="1800" dirty="0"/>
+              <a:t>)</a:t>
             </a:r>
           </a:p>
           <a:p>
@@ -7048,7 +7545,7 @@
         <p:spPr/>
         <p:txBody>
           <a:bodyPr anchor="t">
-            <a:normAutofit fontScale="92500"/>
+            <a:normAutofit/>
           </a:bodyPr>
           <a:lstStyle/>
           <a:p>
@@ -7073,7 +7570,7 @@
             </a:r>
             <a:r>
               <a:rPr lang="pt-BR" dirty="0"/>
-              <a:t>. Nele temos diversas funcionalidades como</a:t>
+              <a:t>. Nele temos diversas funcionalidades como:</a:t>
             </a:r>
           </a:p>
           <a:p>
@@ -7137,23 +7634,6 @@
               <a:rPr lang="pt-BR" dirty="0"/>
               <a:t>)</a:t>
             </a:r>
-          </a:p>
-          <a:p>
-            <a:r>
-              <a:rPr lang="pt-BR" dirty="0"/>
-              <a:t>Documentar dados do repositório (</a:t>
-            </a:r>
-            <a:r>
-              <a:rPr lang="pt-BR" i="1" dirty="0"/>
-              <a:t>Wiki</a:t>
-            </a:r>
-            <a:r>
-              <a:rPr lang="pt-BR" dirty="0"/>
-              <a:t>)</a:t>
-            </a:r>
-          </a:p>
-          <a:p>
-            <a:endParaRPr lang="pt-BR" dirty="0"/>
           </a:p>
           <a:p>
             <a:endParaRPr lang="pt-BR" dirty="0"/>
@@ -7205,6 +7685,212 @@
     <p:extLst>
       <p:ext uri="{BB962C8B-B14F-4D97-AF65-F5344CB8AC3E}">
         <p14:creationId xmlns:p14="http://schemas.microsoft.com/office/powerpoint/2010/main" val="3812909690"/>
+      </p:ext>
+    </p:extLst>
+  </p:cSld>
+  <p:clrMapOvr>
+    <a:masterClrMapping/>
+  </p:clrMapOvr>
+</p:sld>
+</file>
+
+<file path=ppt/slides/slide9.xml><?xml version="1.0" encoding="utf-8"?>
+<p:sld xmlns:a="http://schemas.openxmlformats.org/drawingml/2006/main" xmlns:r="http://schemas.openxmlformats.org/officeDocument/2006/relationships" xmlns:p="http://schemas.openxmlformats.org/presentationml/2006/main">
+  <p:cSld>
+    <p:spTree>
+      <p:nvGrpSpPr>
+        <p:cNvPr id="1" name=""/>
+        <p:cNvGrpSpPr/>
+        <p:nvPr/>
+      </p:nvGrpSpPr>
+      <p:grpSpPr>
+        <a:xfrm>
+          <a:off x="0" y="0"/>
+          <a:ext cx="0" cy="0"/>
+          <a:chOff x="0" y="0"/>
+          <a:chExt cx="0" cy="0"/>
+        </a:xfrm>
+      </p:grpSpPr>
+      <p:sp>
+        <p:nvSpPr>
+          <p:cNvPr id="2" name="Título 1">
+            <a:extLst>
+              <a:ext uri="{FF2B5EF4-FFF2-40B4-BE49-F238E27FC236}">
+                <a16:creationId xmlns:a16="http://schemas.microsoft.com/office/drawing/2014/main" id="{E79FFECE-8B1B-40AD-B90E-496672470593}"/>
+              </a:ext>
+            </a:extLst>
+          </p:cNvPr>
+          <p:cNvSpPr>
+            <a:spLocks noGrp="1"/>
+          </p:cNvSpPr>
+          <p:nvPr>
+            <p:ph type="title"/>
+          </p:nvPr>
+        </p:nvSpPr>
+        <p:spPr/>
+        <p:txBody>
+          <a:bodyPr/>
+          <a:lstStyle/>
+          <a:p>
+            <a:r>
+              <a:rPr lang="pt-BR" dirty="0" err="1"/>
+              <a:t>Git-Hub</a:t>
+            </a:r>
+            <a:endParaRPr lang="pt-BR" dirty="0"/>
+          </a:p>
+        </p:txBody>
+      </p:sp>
+      <p:sp>
+        <p:nvSpPr>
+          <p:cNvPr id="3" name="Espaço Reservado para Conteúdo 2">
+            <a:extLst>
+              <a:ext uri="{FF2B5EF4-FFF2-40B4-BE49-F238E27FC236}">
+                <a16:creationId xmlns:a16="http://schemas.microsoft.com/office/drawing/2014/main" id="{BD2A23FA-C3B2-4F4B-A8E2-DB72C4FE805E}"/>
+              </a:ext>
+            </a:extLst>
+          </p:cNvPr>
+          <p:cNvSpPr>
+            <a:spLocks noGrp="1"/>
+          </p:cNvSpPr>
+          <p:nvPr>
+            <p:ph sz="half" idx="1"/>
+          </p:nvPr>
+        </p:nvSpPr>
+        <p:spPr/>
+        <p:txBody>
+          <a:bodyPr anchor="t">
+            <a:normAutofit/>
+          </a:bodyPr>
+          <a:lstStyle/>
+          <a:p>
+            <a:r>
+              <a:rPr lang="pt-BR" dirty="0"/>
+              <a:t>Documentar dados do repositório (</a:t>
+            </a:r>
+            <a:r>
+              <a:rPr lang="pt-BR" i="1" dirty="0"/>
+              <a:t>Wiki</a:t>
+            </a:r>
+            <a:r>
+              <a:rPr lang="pt-BR" dirty="0"/>
+              <a:t>)</a:t>
+            </a:r>
+          </a:p>
+          <a:p>
+            <a:r>
+              <a:rPr lang="pt-BR" dirty="0"/>
+              <a:t>Verificar dashboards (</a:t>
+            </a:r>
+            <a:r>
+              <a:rPr lang="pt-BR" i="1" dirty="0"/>
+              <a:t>Insights</a:t>
+            </a:r>
+            <a:r>
+              <a:rPr lang="pt-BR" dirty="0"/>
+              <a:t>)</a:t>
+            </a:r>
+          </a:p>
+          <a:p>
+            <a:r>
+              <a:rPr lang="pt-BR" dirty="0"/>
+              <a:t>Publicar </a:t>
+            </a:r>
+            <a:r>
+              <a:rPr lang="pt-BR" i="1" dirty="0"/>
+              <a:t>Releases</a:t>
+            </a:r>
+            <a:r>
+              <a:rPr lang="pt-BR" dirty="0"/>
+              <a:t> e </a:t>
+            </a:r>
+            <a:r>
+              <a:rPr lang="pt-BR" i="1" dirty="0" err="1"/>
+              <a:t>Packages</a:t>
+            </a:r>
+            <a:endParaRPr lang="pt-BR" i="1" dirty="0"/>
+          </a:p>
+          <a:p>
+            <a:r>
+              <a:rPr lang="pt-BR" dirty="0"/>
+              <a:t>Definir Código-de-Conduta, Licença e Instruções gerais</a:t>
+            </a:r>
+          </a:p>
+          <a:p>
+            <a:r>
+              <a:rPr lang="pt-BR" dirty="0"/>
+              <a:t>Arrecadar fundos (</a:t>
+            </a:r>
+            <a:r>
+              <a:rPr lang="pt-BR" i="1" dirty="0" err="1"/>
+              <a:t>Sponsors</a:t>
+            </a:r>
+            <a:r>
+              <a:rPr lang="pt-BR" dirty="0"/>
+              <a:t>)</a:t>
+            </a:r>
+          </a:p>
+          <a:p>
+            <a:r>
+              <a:rPr lang="pt-BR" dirty="0"/>
+              <a:t>Definir parâmetros de pesquisa</a:t>
+            </a:r>
+          </a:p>
+          <a:p>
+            <a:r>
+              <a:rPr lang="pt-BR" dirty="0"/>
+              <a:t>Receber estrelas ⭐⭐⭐⭐⭐</a:t>
+            </a:r>
+          </a:p>
+          <a:p>
+            <a:pPr marL="0" indent="0">
+              <a:buNone/>
+            </a:pPr>
+            <a:endParaRPr lang="pt-BR" dirty="0"/>
+          </a:p>
+        </p:txBody>
+      </p:sp>
+      <p:pic>
+        <p:nvPicPr>
+          <p:cNvPr id="8" name="Espaço Reservado para Conteúdo 7">
+            <a:extLst>
+              <a:ext uri="{FF2B5EF4-FFF2-40B4-BE49-F238E27FC236}">
+                <a16:creationId xmlns:a16="http://schemas.microsoft.com/office/drawing/2014/main" id="{97C1FE34-4EEE-4619-B237-6AD3D5A01B66}"/>
+              </a:ext>
+            </a:extLst>
+          </p:cNvPr>
+          <p:cNvPicPr>
+            <a:picLocks noGrp="1" noChangeAspect="1"/>
+          </p:cNvPicPr>
+          <p:nvPr>
+            <p:ph sz="half" idx="2"/>
+          </p:nvPr>
+        </p:nvPicPr>
+        <p:blipFill>
+          <a:blip r:embed="rId2">
+            <a:extLst>
+              <a:ext uri="{28A0092B-C50C-407E-A947-70E740481C1C}">
+                <a14:useLocalDpi xmlns:a14="http://schemas.microsoft.com/office/drawing/2010/main" val="0"/>
+              </a:ext>
+              <a:ext uri="{837473B0-CC2E-450A-ABE3-18F120FF3D39}">
+                <a1611:picAttrSrcUrl xmlns:a1611="http://schemas.microsoft.com/office/drawing/2016/11/main" r:id="rId3"/>
+              </a:ext>
+            </a:extLst>
+          </a:blip>
+          <a:stretch>
+            <a:fillRect/>
+          </a:stretch>
+        </p:blipFill>
+        <p:spPr>
+          <a:xfrm>
+            <a:off x="6188075" y="2580288"/>
+            <a:ext cx="5194300" cy="2922974"/>
+          </a:xfrm>
+        </p:spPr>
+      </p:pic>
+    </p:spTree>
+    <p:extLst>
+      <p:ext uri="{BB962C8B-B14F-4D97-AF65-F5344CB8AC3E}">
+        <p14:creationId xmlns:p14="http://schemas.microsoft.com/office/powerpoint/2010/main" val="1005190340"/>
       </p:ext>
     </p:extLst>
   </p:cSld>

--- a/Git-GitHub/Git & Git-Hub – Aprimorando o conhecimento.pptx
+++ b/Git-GitHub/Git & Git-Hub – Aprimorando o conhecimento.pptx
@@ -4,6 +4,9 @@
   <p:sldMasterIdLst>
     <p:sldMasterId id="2147483795" r:id="rId1"/>
   </p:sldMasterIdLst>
+  <p:notesMasterIdLst>
+    <p:notesMasterId r:id="rId19"/>
+  </p:notesMasterIdLst>
   <p:sldIdLst>
     <p:sldId id="256" r:id="rId2"/>
     <p:sldId id="257" r:id="rId3"/>
@@ -17,6 +20,11 @@
     <p:sldId id="266" r:id="rId11"/>
     <p:sldId id="267" r:id="rId12"/>
     <p:sldId id="268" r:id="rId13"/>
+    <p:sldId id="269" r:id="rId14"/>
+    <p:sldId id="270" r:id="rId15"/>
+    <p:sldId id="271" r:id="rId16"/>
+    <p:sldId id="272" r:id="rId17"/>
+    <p:sldId id="273" r:id="rId18"/>
   </p:sldIdLst>
   <p:sldSz cx="12192000" cy="6858000"/>
   <p:notesSz cx="6858000" cy="9144000"/>
@@ -123,6 +131,450 @@
 </p:presentation>
 </file>
 
+<file path=ppt/notesMasters/notesMaster1.xml><?xml version="1.0" encoding="utf-8"?>
+<p:notesMaster xmlns:a="http://schemas.openxmlformats.org/drawingml/2006/main" xmlns:r="http://schemas.openxmlformats.org/officeDocument/2006/relationships" xmlns:p="http://schemas.openxmlformats.org/presentationml/2006/main">
+  <p:cSld>
+    <p:bg>
+      <p:bgRef idx="1001">
+        <a:schemeClr val="bg1"/>
+      </p:bgRef>
+    </p:bg>
+    <p:spTree>
+      <p:nvGrpSpPr>
+        <p:cNvPr id="1" name=""/>
+        <p:cNvGrpSpPr/>
+        <p:nvPr/>
+      </p:nvGrpSpPr>
+      <p:grpSpPr>
+        <a:xfrm>
+          <a:off x="0" y="0"/>
+          <a:ext cx="0" cy="0"/>
+          <a:chOff x="0" y="0"/>
+          <a:chExt cx="0" cy="0"/>
+        </a:xfrm>
+      </p:grpSpPr>
+      <p:sp>
+        <p:nvSpPr>
+          <p:cNvPr id="2" name="Espaço Reservado para Cabeçalho 1"/>
+          <p:cNvSpPr>
+            <a:spLocks noGrp="1"/>
+          </p:cNvSpPr>
+          <p:nvPr>
+            <p:ph type="hdr" sz="quarter"/>
+          </p:nvPr>
+        </p:nvSpPr>
+        <p:spPr>
+          <a:xfrm>
+            <a:off x="0" y="0"/>
+            <a:ext cx="2971800" cy="458788"/>
+          </a:xfrm>
+          <a:prstGeom prst="rect">
+            <a:avLst/>
+          </a:prstGeom>
+        </p:spPr>
+        <p:txBody>
+          <a:bodyPr vert="horz" lIns="91440" tIns="45720" rIns="91440" bIns="45720" rtlCol="0"/>
+          <a:lstStyle>
+            <a:lvl1pPr algn="l">
+              <a:defRPr sz="1200"/>
+            </a:lvl1pPr>
+          </a:lstStyle>
+          <a:p>
+            <a:endParaRPr lang="pt-BR"/>
+          </a:p>
+        </p:txBody>
+      </p:sp>
+      <p:sp>
+        <p:nvSpPr>
+          <p:cNvPr id="3" name="Espaço Reservado para Data 2"/>
+          <p:cNvSpPr>
+            <a:spLocks noGrp="1"/>
+          </p:cNvSpPr>
+          <p:nvPr>
+            <p:ph type="dt" idx="1"/>
+          </p:nvPr>
+        </p:nvSpPr>
+        <p:spPr>
+          <a:xfrm>
+            <a:off x="3884613" y="0"/>
+            <a:ext cx="2971800" cy="458788"/>
+          </a:xfrm>
+          <a:prstGeom prst="rect">
+            <a:avLst/>
+          </a:prstGeom>
+        </p:spPr>
+        <p:txBody>
+          <a:bodyPr vert="horz" lIns="91440" tIns="45720" rIns="91440" bIns="45720" rtlCol="0"/>
+          <a:lstStyle>
+            <a:lvl1pPr algn="r">
+              <a:defRPr sz="1200"/>
+            </a:lvl1pPr>
+          </a:lstStyle>
+          <a:p>
+            <a:fld id="{A6AF2050-F4A5-41B1-8B2F-CEB940469450}" type="datetimeFigureOut">
+              <a:rPr lang="pt-BR" smtClean="0"/>
+              <a:t>19/03/2025</a:t>
+            </a:fld>
+            <a:endParaRPr lang="pt-BR"/>
+          </a:p>
+        </p:txBody>
+      </p:sp>
+      <p:sp>
+        <p:nvSpPr>
+          <p:cNvPr id="4" name="Espaço Reservado para Imagem de Slide 3"/>
+          <p:cNvSpPr>
+            <a:spLocks noGrp="1" noRot="1" noChangeAspect="1"/>
+          </p:cNvSpPr>
+          <p:nvPr>
+            <p:ph type="sldImg" idx="2"/>
+          </p:nvPr>
+        </p:nvSpPr>
+        <p:spPr>
+          <a:xfrm>
+            <a:off x="685800" y="1143000"/>
+            <a:ext cx="5486400" cy="3086100"/>
+          </a:xfrm>
+          <a:prstGeom prst="rect">
+            <a:avLst/>
+          </a:prstGeom>
+          <a:noFill/>
+          <a:ln w="12700">
+            <a:solidFill>
+              <a:prstClr val="black"/>
+            </a:solidFill>
+          </a:ln>
+        </p:spPr>
+        <p:txBody>
+          <a:bodyPr vert="horz" lIns="91440" tIns="45720" rIns="91440" bIns="45720" rtlCol="0" anchor="ctr"/>
+          <a:lstStyle/>
+          <a:p>
+            <a:endParaRPr lang="pt-BR"/>
+          </a:p>
+        </p:txBody>
+      </p:sp>
+      <p:sp>
+        <p:nvSpPr>
+          <p:cNvPr id="5" name="Espaço Reservado para Anotações 4"/>
+          <p:cNvSpPr>
+            <a:spLocks noGrp="1"/>
+          </p:cNvSpPr>
+          <p:nvPr>
+            <p:ph type="body" sz="quarter" idx="3"/>
+          </p:nvPr>
+        </p:nvSpPr>
+        <p:spPr>
+          <a:xfrm>
+            <a:off x="685800" y="4400550"/>
+            <a:ext cx="5486400" cy="3600450"/>
+          </a:xfrm>
+          <a:prstGeom prst="rect">
+            <a:avLst/>
+          </a:prstGeom>
+        </p:spPr>
+        <p:txBody>
+          <a:bodyPr vert="horz" lIns="91440" tIns="45720" rIns="91440" bIns="45720" rtlCol="0"/>
+          <a:lstStyle/>
+          <a:p>
+            <a:pPr lvl="0"/>
+            <a:r>
+              <a:rPr lang="pt-BR"/>
+              <a:t>Clique para editar os estilos de texto Mestres</a:t>
+            </a:r>
+          </a:p>
+          <a:p>
+            <a:pPr lvl="1"/>
+            <a:r>
+              <a:rPr lang="pt-BR"/>
+              <a:t>Segundo nível</a:t>
+            </a:r>
+          </a:p>
+          <a:p>
+            <a:pPr lvl="2"/>
+            <a:r>
+              <a:rPr lang="pt-BR"/>
+              <a:t>Terceiro nível</a:t>
+            </a:r>
+          </a:p>
+          <a:p>
+            <a:pPr lvl="3"/>
+            <a:r>
+              <a:rPr lang="pt-BR"/>
+              <a:t>Quarto nível</a:t>
+            </a:r>
+          </a:p>
+          <a:p>
+            <a:pPr lvl="4"/>
+            <a:r>
+              <a:rPr lang="pt-BR"/>
+              <a:t>Quinto nível</a:t>
+            </a:r>
+          </a:p>
+        </p:txBody>
+      </p:sp>
+      <p:sp>
+        <p:nvSpPr>
+          <p:cNvPr id="6" name="Espaço Reservado para Rodapé 5"/>
+          <p:cNvSpPr>
+            <a:spLocks noGrp="1"/>
+          </p:cNvSpPr>
+          <p:nvPr>
+            <p:ph type="ftr" sz="quarter" idx="4"/>
+          </p:nvPr>
+        </p:nvSpPr>
+        <p:spPr>
+          <a:xfrm>
+            <a:off x="0" y="8685213"/>
+            <a:ext cx="2971800" cy="458787"/>
+          </a:xfrm>
+          <a:prstGeom prst="rect">
+            <a:avLst/>
+          </a:prstGeom>
+        </p:spPr>
+        <p:txBody>
+          <a:bodyPr vert="horz" lIns="91440" tIns="45720" rIns="91440" bIns="45720" rtlCol="0" anchor="b"/>
+          <a:lstStyle>
+            <a:lvl1pPr algn="l">
+              <a:defRPr sz="1200"/>
+            </a:lvl1pPr>
+          </a:lstStyle>
+          <a:p>
+            <a:endParaRPr lang="pt-BR"/>
+          </a:p>
+        </p:txBody>
+      </p:sp>
+      <p:sp>
+        <p:nvSpPr>
+          <p:cNvPr id="7" name="Espaço Reservado para Número de Slide 6"/>
+          <p:cNvSpPr>
+            <a:spLocks noGrp="1"/>
+          </p:cNvSpPr>
+          <p:nvPr>
+            <p:ph type="sldNum" sz="quarter" idx="5"/>
+          </p:nvPr>
+        </p:nvSpPr>
+        <p:spPr>
+          <a:xfrm>
+            <a:off x="3884613" y="8685213"/>
+            <a:ext cx="2971800" cy="458787"/>
+          </a:xfrm>
+          <a:prstGeom prst="rect">
+            <a:avLst/>
+          </a:prstGeom>
+        </p:spPr>
+        <p:txBody>
+          <a:bodyPr vert="horz" lIns="91440" tIns="45720" rIns="91440" bIns="45720" rtlCol="0" anchor="b"/>
+          <a:lstStyle>
+            <a:lvl1pPr algn="r">
+              <a:defRPr sz="1200"/>
+            </a:lvl1pPr>
+          </a:lstStyle>
+          <a:p>
+            <a:fld id="{25F08706-877A-4C08-9971-45F2131156D8}" type="slidenum">
+              <a:rPr lang="pt-BR" smtClean="0"/>
+              <a:t>‹nº›</a:t>
+            </a:fld>
+            <a:endParaRPr lang="pt-BR"/>
+          </a:p>
+        </p:txBody>
+      </p:sp>
+    </p:spTree>
+    <p:extLst>
+      <p:ext uri="{BB962C8B-B14F-4D97-AF65-F5344CB8AC3E}">
+        <p14:creationId xmlns:p14="http://schemas.microsoft.com/office/powerpoint/2010/main" val="1988360323"/>
+      </p:ext>
+    </p:extLst>
+  </p:cSld>
+  <p:clrMap bg1="lt1" tx1="dk1" bg2="lt2" tx2="dk2" accent1="accent1" accent2="accent2" accent3="accent3" accent4="accent4" accent5="accent5" accent6="accent6" hlink="hlink" folHlink="folHlink"/>
+  <p:notesStyle>
+    <a:lvl1pPr marL="0" algn="l" defTabSz="914400" rtl="0" eaLnBrk="1" latinLnBrk="0" hangingPunct="1">
+      <a:defRPr sz="1200" kern="1200">
+        <a:solidFill>
+          <a:schemeClr val="tx1"/>
+        </a:solidFill>
+        <a:latin typeface="+mn-lt"/>
+        <a:ea typeface="+mn-ea"/>
+        <a:cs typeface="+mn-cs"/>
+      </a:defRPr>
+    </a:lvl1pPr>
+    <a:lvl2pPr marL="457200" algn="l" defTabSz="914400" rtl="0" eaLnBrk="1" latinLnBrk="0" hangingPunct="1">
+      <a:defRPr sz="1200" kern="1200">
+        <a:solidFill>
+          <a:schemeClr val="tx1"/>
+        </a:solidFill>
+        <a:latin typeface="+mn-lt"/>
+        <a:ea typeface="+mn-ea"/>
+        <a:cs typeface="+mn-cs"/>
+      </a:defRPr>
+    </a:lvl2pPr>
+    <a:lvl3pPr marL="914400" algn="l" defTabSz="914400" rtl="0" eaLnBrk="1" latinLnBrk="0" hangingPunct="1">
+      <a:defRPr sz="1200" kern="1200">
+        <a:solidFill>
+          <a:schemeClr val="tx1"/>
+        </a:solidFill>
+        <a:latin typeface="+mn-lt"/>
+        <a:ea typeface="+mn-ea"/>
+        <a:cs typeface="+mn-cs"/>
+      </a:defRPr>
+    </a:lvl3pPr>
+    <a:lvl4pPr marL="1371600" algn="l" defTabSz="914400" rtl="0" eaLnBrk="1" latinLnBrk="0" hangingPunct="1">
+      <a:defRPr sz="1200" kern="1200">
+        <a:solidFill>
+          <a:schemeClr val="tx1"/>
+        </a:solidFill>
+        <a:latin typeface="+mn-lt"/>
+        <a:ea typeface="+mn-ea"/>
+        <a:cs typeface="+mn-cs"/>
+      </a:defRPr>
+    </a:lvl4pPr>
+    <a:lvl5pPr marL="1828800" algn="l" defTabSz="914400" rtl="0" eaLnBrk="1" latinLnBrk="0" hangingPunct="1">
+      <a:defRPr sz="1200" kern="1200">
+        <a:solidFill>
+          <a:schemeClr val="tx1"/>
+        </a:solidFill>
+        <a:latin typeface="+mn-lt"/>
+        <a:ea typeface="+mn-ea"/>
+        <a:cs typeface="+mn-cs"/>
+      </a:defRPr>
+    </a:lvl5pPr>
+    <a:lvl6pPr marL="2286000" algn="l" defTabSz="914400" rtl="0" eaLnBrk="1" latinLnBrk="0" hangingPunct="1">
+      <a:defRPr sz="1200" kern="1200">
+        <a:solidFill>
+          <a:schemeClr val="tx1"/>
+        </a:solidFill>
+        <a:latin typeface="+mn-lt"/>
+        <a:ea typeface="+mn-ea"/>
+        <a:cs typeface="+mn-cs"/>
+      </a:defRPr>
+    </a:lvl6pPr>
+    <a:lvl7pPr marL="2743200" algn="l" defTabSz="914400" rtl="0" eaLnBrk="1" latinLnBrk="0" hangingPunct="1">
+      <a:defRPr sz="1200" kern="1200">
+        <a:solidFill>
+          <a:schemeClr val="tx1"/>
+        </a:solidFill>
+        <a:latin typeface="+mn-lt"/>
+        <a:ea typeface="+mn-ea"/>
+        <a:cs typeface="+mn-cs"/>
+      </a:defRPr>
+    </a:lvl7pPr>
+    <a:lvl8pPr marL="3200400" algn="l" defTabSz="914400" rtl="0" eaLnBrk="1" latinLnBrk="0" hangingPunct="1">
+      <a:defRPr sz="1200" kern="1200">
+        <a:solidFill>
+          <a:schemeClr val="tx1"/>
+        </a:solidFill>
+        <a:latin typeface="+mn-lt"/>
+        <a:ea typeface="+mn-ea"/>
+        <a:cs typeface="+mn-cs"/>
+      </a:defRPr>
+    </a:lvl8pPr>
+    <a:lvl9pPr marL="3657600" algn="l" defTabSz="914400" rtl="0" eaLnBrk="1" latinLnBrk="0" hangingPunct="1">
+      <a:defRPr sz="1200" kern="1200">
+        <a:solidFill>
+          <a:schemeClr val="tx1"/>
+        </a:solidFill>
+        <a:latin typeface="+mn-lt"/>
+        <a:ea typeface="+mn-ea"/>
+        <a:cs typeface="+mn-cs"/>
+      </a:defRPr>
+    </a:lvl9pPr>
+  </p:notesStyle>
+</p:notesMaster>
+</file>
+
+<file path=ppt/notesSlides/notesSlide1.xml><?xml version="1.0" encoding="utf-8"?>
+<p:notes xmlns:a="http://schemas.openxmlformats.org/drawingml/2006/main" xmlns:r="http://schemas.openxmlformats.org/officeDocument/2006/relationships" xmlns:p="http://schemas.openxmlformats.org/presentationml/2006/main">
+  <p:cSld>
+    <p:spTree>
+      <p:nvGrpSpPr>
+        <p:cNvPr id="1" name=""/>
+        <p:cNvGrpSpPr/>
+        <p:nvPr/>
+      </p:nvGrpSpPr>
+      <p:grpSpPr>
+        <a:xfrm>
+          <a:off x="0" y="0"/>
+          <a:ext cx="0" cy="0"/>
+          <a:chOff x="0" y="0"/>
+          <a:chExt cx="0" cy="0"/>
+        </a:xfrm>
+      </p:grpSpPr>
+      <p:sp>
+        <p:nvSpPr>
+          <p:cNvPr id="2" name="Espaço Reservado para Imagem de Slide 1"/>
+          <p:cNvSpPr>
+            <a:spLocks noGrp="1" noRot="1" noChangeAspect="1"/>
+          </p:cNvSpPr>
+          <p:nvPr>
+            <p:ph type="sldImg"/>
+          </p:nvPr>
+        </p:nvSpPr>
+        <p:spPr/>
+      </p:sp>
+      <p:sp>
+        <p:nvSpPr>
+          <p:cNvPr id="3" name="Espaço Reservado para Anotações 2"/>
+          <p:cNvSpPr>
+            <a:spLocks noGrp="1"/>
+          </p:cNvSpPr>
+          <p:nvPr>
+            <p:ph type="body" idx="1"/>
+          </p:nvPr>
+        </p:nvSpPr>
+        <p:spPr/>
+        <p:txBody>
+          <a:bodyPr/>
+          <a:lstStyle/>
+          <a:p>
+            <a:r>
+              <a:rPr lang="pt-BR" dirty="0"/>
+              <a:t>Qual o conhecimento de </a:t>
+            </a:r>
+            <a:r>
+              <a:rPr lang="pt-BR" dirty="0" err="1"/>
+              <a:t>vcs</a:t>
+            </a:r>
+            <a:r>
+              <a:rPr lang="pt-BR" dirty="0"/>
+              <a:t> em GIT e GIT-HUB?</a:t>
+            </a:r>
+          </a:p>
+        </p:txBody>
+      </p:sp>
+      <p:sp>
+        <p:nvSpPr>
+          <p:cNvPr id="4" name="Espaço Reservado para Número de Slide 3"/>
+          <p:cNvSpPr>
+            <a:spLocks noGrp="1"/>
+          </p:cNvSpPr>
+          <p:nvPr>
+            <p:ph type="sldNum" sz="quarter" idx="5"/>
+          </p:nvPr>
+        </p:nvSpPr>
+        <p:spPr/>
+        <p:txBody>
+          <a:bodyPr/>
+          <a:lstStyle/>
+          <a:p>
+            <a:fld id="{25F08706-877A-4C08-9971-45F2131156D8}" type="slidenum">
+              <a:rPr lang="pt-BR" smtClean="0"/>
+              <a:t>2</a:t>
+            </a:fld>
+            <a:endParaRPr lang="pt-BR"/>
+          </a:p>
+        </p:txBody>
+      </p:sp>
+    </p:spTree>
+    <p:extLst>
+      <p:ext uri="{BB962C8B-B14F-4D97-AF65-F5344CB8AC3E}">
+        <p14:creationId xmlns:p14="http://schemas.microsoft.com/office/powerpoint/2010/main" val="48891432"/>
+      </p:ext>
+    </p:extLst>
+  </p:cSld>
+  <p:clrMapOvr>
+    <a:masterClrMapping/>
+  </p:clrMapOvr>
+</p:notes>
+</file>
+
 <file path=ppt/slideLayouts/slideLayout1.xml><?xml version="1.0" encoding="utf-8"?>
 <p:sldLayout xmlns:a="http://schemas.openxmlformats.org/drawingml/2006/main" xmlns:r="http://schemas.openxmlformats.org/officeDocument/2006/relationships" xmlns:p="http://schemas.openxmlformats.org/presentationml/2006/main" type="title" preserve="1">
   <p:cSld name="Slide de Título">
@@ -410,7 +862,7 @@
           <a:p>
             <a:fld id="{7E3A08E2-22EA-4B94-AECE-CF991948958D}" type="datetimeFigureOut">
               <a:rPr lang="pt-BR" smtClean="0"/>
-              <a:t>18/03/2025</a:t>
+              <a:t>19/03/2025</a:t>
             </a:fld>
             <a:endParaRPr lang="pt-BR"/>
           </a:p>
@@ -728,7 +1180,7 @@
           <a:p>
             <a:fld id="{7E3A08E2-22EA-4B94-AECE-CF991948958D}" type="datetimeFigureOut">
               <a:rPr lang="pt-BR" smtClean="0"/>
-              <a:t>18/03/2025</a:t>
+              <a:t>19/03/2025</a:t>
             </a:fld>
             <a:endParaRPr lang="pt-BR"/>
           </a:p>
@@ -1216,7 +1668,7 @@
           <a:p>
             <a:fld id="{7E3A08E2-22EA-4B94-AECE-CF991948958D}" type="datetimeFigureOut">
               <a:rPr lang="pt-BR" smtClean="0"/>
-              <a:t>18/03/2025</a:t>
+              <a:t>19/03/2025</a:t>
             </a:fld>
             <a:endParaRPr lang="pt-BR"/>
           </a:p>
@@ -1585,7 +2037,7 @@
           <a:p>
             <a:fld id="{7E3A08E2-22EA-4B94-AECE-CF991948958D}" type="datetimeFigureOut">
               <a:rPr lang="pt-BR" smtClean="0"/>
-              <a:t>18/03/2025</a:t>
+              <a:t>19/03/2025</a:t>
             </a:fld>
             <a:endParaRPr lang="pt-BR"/>
           </a:p>
@@ -1858,7 +2310,7 @@
           <a:p>
             <a:fld id="{7E3A08E2-22EA-4B94-AECE-CF991948958D}" type="datetimeFigureOut">
               <a:rPr lang="pt-BR" smtClean="0"/>
-              <a:t>18/03/2025</a:t>
+              <a:t>19/03/2025</a:t>
             </a:fld>
             <a:endParaRPr lang="pt-BR"/>
           </a:p>
@@ -2143,7 +2595,7 @@
           <a:p>
             <a:fld id="{7E3A08E2-22EA-4B94-AECE-CF991948958D}" type="datetimeFigureOut">
               <a:rPr lang="pt-BR" smtClean="0"/>
-              <a:t>18/03/2025</a:t>
+              <a:t>19/03/2025</a:t>
             </a:fld>
             <a:endParaRPr lang="pt-BR"/>
           </a:p>
@@ -2426,7 +2878,7 @@
           <a:p>
             <a:fld id="{7E3A08E2-22EA-4B94-AECE-CF991948958D}" type="datetimeFigureOut">
               <a:rPr lang="pt-BR" smtClean="0"/>
-              <a:t>18/03/2025</a:t>
+              <a:t>19/03/2025</a:t>
             </a:fld>
             <a:endParaRPr lang="pt-BR"/>
           </a:p>
@@ -2769,7 +3221,7 @@
           <a:p>
             <a:fld id="{7E3A08E2-22EA-4B94-AECE-CF991948958D}" type="datetimeFigureOut">
               <a:rPr lang="pt-BR" smtClean="0"/>
-              <a:t>18/03/2025</a:t>
+              <a:t>19/03/2025</a:t>
             </a:fld>
             <a:endParaRPr lang="pt-BR"/>
           </a:p>
@@ -3108,7 +3560,7 @@
           <a:p>
             <a:fld id="{7E3A08E2-22EA-4B94-AECE-CF991948958D}" type="datetimeFigureOut">
               <a:rPr lang="pt-BR" smtClean="0"/>
-              <a:t>18/03/2025</a:t>
+              <a:t>19/03/2025</a:t>
             </a:fld>
             <a:endParaRPr lang="pt-BR"/>
           </a:p>
@@ -3585,7 +4037,7 @@
           <a:p>
             <a:fld id="{7E3A08E2-22EA-4B94-AECE-CF991948958D}" type="datetimeFigureOut">
               <a:rPr lang="pt-BR" smtClean="0"/>
-              <a:t>18/03/2025</a:t>
+              <a:t>19/03/2025</a:t>
             </a:fld>
             <a:endParaRPr lang="pt-BR"/>
           </a:p>
@@ -3806,7 +4258,7 @@
           <a:p>
             <a:fld id="{7E3A08E2-22EA-4B94-AECE-CF991948958D}" type="datetimeFigureOut">
               <a:rPr lang="pt-BR" smtClean="0"/>
-              <a:t>18/03/2025</a:t>
+              <a:t>19/03/2025</a:t>
             </a:fld>
             <a:endParaRPr lang="pt-BR"/>
           </a:p>
@@ -3901,7 +4353,7 @@
           <a:p>
             <a:fld id="{7E3A08E2-22EA-4B94-AECE-CF991948958D}" type="datetimeFigureOut">
               <a:rPr lang="pt-BR" smtClean="0"/>
-              <a:t>18/03/2025</a:t>
+              <a:t>19/03/2025</a:t>
             </a:fld>
             <a:endParaRPr lang="pt-BR"/>
           </a:p>
@@ -4368,7 +4820,7 @@
           <a:p>
             <a:fld id="{7E3A08E2-22EA-4B94-AECE-CF991948958D}" type="datetimeFigureOut">
               <a:rPr lang="pt-BR" smtClean="0"/>
-              <a:t>18/03/2025</a:t>
+              <a:t>19/03/2025</a:t>
             </a:fld>
             <a:endParaRPr lang="pt-BR"/>
           </a:p>
@@ -4681,7 +5133,7 @@
           <a:p>
             <a:fld id="{7E3A08E2-22EA-4B94-AECE-CF991948958D}" type="datetimeFigureOut">
               <a:rPr lang="pt-BR" smtClean="0"/>
-              <a:t>18/03/2025</a:t>
+              <a:t>19/03/2025</a:t>
             </a:fld>
             <a:endParaRPr lang="pt-BR"/>
           </a:p>
@@ -4951,7 +5403,7 @@
           <a:p>
             <a:fld id="{7E3A08E2-22EA-4B94-AECE-CF991948958D}" type="datetimeFigureOut">
               <a:rPr lang="pt-BR" smtClean="0"/>
-              <a:t>18/03/2025</a:t>
+              <a:t>19/03/2025</a:t>
             </a:fld>
             <a:endParaRPr lang="pt-BR"/>
           </a:p>
@@ -5463,7 +5915,7 @@
           <a:p>
             <a:r>
               <a:rPr lang="pt-BR" dirty="0"/>
-              <a:t>Capacitação dedicada de </a:t>
+              <a:t>Capacitação dedicada em </a:t>
             </a:r>
             <a:r>
               <a:rPr lang="pt-BR" dirty="0" err="1"/>
@@ -5479,19 +5931,128 @@
             </a:r>
             <a:r>
               <a:rPr lang="pt-BR" dirty="0"/>
-              <a:t> para </a:t>
-            </a:r>
-            <a:r>
-              <a:rPr lang="pt-BR" dirty="0" err="1"/>
-              <a:t>Recode</a:t>
-            </a:r>
-            <a:r>
-              <a:rPr lang="pt-BR" dirty="0"/>
-              <a:t> Jr</a:t>
-            </a:r>
-          </a:p>
-        </p:txBody>
-      </p:sp>
+              <a:t> para gestão de projetos</a:t>
+            </a:r>
+          </a:p>
+        </p:txBody>
+      </p:sp>
+      <p:pic>
+        <p:nvPicPr>
+          <p:cNvPr id="1026" name="Picture 2">
+            <a:extLst>
+              <a:ext uri="{FF2B5EF4-FFF2-40B4-BE49-F238E27FC236}">
+                <a16:creationId xmlns:a16="http://schemas.microsoft.com/office/drawing/2014/main" id="{40090EFD-9E38-410C-AC8B-2EF2DB264E1F}"/>
+              </a:ext>
+            </a:extLst>
+          </p:cNvPr>
+          <p:cNvPicPr>
+            <a:picLocks noChangeAspect="1" noChangeArrowheads="1"/>
+          </p:cNvPicPr>
+          <p:nvPr/>
+        </p:nvPicPr>
+        <p:blipFill>
+          <a:blip r:embed="rId2">
+            <a:extLst>
+              <a:ext uri="{28A0092B-C50C-407E-A947-70E740481C1C}">
+                <a14:useLocalDpi xmlns:a14="http://schemas.microsoft.com/office/drawing/2010/main" val="0"/>
+              </a:ext>
+            </a:extLst>
+          </a:blip>
+          <a:srcRect/>
+          <a:stretch>
+            <a:fillRect/>
+          </a:stretch>
+        </p:blipFill>
+        <p:spPr bwMode="auto">
+          <a:xfrm>
+            <a:off x="10693732" y="5408853"/>
+            <a:ext cx="1215879" cy="1215879"/>
+          </a:xfrm>
+          <a:prstGeom prst="rect">
+            <a:avLst/>
+          </a:prstGeom>
+          <a:noFill/>
+          <a:extLst>
+            <a:ext uri="{909E8E84-426E-40DD-AFC4-6F175D3DCCD1}">
+              <a14:hiddenFill xmlns:a14="http://schemas.microsoft.com/office/drawing/2010/main">
+                <a:solidFill>
+                  <a:srgbClr val="FFFFFF"/>
+                </a:solidFill>
+              </a14:hiddenFill>
+            </a:ext>
+          </a:extLst>
+        </p:spPr>
+      </p:pic>
+      <p:pic>
+        <p:nvPicPr>
+          <p:cNvPr id="1028" name="Picture 4" descr="@RecodeJr">
+            <a:extLst>
+              <a:ext uri="{FF2B5EF4-FFF2-40B4-BE49-F238E27FC236}">
+                <a16:creationId xmlns:a16="http://schemas.microsoft.com/office/drawing/2014/main" id="{F0ED9EC7-C9E8-4055-A714-FF764D0D7E28}"/>
+              </a:ext>
+            </a:extLst>
+          </p:cNvPr>
+          <p:cNvPicPr>
+            <a:picLocks noChangeAspect="1" noChangeArrowheads="1"/>
+          </p:cNvPicPr>
+          <p:nvPr/>
+        </p:nvPicPr>
+        <p:blipFill>
+          <a:blip r:embed="rId3">
+            <a:extLst>
+              <a:ext uri="{28A0092B-C50C-407E-A947-70E740481C1C}">
+                <a14:useLocalDpi xmlns:a14="http://schemas.microsoft.com/office/drawing/2010/main" val="0"/>
+              </a:ext>
+            </a:extLst>
+          </a:blip>
+          <a:srcRect/>
+          <a:stretch>
+            <a:fillRect/>
+          </a:stretch>
+        </p:blipFill>
+        <p:spPr bwMode="auto">
+          <a:xfrm>
+            <a:off x="9262699" y="5408852"/>
+            <a:ext cx="1215879" cy="1215879"/>
+          </a:xfrm>
+          <a:prstGeom prst="ellipse">
+            <a:avLst/>
+          </a:prstGeom>
+          <a:ln w="63500" cap="rnd">
+            <a:solidFill>
+              <a:srgbClr val="333333"/>
+            </a:solidFill>
+          </a:ln>
+          <a:effectLst>
+            <a:outerShdw blurRad="381000" dist="292100" dir="5400000" sx="-80000" sy="-18000" rotWithShape="0">
+              <a:srgbClr val="000000">
+                <a:alpha val="22000"/>
+              </a:srgbClr>
+            </a:outerShdw>
+          </a:effectLst>
+          <a:scene3d>
+            <a:camera prst="orthographicFront"/>
+            <a:lightRig rig="contrasting" dir="t">
+              <a:rot lat="0" lon="0" rev="3000000"/>
+            </a:lightRig>
+          </a:scene3d>
+          <a:sp3d contourW="7620">
+            <a:bevelT w="95250" h="31750"/>
+            <a:contourClr>
+              <a:srgbClr val="333333"/>
+            </a:contourClr>
+          </a:sp3d>
+          <a:extLst>
+            <a:ext uri="{909E8E84-426E-40DD-AFC4-6F175D3DCCD1}">
+              <a14:hiddenFill xmlns:a14="http://schemas.microsoft.com/office/drawing/2010/main">
+                <a:solidFill>
+                  <a:srgbClr val="FFFFFF"/>
+                </a:solidFill>
+              </a14:hiddenFill>
+            </a:ext>
+          </a:extLst>
+        </p:spPr>
+      </p:pic>
     </p:spTree>
     <p:extLst>
       <p:ext uri="{BB962C8B-B14F-4D97-AF65-F5344CB8AC3E}">
@@ -5910,7 +6471,7 @@
           <a:p>
             <a:r>
               <a:rPr lang="pt-BR" dirty="0"/>
-              <a:t>README.MD e Descrição do Repositório</a:t>
+              <a:t>README.md e Descrição do Repositório</a:t>
             </a:r>
           </a:p>
         </p:txBody>
@@ -5959,6 +6520,1318 @@
     <p:extLst>
       <p:ext uri="{BB962C8B-B14F-4D97-AF65-F5344CB8AC3E}">
         <p14:creationId xmlns:p14="http://schemas.microsoft.com/office/powerpoint/2010/main" val="415943112"/>
+      </p:ext>
+    </p:extLst>
+  </p:cSld>
+  <p:clrMapOvr>
+    <a:masterClrMapping/>
+  </p:clrMapOvr>
+</p:sld>
+</file>
+
+<file path=ppt/slides/slide13.xml><?xml version="1.0" encoding="utf-8"?>
+<p:sld xmlns:a="http://schemas.openxmlformats.org/drawingml/2006/main" xmlns:r="http://schemas.openxmlformats.org/officeDocument/2006/relationships" xmlns:p="http://schemas.openxmlformats.org/presentationml/2006/main">
+  <p:cSld>
+    <p:spTree>
+      <p:nvGrpSpPr>
+        <p:cNvPr id="1" name=""/>
+        <p:cNvGrpSpPr/>
+        <p:nvPr/>
+      </p:nvGrpSpPr>
+      <p:grpSpPr>
+        <a:xfrm>
+          <a:off x="0" y="0"/>
+          <a:ext cx="0" cy="0"/>
+          <a:chOff x="0" y="0"/>
+          <a:chExt cx="0" cy="0"/>
+        </a:xfrm>
+      </p:grpSpPr>
+      <p:sp>
+        <p:nvSpPr>
+          <p:cNvPr id="2" name="Título 1">
+            <a:extLst>
+              <a:ext uri="{FF2B5EF4-FFF2-40B4-BE49-F238E27FC236}">
+                <a16:creationId xmlns:a16="http://schemas.microsoft.com/office/drawing/2014/main" id="{21B2DC09-A766-44A6-9987-59B83752FD51}"/>
+              </a:ext>
+            </a:extLst>
+          </p:cNvPr>
+          <p:cNvSpPr>
+            <a:spLocks noGrp="1"/>
+          </p:cNvSpPr>
+          <p:nvPr>
+            <p:ph type="title"/>
+          </p:nvPr>
+        </p:nvSpPr>
+        <p:spPr/>
+        <p:txBody>
+          <a:bodyPr/>
+          <a:lstStyle/>
+          <a:p>
+            <a:r>
+              <a:rPr lang="pt-BR" dirty="0"/>
+              <a:t>README.md </a:t>
+            </a:r>
+          </a:p>
+        </p:txBody>
+      </p:sp>
+      <p:sp>
+        <p:nvSpPr>
+          <p:cNvPr id="3" name="Espaço Reservado para Conteúdo 2">
+            <a:extLst>
+              <a:ext uri="{FF2B5EF4-FFF2-40B4-BE49-F238E27FC236}">
+                <a16:creationId xmlns:a16="http://schemas.microsoft.com/office/drawing/2014/main" id="{E58B1CC9-D1A5-4E93-BADD-F73694638988}"/>
+              </a:ext>
+            </a:extLst>
+          </p:cNvPr>
+          <p:cNvSpPr>
+            <a:spLocks noGrp="1"/>
+          </p:cNvSpPr>
+          <p:nvPr>
+            <p:ph sz="half" idx="1"/>
+          </p:nvPr>
+        </p:nvSpPr>
+        <p:spPr/>
+        <p:txBody>
+          <a:bodyPr anchor="t"/>
+          <a:lstStyle/>
+          <a:p>
+            <a:pPr marL="0" indent="0">
+              <a:buNone/>
+            </a:pPr>
+            <a:r>
+              <a:rPr lang="pt-BR" dirty="0"/>
+              <a:t>O </a:t>
+            </a:r>
+            <a:r>
+              <a:rPr lang="pt-BR" dirty="0">
+                <a:latin typeface="Consolas" panose="020B0609020204030204" pitchFamily="49" charset="0"/>
+              </a:rPr>
+              <a:t>README.md </a:t>
+            </a:r>
+            <a:r>
+              <a:rPr lang="pt-BR" dirty="0">
+                <a:latin typeface="+mj-lt"/>
+              </a:rPr>
+              <a:t>é um arquivo utilizado dentro do </a:t>
+            </a:r>
+            <a:r>
+              <a:rPr lang="pt-BR" dirty="0" err="1">
+                <a:latin typeface="+mj-lt"/>
+              </a:rPr>
+              <a:t>Git-Hub</a:t>
+            </a:r>
+            <a:r>
+              <a:rPr lang="pt-BR" dirty="0">
+                <a:latin typeface="+mj-lt"/>
+              </a:rPr>
+              <a:t> para descrever perfis, repositórios, projetos, etc. Serve pra documentar tudo</a:t>
+            </a:r>
+          </a:p>
+          <a:p>
+            <a:pPr marL="0" indent="0">
+              <a:buNone/>
+            </a:pPr>
+            <a:endParaRPr lang="pt-BR" dirty="0">
+              <a:latin typeface="+mj-lt"/>
+            </a:endParaRPr>
+          </a:p>
+          <a:p>
+            <a:pPr marL="0" indent="0">
+              <a:buNone/>
+            </a:pPr>
+            <a:r>
+              <a:rPr lang="pt-BR" dirty="0">
+                <a:latin typeface="+mj-lt"/>
+              </a:rPr>
+              <a:t>A linguagem básica para esse arquivo é a </a:t>
+            </a:r>
+            <a:r>
+              <a:rPr lang="pt-BR" dirty="0" err="1">
+                <a:latin typeface="+mj-lt"/>
+              </a:rPr>
+              <a:t>Markdown</a:t>
+            </a:r>
+            <a:r>
+              <a:rPr lang="pt-BR" dirty="0">
+                <a:latin typeface="+mj-lt"/>
+              </a:rPr>
+              <a:t>. É uma linguagem de marcação com recursos semelhante à HTML.</a:t>
+            </a:r>
+          </a:p>
+          <a:p>
+            <a:pPr marL="0" indent="0">
+              <a:buNone/>
+            </a:pPr>
+            <a:endParaRPr lang="pt-BR" dirty="0">
+              <a:latin typeface="+mj-lt"/>
+            </a:endParaRPr>
+          </a:p>
+          <a:p>
+            <a:pPr marL="0" indent="0">
+              <a:buNone/>
+            </a:pPr>
+            <a:r>
+              <a:rPr lang="pt-BR" dirty="0">
+                <a:latin typeface="+mj-lt"/>
+              </a:rPr>
+              <a:t>Vejamos detalhes dessa linguagem:</a:t>
+            </a:r>
+          </a:p>
+          <a:p>
+            <a:pPr marL="0" indent="0">
+              <a:buNone/>
+            </a:pPr>
+            <a:endParaRPr lang="pt-BR" dirty="0">
+              <a:latin typeface="Consolas" panose="020B0609020204030204" pitchFamily="49" charset="0"/>
+            </a:endParaRPr>
+          </a:p>
+        </p:txBody>
+      </p:sp>
+      <p:pic>
+        <p:nvPicPr>
+          <p:cNvPr id="6" name="Espaço Reservado para Conteúdo 5">
+            <a:extLst>
+              <a:ext uri="{FF2B5EF4-FFF2-40B4-BE49-F238E27FC236}">
+                <a16:creationId xmlns:a16="http://schemas.microsoft.com/office/drawing/2014/main" id="{8FAC4FE0-05F5-4A72-A81A-FCC0BF7037B3}"/>
+              </a:ext>
+            </a:extLst>
+          </p:cNvPr>
+          <p:cNvPicPr>
+            <a:picLocks noGrp="1" noChangeAspect="1"/>
+          </p:cNvPicPr>
+          <p:nvPr>
+            <p:ph sz="half" idx="2"/>
+          </p:nvPr>
+        </p:nvPicPr>
+        <p:blipFill>
+          <a:blip r:embed="rId2">
+            <a:extLst>
+              <a:ext uri="{28A0092B-C50C-407E-A947-70E740481C1C}">
+                <a14:useLocalDpi xmlns:a14="http://schemas.microsoft.com/office/drawing/2010/main" val="0"/>
+              </a:ext>
+              <a:ext uri="{837473B0-CC2E-450A-ABE3-18F120FF3D39}">
+                <a1611:picAttrSrcUrl xmlns:a1611="http://schemas.microsoft.com/office/drawing/2016/11/main" r:id="rId3"/>
+              </a:ext>
+            </a:extLst>
+          </a:blip>
+          <a:stretch>
+            <a:fillRect/>
+          </a:stretch>
+        </p:blipFill>
+        <p:spPr>
+          <a:xfrm>
+            <a:off x="6965950" y="2222500"/>
+            <a:ext cx="3638550" cy="3638550"/>
+          </a:xfrm>
+        </p:spPr>
+      </p:pic>
+    </p:spTree>
+    <p:extLst>
+      <p:ext uri="{BB962C8B-B14F-4D97-AF65-F5344CB8AC3E}">
+        <p14:creationId xmlns:p14="http://schemas.microsoft.com/office/powerpoint/2010/main" val="3427846854"/>
+      </p:ext>
+    </p:extLst>
+  </p:cSld>
+  <p:clrMapOvr>
+    <a:masterClrMapping/>
+  </p:clrMapOvr>
+</p:sld>
+</file>
+
+<file path=ppt/slides/slide14.xml><?xml version="1.0" encoding="utf-8"?>
+<p:sld xmlns:a="http://schemas.openxmlformats.org/drawingml/2006/main" xmlns:r="http://schemas.openxmlformats.org/officeDocument/2006/relationships" xmlns:p="http://schemas.openxmlformats.org/presentationml/2006/main">
+  <p:cSld>
+    <p:spTree>
+      <p:nvGrpSpPr>
+        <p:cNvPr id="1" name=""/>
+        <p:cNvGrpSpPr/>
+        <p:nvPr/>
+      </p:nvGrpSpPr>
+      <p:grpSpPr>
+        <a:xfrm>
+          <a:off x="0" y="0"/>
+          <a:ext cx="0" cy="0"/>
+          <a:chOff x="0" y="0"/>
+          <a:chExt cx="0" cy="0"/>
+        </a:xfrm>
+      </p:grpSpPr>
+      <p:sp>
+        <p:nvSpPr>
+          <p:cNvPr id="2" name="Título 1">
+            <a:extLst>
+              <a:ext uri="{FF2B5EF4-FFF2-40B4-BE49-F238E27FC236}">
+                <a16:creationId xmlns:a16="http://schemas.microsoft.com/office/drawing/2014/main" id="{0B0FFB2D-BEB1-4642-8CDC-F310033F5F61}"/>
+              </a:ext>
+            </a:extLst>
+          </p:cNvPr>
+          <p:cNvSpPr>
+            <a:spLocks noGrp="1"/>
+          </p:cNvSpPr>
+          <p:nvPr>
+            <p:ph type="title"/>
+          </p:nvPr>
+        </p:nvSpPr>
+        <p:spPr/>
+        <p:txBody>
+          <a:bodyPr/>
+          <a:lstStyle/>
+          <a:p>
+            <a:r>
+              <a:rPr lang="pt-BR" dirty="0"/>
+              <a:t>README.md</a:t>
+            </a:r>
+          </a:p>
+        </p:txBody>
+      </p:sp>
+      <p:sp>
+        <p:nvSpPr>
+          <p:cNvPr id="3" name="Espaço Reservado para Conteúdo 2">
+            <a:extLst>
+              <a:ext uri="{FF2B5EF4-FFF2-40B4-BE49-F238E27FC236}">
+                <a16:creationId xmlns:a16="http://schemas.microsoft.com/office/drawing/2014/main" id="{858CE087-9C0B-44F3-846F-233D31EAA2E8}"/>
+              </a:ext>
+            </a:extLst>
+          </p:cNvPr>
+          <p:cNvSpPr>
+            <a:spLocks noGrp="1"/>
+          </p:cNvSpPr>
+          <p:nvPr>
+            <p:ph idx="1"/>
+          </p:nvPr>
+        </p:nvSpPr>
+        <p:spPr>
+          <a:xfrm>
+            <a:off x="818712" y="2222287"/>
+            <a:ext cx="10554574" cy="4017148"/>
+          </a:xfrm>
+        </p:spPr>
+        <p:txBody>
+          <a:bodyPr numCol="2" anchor="t">
+            <a:normAutofit/>
+          </a:bodyPr>
+          <a:lstStyle/>
+          <a:p>
+            <a:pPr marL="0" indent="0">
+              <a:buNone/>
+            </a:pPr>
+            <a:r>
+              <a:rPr lang="pt-BR" dirty="0">
+                <a:latin typeface="Consolas" panose="020B0609020204030204" pitchFamily="49" charset="0"/>
+              </a:rPr>
+              <a:t># Este é um H1</a:t>
+            </a:r>
+          </a:p>
+          <a:p>
+            <a:pPr marL="0" indent="0">
+              <a:buNone/>
+            </a:pPr>
+            <a:r>
+              <a:rPr lang="pt-BR" dirty="0">
+                <a:latin typeface="Consolas" panose="020B0609020204030204" pitchFamily="49" charset="0"/>
+              </a:rPr>
+              <a:t>## Este é um H2</a:t>
+            </a:r>
+          </a:p>
+          <a:p>
+            <a:pPr marL="0" indent="0">
+              <a:buNone/>
+            </a:pPr>
+            <a:r>
+              <a:rPr lang="pt-BR" dirty="0">
+                <a:latin typeface="Consolas" panose="020B0609020204030204" pitchFamily="49" charset="0"/>
+              </a:rPr>
+              <a:t>###### Temos até o H6</a:t>
+            </a:r>
+          </a:p>
+          <a:p>
+            <a:pPr marL="0" indent="0">
+              <a:buNone/>
+            </a:pPr>
+            <a:r>
+              <a:rPr lang="pt-BR" dirty="0">
+                <a:latin typeface="Consolas" panose="020B0609020204030204" pitchFamily="49" charset="0"/>
+              </a:rPr>
+              <a:t>Este é um texto normal</a:t>
+            </a:r>
+          </a:p>
+          <a:p>
+            <a:pPr marL="0" indent="0">
+              <a:buNone/>
+            </a:pPr>
+            <a:r>
+              <a:rPr lang="pt-BR" dirty="0">
+                <a:latin typeface="Consolas" panose="020B0609020204030204" pitchFamily="49" charset="0"/>
+              </a:rPr>
+              <a:t>&gt; Essa é uma observação. </a:t>
+            </a:r>
+          </a:p>
+          <a:p>
+            <a:pPr marL="0" indent="0">
+              <a:buNone/>
+            </a:pPr>
+            <a:r>
+              <a:rPr lang="pt-BR" dirty="0">
+                <a:latin typeface="Consolas" panose="020B0609020204030204" pitchFamily="49" charset="0"/>
+              </a:rPr>
+              <a:t>Abaixo temos uma lista</a:t>
+            </a:r>
+          </a:p>
+          <a:p>
+            <a:pPr marL="0" indent="0">
+              <a:buNone/>
+            </a:pPr>
+            <a:endParaRPr lang="pt-BR" dirty="0">
+              <a:latin typeface="Consolas" panose="020B0609020204030204" pitchFamily="49" charset="0"/>
+            </a:endParaRPr>
+          </a:p>
+          <a:p>
+            <a:pPr marL="0" indent="0">
+              <a:buNone/>
+            </a:pPr>
+            <a:r>
+              <a:rPr lang="pt-BR" dirty="0">
+                <a:latin typeface="Consolas" panose="020B0609020204030204" pitchFamily="49" charset="0"/>
+              </a:rPr>
+              <a:t>- Item 1</a:t>
+            </a:r>
+          </a:p>
+          <a:p>
+            <a:pPr marL="0" indent="0">
+              <a:buNone/>
+            </a:pPr>
+            <a:r>
+              <a:rPr lang="pt-BR" dirty="0">
+                <a:latin typeface="Consolas" panose="020B0609020204030204" pitchFamily="49" charset="0"/>
+              </a:rPr>
+              <a:t>- Item 2</a:t>
+            </a:r>
+          </a:p>
+          <a:p>
+            <a:pPr marL="0" indent="0">
+              <a:buNone/>
+            </a:pPr>
+            <a:r>
+              <a:rPr lang="pt-BR" dirty="0">
+                <a:latin typeface="Consolas" panose="020B0609020204030204" pitchFamily="49" charset="0"/>
+              </a:rPr>
+              <a:t>- Item 3</a:t>
+            </a:r>
+          </a:p>
+          <a:p>
+            <a:pPr marL="0" indent="0">
+              <a:buNone/>
+            </a:pPr>
+            <a:endParaRPr lang="pt-BR" dirty="0">
+              <a:latin typeface="Consolas" panose="020B0609020204030204" pitchFamily="49" charset="0"/>
+            </a:endParaRPr>
+          </a:p>
+          <a:p>
+            <a:pPr marL="0" indent="0">
+              <a:buNone/>
+            </a:pPr>
+            <a:r>
+              <a:rPr lang="pt-BR" dirty="0">
+                <a:latin typeface="Consolas" panose="020B0609020204030204" pitchFamily="49" charset="0"/>
+              </a:rPr>
+              <a:t>&lt;!--Aqui temos comentários tipo HTML--&gt;</a:t>
+            </a:r>
+          </a:p>
+          <a:p>
+            <a:pPr marL="0" indent="0">
+              <a:buNone/>
+            </a:pPr>
+            <a:endParaRPr lang="pt-BR" dirty="0">
+              <a:latin typeface="Consolas" panose="020B0609020204030204" pitchFamily="49" charset="0"/>
+            </a:endParaRPr>
+          </a:p>
+          <a:p>
+            <a:pPr marL="0" indent="0">
+              <a:buNone/>
+            </a:pPr>
+            <a:r>
+              <a:rPr lang="pt-BR" dirty="0">
+                <a:latin typeface="Consolas" panose="020B0609020204030204" pitchFamily="49" charset="0"/>
+              </a:rPr>
+              <a:t>Abaixo temos uma lista numerada</a:t>
+            </a:r>
+          </a:p>
+          <a:p>
+            <a:pPr marL="0" indent="0">
+              <a:buNone/>
+            </a:pPr>
+            <a:r>
+              <a:rPr lang="pt-BR" dirty="0">
+                <a:latin typeface="Consolas" panose="020B0609020204030204" pitchFamily="49" charset="0"/>
+              </a:rPr>
+              <a:t>1. Item 1</a:t>
+            </a:r>
+          </a:p>
+          <a:p>
+            <a:pPr marL="0" indent="0">
+              <a:buNone/>
+            </a:pPr>
+            <a:r>
+              <a:rPr lang="pt-BR" dirty="0">
+                <a:latin typeface="Consolas" panose="020B0609020204030204" pitchFamily="49" charset="0"/>
+              </a:rPr>
+              <a:t>2. Item 2</a:t>
+            </a:r>
+          </a:p>
+          <a:p>
+            <a:pPr marL="0" indent="0">
+              <a:buNone/>
+            </a:pPr>
+            <a:r>
+              <a:rPr lang="pt-BR" dirty="0">
+                <a:latin typeface="Consolas" panose="020B0609020204030204" pitchFamily="49" charset="0"/>
+              </a:rPr>
+              <a:t>3. Item 3</a:t>
+            </a:r>
+          </a:p>
+          <a:p>
+            <a:pPr marL="0" indent="0">
+              <a:buNone/>
+            </a:pPr>
+            <a:endParaRPr lang="pt-BR" dirty="0">
+              <a:latin typeface="Consolas" panose="020B0609020204030204" pitchFamily="49" charset="0"/>
+            </a:endParaRPr>
+          </a:p>
+          <a:p>
+            <a:pPr marL="0" indent="0">
+              <a:buNone/>
+            </a:pPr>
+            <a:endParaRPr lang="pt-BR" dirty="0">
+              <a:latin typeface="Consolas" panose="020B0609020204030204" pitchFamily="49" charset="0"/>
+            </a:endParaRPr>
+          </a:p>
+        </p:txBody>
+      </p:sp>
+    </p:spTree>
+    <p:extLst>
+      <p:ext uri="{BB962C8B-B14F-4D97-AF65-F5344CB8AC3E}">
+        <p14:creationId xmlns:p14="http://schemas.microsoft.com/office/powerpoint/2010/main" val="1006238992"/>
+      </p:ext>
+    </p:extLst>
+  </p:cSld>
+  <p:clrMapOvr>
+    <a:masterClrMapping/>
+  </p:clrMapOvr>
+</p:sld>
+</file>
+
+<file path=ppt/slides/slide15.xml><?xml version="1.0" encoding="utf-8"?>
+<p:sld xmlns:a="http://schemas.openxmlformats.org/drawingml/2006/main" xmlns:r="http://schemas.openxmlformats.org/officeDocument/2006/relationships" xmlns:p="http://schemas.openxmlformats.org/presentationml/2006/main">
+  <p:cSld>
+    <p:spTree>
+      <p:nvGrpSpPr>
+        <p:cNvPr id="1" name=""/>
+        <p:cNvGrpSpPr/>
+        <p:nvPr/>
+      </p:nvGrpSpPr>
+      <p:grpSpPr>
+        <a:xfrm>
+          <a:off x="0" y="0"/>
+          <a:ext cx="0" cy="0"/>
+          <a:chOff x="0" y="0"/>
+          <a:chExt cx="0" cy="0"/>
+        </a:xfrm>
+      </p:grpSpPr>
+      <p:sp>
+        <p:nvSpPr>
+          <p:cNvPr id="2" name="Título 1">
+            <a:extLst>
+              <a:ext uri="{FF2B5EF4-FFF2-40B4-BE49-F238E27FC236}">
+                <a16:creationId xmlns:a16="http://schemas.microsoft.com/office/drawing/2014/main" id="{0B0FFB2D-BEB1-4642-8CDC-F310033F5F61}"/>
+              </a:ext>
+            </a:extLst>
+          </p:cNvPr>
+          <p:cNvSpPr>
+            <a:spLocks noGrp="1"/>
+          </p:cNvSpPr>
+          <p:nvPr>
+            <p:ph type="title"/>
+          </p:nvPr>
+        </p:nvSpPr>
+        <p:spPr/>
+        <p:txBody>
+          <a:bodyPr/>
+          <a:lstStyle/>
+          <a:p>
+            <a:r>
+              <a:rPr lang="pt-BR" dirty="0"/>
+              <a:t>README.md</a:t>
+            </a:r>
+          </a:p>
+        </p:txBody>
+      </p:sp>
+      <p:sp>
+        <p:nvSpPr>
+          <p:cNvPr id="3" name="Espaço Reservado para Conteúdo 2">
+            <a:extLst>
+              <a:ext uri="{FF2B5EF4-FFF2-40B4-BE49-F238E27FC236}">
+                <a16:creationId xmlns:a16="http://schemas.microsoft.com/office/drawing/2014/main" id="{858CE087-9C0B-44F3-846F-233D31EAA2E8}"/>
+              </a:ext>
+            </a:extLst>
+          </p:cNvPr>
+          <p:cNvSpPr>
+            <a:spLocks noGrp="1"/>
+          </p:cNvSpPr>
+          <p:nvPr>
+            <p:ph idx="1"/>
+          </p:nvPr>
+        </p:nvSpPr>
+        <p:spPr>
+          <a:xfrm>
+            <a:off x="818712" y="2222287"/>
+            <a:ext cx="10554574" cy="4017148"/>
+          </a:xfrm>
+        </p:spPr>
+        <p:txBody>
+          <a:bodyPr numCol="2" anchor="t">
+            <a:normAutofit/>
+          </a:bodyPr>
+          <a:lstStyle/>
+          <a:p>
+            <a:pPr marL="0" indent="0">
+              <a:buNone/>
+            </a:pPr>
+            <a:r>
+              <a:rPr lang="pt-BR" dirty="0">
+                <a:latin typeface="Consolas" panose="020B0609020204030204" pitchFamily="49" charset="0"/>
+              </a:rPr>
+              <a:t>&lt;!--Para alinhar um conteúdo, fazemos assim--&gt;</a:t>
+            </a:r>
+          </a:p>
+          <a:p>
+            <a:pPr marL="0" indent="0">
+              <a:buNone/>
+            </a:pPr>
+            <a:endParaRPr lang="pt-BR" dirty="0">
+              <a:latin typeface="Consolas" panose="020B0609020204030204" pitchFamily="49" charset="0"/>
+            </a:endParaRPr>
+          </a:p>
+          <a:p>
+            <a:pPr marL="0" indent="0">
+              <a:buNone/>
+            </a:pPr>
+            <a:r>
+              <a:rPr lang="pt-BR" dirty="0">
+                <a:latin typeface="Consolas" panose="020B0609020204030204" pitchFamily="49" charset="0"/>
+              </a:rPr>
+              <a:t>&lt;h2 </a:t>
+            </a:r>
+            <a:r>
+              <a:rPr lang="pt-BR" dirty="0" err="1">
+                <a:latin typeface="Consolas" panose="020B0609020204030204" pitchFamily="49" charset="0"/>
+              </a:rPr>
+              <a:t>align</a:t>
+            </a:r>
+            <a:r>
+              <a:rPr lang="pt-BR" dirty="0">
+                <a:latin typeface="Consolas" panose="020B0609020204030204" pitchFamily="49" charset="0"/>
+              </a:rPr>
+              <a:t>=</a:t>
+            </a:r>
+            <a:r>
+              <a:rPr lang="pt-BR" dirty="0" err="1">
+                <a:latin typeface="Consolas" panose="020B0609020204030204" pitchFamily="49" charset="0"/>
+              </a:rPr>
+              <a:t>right</a:t>
+            </a:r>
+            <a:r>
+              <a:rPr lang="pt-BR" dirty="0">
+                <a:latin typeface="Consolas" panose="020B0609020204030204" pitchFamily="49" charset="0"/>
+              </a:rPr>
+              <a:t>&gt;Direita&lt;/h2&gt;</a:t>
+            </a:r>
+          </a:p>
+          <a:p>
+            <a:pPr marL="0" indent="0">
+              <a:buNone/>
+            </a:pPr>
+            <a:r>
+              <a:rPr lang="pt-BR" dirty="0">
+                <a:latin typeface="Consolas" panose="020B0609020204030204" pitchFamily="49" charset="0"/>
+              </a:rPr>
+              <a:t>&lt;h1 </a:t>
+            </a:r>
+            <a:r>
+              <a:rPr lang="pt-BR" dirty="0" err="1">
+                <a:latin typeface="Consolas" panose="020B0609020204030204" pitchFamily="49" charset="0"/>
+              </a:rPr>
+              <a:t>align</a:t>
+            </a:r>
+            <a:r>
+              <a:rPr lang="pt-BR" dirty="0">
+                <a:latin typeface="Consolas" panose="020B0609020204030204" pitchFamily="49" charset="0"/>
+              </a:rPr>
+              <a:t>=center&gt;Centralizado&lt;/h1&gt;</a:t>
+            </a:r>
+          </a:p>
+          <a:p>
+            <a:pPr marL="0" indent="0">
+              <a:buNone/>
+            </a:pPr>
+            <a:r>
+              <a:rPr lang="pt-BR" dirty="0">
+                <a:latin typeface="Consolas" panose="020B0609020204030204" pitchFamily="49" charset="0"/>
+              </a:rPr>
+              <a:t>&lt;h3 </a:t>
+            </a:r>
+            <a:r>
+              <a:rPr lang="pt-BR" dirty="0" err="1">
+                <a:latin typeface="Consolas" panose="020B0609020204030204" pitchFamily="49" charset="0"/>
+              </a:rPr>
+              <a:t>align</a:t>
+            </a:r>
+            <a:r>
+              <a:rPr lang="pt-BR" dirty="0">
+                <a:latin typeface="Consolas" panose="020B0609020204030204" pitchFamily="49" charset="0"/>
+              </a:rPr>
+              <a:t>=</a:t>
+            </a:r>
+            <a:r>
+              <a:rPr lang="pt-BR" dirty="0" err="1">
+                <a:latin typeface="Consolas" panose="020B0609020204030204" pitchFamily="49" charset="0"/>
+              </a:rPr>
+              <a:t>left</a:t>
+            </a:r>
+            <a:r>
+              <a:rPr lang="pt-BR" dirty="0">
+                <a:latin typeface="Consolas" panose="020B0609020204030204" pitchFamily="49" charset="0"/>
+              </a:rPr>
+              <a:t>&gt;Esquerda&lt;/h3&gt;</a:t>
+            </a:r>
+          </a:p>
+          <a:p>
+            <a:pPr marL="0" indent="0">
+              <a:buNone/>
+            </a:pPr>
+            <a:r>
+              <a:rPr lang="pt-BR" dirty="0">
+                <a:latin typeface="Consolas" panose="020B0609020204030204" pitchFamily="49" charset="0"/>
+              </a:rPr>
+              <a:t>Implementando formatação:</a:t>
+            </a:r>
+          </a:p>
+          <a:p>
+            <a:pPr marL="0" indent="0">
+              <a:buNone/>
+            </a:pPr>
+            <a:endParaRPr lang="pt-BR" dirty="0">
+              <a:latin typeface="Consolas" panose="020B0609020204030204" pitchFamily="49" charset="0"/>
+            </a:endParaRPr>
+          </a:p>
+          <a:p>
+            <a:pPr marL="0" indent="0">
+              <a:buNone/>
+            </a:pPr>
+            <a:r>
+              <a:rPr lang="pt-BR" dirty="0">
+                <a:latin typeface="Consolas" panose="020B0609020204030204" pitchFamily="49" charset="0"/>
+              </a:rPr>
+              <a:t>**Negrito**</a:t>
+            </a:r>
+          </a:p>
+          <a:p>
+            <a:pPr marL="0" indent="0">
+              <a:buNone/>
+            </a:pPr>
+            <a:r>
+              <a:rPr lang="pt-BR" dirty="0">
+                <a:latin typeface="Consolas" panose="020B0609020204030204" pitchFamily="49" charset="0"/>
+              </a:rPr>
+              <a:t>*Itálico*</a:t>
+            </a:r>
+          </a:p>
+          <a:p>
+            <a:pPr marL="0" indent="0">
+              <a:buNone/>
+            </a:pPr>
+            <a:r>
+              <a:rPr lang="pt-BR" dirty="0">
+                <a:latin typeface="Consolas" panose="020B0609020204030204" pitchFamily="49" charset="0"/>
+              </a:rPr>
+              <a:t>`</a:t>
+            </a:r>
+            <a:r>
+              <a:rPr lang="pt-BR" dirty="0" err="1">
+                <a:latin typeface="Consolas" panose="020B0609020204030204" pitchFamily="49" charset="0"/>
+              </a:rPr>
+              <a:t>Monoespaçado</a:t>
+            </a:r>
+            <a:r>
+              <a:rPr lang="pt-BR" dirty="0">
+                <a:latin typeface="Consolas" panose="020B0609020204030204" pitchFamily="49" charset="0"/>
+              </a:rPr>
+              <a:t>`</a:t>
+            </a:r>
+          </a:p>
+          <a:p>
+            <a:pPr marL="0" indent="0">
+              <a:buNone/>
+            </a:pPr>
+            <a:endParaRPr lang="pt-BR" dirty="0">
+              <a:latin typeface="Consolas" panose="020B0609020204030204" pitchFamily="49" charset="0"/>
+            </a:endParaRPr>
+          </a:p>
+          <a:p>
+            <a:pPr marL="0" indent="0">
+              <a:buNone/>
+            </a:pPr>
+            <a:r>
+              <a:rPr lang="pt-BR" dirty="0">
+                <a:latin typeface="Consolas" panose="020B0609020204030204" pitchFamily="49" charset="0"/>
+              </a:rPr>
+              <a:t>Agora em </a:t>
+            </a:r>
+            <a:r>
+              <a:rPr lang="pt-BR" dirty="0" err="1">
+                <a:latin typeface="Consolas" panose="020B0609020204030204" pitchFamily="49" charset="0"/>
+              </a:rPr>
+              <a:t>tags</a:t>
+            </a:r>
+            <a:endParaRPr lang="pt-BR" dirty="0">
+              <a:latin typeface="Consolas" panose="020B0609020204030204" pitchFamily="49" charset="0"/>
+            </a:endParaRPr>
+          </a:p>
+          <a:p>
+            <a:pPr marL="0" indent="0">
+              <a:buNone/>
+            </a:pPr>
+            <a:r>
+              <a:rPr lang="pt-BR" dirty="0">
+                <a:latin typeface="Consolas" panose="020B0609020204030204" pitchFamily="49" charset="0"/>
+              </a:rPr>
+              <a:t>&lt;b&gt;Negrito&lt;/b&gt;</a:t>
+            </a:r>
+          </a:p>
+          <a:p>
+            <a:pPr marL="0" indent="0">
+              <a:buNone/>
+            </a:pPr>
+            <a:r>
+              <a:rPr lang="pt-BR" dirty="0">
+                <a:latin typeface="Consolas" panose="020B0609020204030204" pitchFamily="49" charset="0"/>
+              </a:rPr>
+              <a:t>&lt;i&gt;Itálico&lt;/i&gt;</a:t>
+            </a:r>
+          </a:p>
+          <a:p>
+            <a:pPr marL="0" indent="0">
+              <a:buNone/>
+            </a:pPr>
+            <a:r>
+              <a:rPr lang="pt-BR" dirty="0">
+                <a:latin typeface="Consolas" panose="020B0609020204030204" pitchFamily="49" charset="0"/>
+              </a:rPr>
+              <a:t>&lt;</a:t>
+            </a:r>
+            <a:r>
+              <a:rPr lang="pt-BR" dirty="0" err="1">
+                <a:latin typeface="Consolas" panose="020B0609020204030204" pitchFamily="49" charset="0"/>
+              </a:rPr>
+              <a:t>code</a:t>
+            </a:r>
+            <a:r>
+              <a:rPr lang="pt-BR" dirty="0">
+                <a:latin typeface="Consolas" panose="020B0609020204030204" pitchFamily="49" charset="0"/>
+              </a:rPr>
+              <a:t>&gt;</a:t>
+            </a:r>
+            <a:r>
+              <a:rPr lang="pt-BR" dirty="0" err="1">
+                <a:latin typeface="Consolas" panose="020B0609020204030204" pitchFamily="49" charset="0"/>
+              </a:rPr>
+              <a:t>Monoespaçado</a:t>
+            </a:r>
+            <a:r>
+              <a:rPr lang="pt-BR" dirty="0">
+                <a:latin typeface="Consolas" panose="020B0609020204030204" pitchFamily="49" charset="0"/>
+              </a:rPr>
+              <a:t>&lt;/</a:t>
+            </a:r>
+            <a:r>
+              <a:rPr lang="pt-BR" dirty="0" err="1">
+                <a:latin typeface="Consolas" panose="020B0609020204030204" pitchFamily="49" charset="0"/>
+              </a:rPr>
+              <a:t>code</a:t>
+            </a:r>
+            <a:r>
+              <a:rPr lang="pt-BR" dirty="0">
+                <a:latin typeface="Consolas" panose="020B0609020204030204" pitchFamily="49" charset="0"/>
+              </a:rPr>
+              <a:t>&gt;</a:t>
+            </a:r>
+          </a:p>
+          <a:p>
+            <a:pPr marL="0" indent="0">
+              <a:buNone/>
+            </a:pPr>
+            <a:endParaRPr lang="pt-BR" dirty="0">
+              <a:latin typeface="Consolas" panose="020B0609020204030204" pitchFamily="49" charset="0"/>
+            </a:endParaRPr>
+          </a:p>
+          <a:p>
+            <a:pPr marL="0" indent="0">
+              <a:buNone/>
+            </a:pPr>
+            <a:r>
+              <a:rPr lang="pt-BR" dirty="0">
+                <a:latin typeface="Consolas" panose="020B0609020204030204" pitchFamily="49" charset="0"/>
+              </a:rPr>
+              <a:t>	Para colocar trecho de código é só colar, selecionar e aplicar um </a:t>
+            </a:r>
+            <a:r>
+              <a:rPr lang="pt-BR" dirty="0" err="1">
+                <a:latin typeface="Consolas" panose="020B0609020204030204" pitchFamily="49" charset="0"/>
+              </a:rPr>
+              <a:t>tab</a:t>
+            </a:r>
+            <a:endParaRPr lang="pt-BR" dirty="0">
+              <a:latin typeface="Consolas" panose="020B0609020204030204" pitchFamily="49" charset="0"/>
+            </a:endParaRPr>
+          </a:p>
+        </p:txBody>
+      </p:sp>
+    </p:spTree>
+    <p:extLst>
+      <p:ext uri="{BB962C8B-B14F-4D97-AF65-F5344CB8AC3E}">
+        <p14:creationId xmlns:p14="http://schemas.microsoft.com/office/powerpoint/2010/main" val="3110934177"/>
+      </p:ext>
+    </p:extLst>
+  </p:cSld>
+  <p:clrMapOvr>
+    <a:masterClrMapping/>
+  </p:clrMapOvr>
+</p:sld>
+</file>
+
+<file path=ppt/slides/slide16.xml><?xml version="1.0" encoding="utf-8"?>
+<p:sld xmlns:a="http://schemas.openxmlformats.org/drawingml/2006/main" xmlns:r="http://schemas.openxmlformats.org/officeDocument/2006/relationships" xmlns:p="http://schemas.openxmlformats.org/presentationml/2006/main">
+  <p:cSld>
+    <p:spTree>
+      <p:nvGrpSpPr>
+        <p:cNvPr id="1" name=""/>
+        <p:cNvGrpSpPr/>
+        <p:nvPr/>
+      </p:nvGrpSpPr>
+      <p:grpSpPr>
+        <a:xfrm>
+          <a:off x="0" y="0"/>
+          <a:ext cx="0" cy="0"/>
+          <a:chOff x="0" y="0"/>
+          <a:chExt cx="0" cy="0"/>
+        </a:xfrm>
+      </p:grpSpPr>
+      <p:sp>
+        <p:nvSpPr>
+          <p:cNvPr id="2" name="Título 1">
+            <a:extLst>
+              <a:ext uri="{FF2B5EF4-FFF2-40B4-BE49-F238E27FC236}">
+                <a16:creationId xmlns:a16="http://schemas.microsoft.com/office/drawing/2014/main" id="{0B0FFB2D-BEB1-4642-8CDC-F310033F5F61}"/>
+              </a:ext>
+            </a:extLst>
+          </p:cNvPr>
+          <p:cNvSpPr>
+            <a:spLocks noGrp="1"/>
+          </p:cNvSpPr>
+          <p:nvPr>
+            <p:ph type="title"/>
+          </p:nvPr>
+        </p:nvSpPr>
+        <p:spPr/>
+        <p:txBody>
+          <a:bodyPr/>
+          <a:lstStyle/>
+          <a:p>
+            <a:r>
+              <a:rPr lang="pt-BR" dirty="0"/>
+              <a:t>README.md</a:t>
+            </a:r>
+          </a:p>
+        </p:txBody>
+      </p:sp>
+      <p:sp>
+        <p:nvSpPr>
+          <p:cNvPr id="3" name="Espaço Reservado para Conteúdo 2">
+            <a:extLst>
+              <a:ext uri="{FF2B5EF4-FFF2-40B4-BE49-F238E27FC236}">
+                <a16:creationId xmlns:a16="http://schemas.microsoft.com/office/drawing/2014/main" id="{858CE087-9C0B-44F3-846F-233D31EAA2E8}"/>
+              </a:ext>
+            </a:extLst>
+          </p:cNvPr>
+          <p:cNvSpPr>
+            <a:spLocks noGrp="1"/>
+          </p:cNvSpPr>
+          <p:nvPr>
+            <p:ph idx="1"/>
+          </p:nvPr>
+        </p:nvSpPr>
+        <p:spPr>
+          <a:xfrm>
+            <a:off x="818712" y="2222286"/>
+            <a:ext cx="10554574" cy="4286089"/>
+          </a:xfrm>
+        </p:spPr>
+        <p:txBody>
+          <a:bodyPr numCol="2" anchor="t">
+            <a:normAutofit/>
+          </a:bodyPr>
+          <a:lstStyle/>
+          <a:p>
+            <a:pPr marL="0" indent="0">
+              <a:buNone/>
+            </a:pPr>
+            <a:r>
+              <a:rPr lang="pt-BR" dirty="0">
+                <a:latin typeface="Consolas" panose="020B0609020204030204" pitchFamily="49" charset="0"/>
+              </a:rPr>
+              <a:t>&lt;</a:t>
+            </a:r>
+            <a:r>
+              <a:rPr lang="pt-BR" dirty="0" err="1">
+                <a:latin typeface="Consolas" panose="020B0609020204030204" pitchFamily="49" charset="0"/>
+              </a:rPr>
+              <a:t>details</a:t>
+            </a:r>
+            <a:r>
+              <a:rPr lang="pt-BR" dirty="0">
+                <a:latin typeface="Consolas" panose="020B0609020204030204" pitchFamily="49" charset="0"/>
+              </a:rPr>
+              <a:t>&gt;&lt;</a:t>
+            </a:r>
+            <a:r>
+              <a:rPr lang="pt-BR" dirty="0" err="1">
+                <a:latin typeface="Consolas" panose="020B0609020204030204" pitchFamily="49" charset="0"/>
+              </a:rPr>
+              <a:t>summary</a:t>
+            </a:r>
+            <a:r>
+              <a:rPr lang="pt-BR" dirty="0">
+                <a:latin typeface="Consolas" panose="020B0609020204030204" pitchFamily="49" charset="0"/>
+              </a:rPr>
+              <a:t>&gt;Abre o colapso por aqui&lt;/</a:t>
+            </a:r>
+            <a:r>
+              <a:rPr lang="pt-BR" dirty="0" err="1">
+                <a:latin typeface="Consolas" panose="020B0609020204030204" pitchFamily="49" charset="0"/>
+              </a:rPr>
+              <a:t>summary</a:t>
+            </a:r>
+            <a:r>
+              <a:rPr lang="pt-BR" dirty="0">
+                <a:latin typeface="Consolas" panose="020B0609020204030204" pitchFamily="49" charset="0"/>
+              </a:rPr>
+              <a:t>&gt;</a:t>
+            </a:r>
+          </a:p>
+          <a:p>
+            <a:pPr marL="0" indent="0">
+              <a:buNone/>
+            </a:pPr>
+            <a:endParaRPr lang="pt-BR" dirty="0">
+              <a:latin typeface="Consolas" panose="020B0609020204030204" pitchFamily="49" charset="0"/>
+            </a:endParaRPr>
+          </a:p>
+          <a:p>
+            <a:pPr marL="0" indent="0">
+              <a:buNone/>
+            </a:pPr>
+            <a:r>
+              <a:rPr lang="pt-BR" dirty="0">
+                <a:latin typeface="Consolas" panose="020B0609020204030204" pitchFamily="49" charset="0"/>
+              </a:rPr>
+              <a:t>Dentro de um </a:t>
+            </a:r>
+            <a:r>
+              <a:rPr lang="pt-BR" dirty="0" err="1">
+                <a:latin typeface="Consolas" panose="020B0609020204030204" pitchFamily="49" charset="0"/>
+              </a:rPr>
+              <a:t>colapsível</a:t>
+            </a:r>
+            <a:r>
+              <a:rPr lang="pt-BR" dirty="0">
+                <a:latin typeface="Consolas" panose="020B0609020204030204" pitchFamily="49" charset="0"/>
+              </a:rPr>
+              <a:t> é possível ocultar conteúdo</a:t>
+            </a:r>
+          </a:p>
+          <a:p>
+            <a:pPr marL="0" indent="0">
+              <a:buNone/>
+            </a:pPr>
+            <a:endParaRPr lang="pt-BR" dirty="0">
+              <a:latin typeface="Consolas" panose="020B0609020204030204" pitchFamily="49" charset="0"/>
+            </a:endParaRPr>
+          </a:p>
+          <a:p>
+            <a:pPr marL="0" indent="0">
+              <a:buNone/>
+            </a:pPr>
+            <a:r>
+              <a:rPr lang="pt-BR" dirty="0">
+                <a:latin typeface="Consolas" panose="020B0609020204030204" pitchFamily="49" charset="0"/>
+              </a:rPr>
+              <a:t>&lt;/</a:t>
+            </a:r>
+            <a:r>
+              <a:rPr lang="pt-BR" dirty="0" err="1">
+                <a:latin typeface="Consolas" panose="020B0609020204030204" pitchFamily="49" charset="0"/>
+              </a:rPr>
+              <a:t>details</a:t>
+            </a:r>
+            <a:r>
+              <a:rPr lang="pt-BR" dirty="0">
+                <a:latin typeface="Consolas" panose="020B0609020204030204" pitchFamily="49" charset="0"/>
+              </a:rPr>
+              <a:t>&gt;</a:t>
+            </a:r>
+          </a:p>
+          <a:p>
+            <a:pPr marL="0" indent="0">
+              <a:buNone/>
+            </a:pPr>
+            <a:endParaRPr lang="pt-BR" dirty="0">
+              <a:latin typeface="Consolas" panose="020B0609020204030204" pitchFamily="49" charset="0"/>
+            </a:endParaRPr>
+          </a:p>
+          <a:p>
+            <a:pPr marL="0" indent="0">
+              <a:buNone/>
+            </a:pPr>
+            <a:r>
+              <a:rPr lang="pt-BR" dirty="0">
+                <a:latin typeface="Consolas" panose="020B0609020204030204" pitchFamily="49" charset="0"/>
+              </a:rPr>
+              <a:t>Crie tabelas também. O redimensionamento é automático</a:t>
+            </a:r>
+          </a:p>
+          <a:p>
+            <a:pPr marL="0" indent="0">
+              <a:buNone/>
+            </a:pPr>
+            <a:endParaRPr lang="pt-BR" dirty="0">
+              <a:latin typeface="Consolas" panose="020B0609020204030204" pitchFamily="49" charset="0"/>
+            </a:endParaRPr>
+          </a:p>
+          <a:p>
+            <a:pPr marL="0" indent="0">
+              <a:buNone/>
+            </a:pPr>
+            <a:r>
+              <a:rPr lang="pt-BR" dirty="0">
+                <a:latin typeface="Consolas" panose="020B0609020204030204" pitchFamily="49" charset="0"/>
+              </a:rPr>
+              <a:t>| Coluna 1 | Coluna 2 | Coluna 3 |</a:t>
+            </a:r>
+          </a:p>
+          <a:p>
+            <a:pPr marL="0" indent="0">
+              <a:buNone/>
+            </a:pPr>
+            <a:r>
+              <a:rPr lang="pt-BR" dirty="0">
+                <a:latin typeface="Consolas" panose="020B0609020204030204" pitchFamily="49" charset="0"/>
+              </a:rPr>
+              <a:t>| --- | --- | --- |</a:t>
+            </a:r>
+          </a:p>
+          <a:p>
+            <a:pPr marL="0" indent="0">
+              <a:buNone/>
+            </a:pPr>
+            <a:r>
+              <a:rPr lang="pt-BR" dirty="0">
+                <a:latin typeface="Consolas" panose="020B0609020204030204" pitchFamily="49" charset="0"/>
+              </a:rPr>
+              <a:t>| Célula 1 | Célula 2 | Célula 3 |</a:t>
+            </a:r>
+          </a:p>
+          <a:p>
+            <a:pPr marL="0" indent="0">
+              <a:buNone/>
+            </a:pPr>
+            <a:r>
+              <a:rPr lang="pt-BR" dirty="0">
+                <a:latin typeface="Consolas" panose="020B0609020204030204" pitchFamily="49" charset="0"/>
+              </a:rPr>
+              <a:t>| Célula 4 | Célula 5 | Célula 6 |</a:t>
+            </a:r>
+          </a:p>
+          <a:p>
+            <a:pPr marL="0" indent="0">
+              <a:buNone/>
+            </a:pPr>
+            <a:endParaRPr lang="pt-BR" dirty="0">
+              <a:latin typeface="Consolas" panose="020B0609020204030204" pitchFamily="49" charset="0"/>
+            </a:endParaRPr>
+          </a:p>
+          <a:p>
+            <a:pPr marL="0" indent="0">
+              <a:buNone/>
+            </a:pPr>
+            <a:r>
+              <a:rPr lang="pt-BR" dirty="0" err="1">
+                <a:latin typeface="Consolas" panose="020B0609020204030204" pitchFamily="49" charset="0"/>
+              </a:rPr>
+              <a:t>Adcione</a:t>
+            </a:r>
+            <a:r>
+              <a:rPr lang="pt-BR" dirty="0">
+                <a:latin typeface="Consolas" panose="020B0609020204030204" pitchFamily="49" charset="0"/>
+              </a:rPr>
+              <a:t> links e imagens</a:t>
+            </a:r>
+          </a:p>
+          <a:p>
+            <a:pPr marL="0" indent="0">
+              <a:buNone/>
+            </a:pPr>
+            <a:r>
+              <a:rPr lang="pt-BR" dirty="0">
+                <a:latin typeface="Consolas" panose="020B0609020204030204" pitchFamily="49" charset="0"/>
+              </a:rPr>
+              <a:t>[Link](https://github.com/ThiagoSousa81)</a:t>
+            </a:r>
+          </a:p>
+          <a:p>
+            <a:pPr marL="0" indent="0">
+              <a:buNone/>
+            </a:pPr>
+            <a:r>
+              <a:rPr lang="pt-BR" dirty="0">
+                <a:latin typeface="Consolas" panose="020B0609020204030204" pitchFamily="49" charset="0"/>
+              </a:rPr>
+              <a:t>![Imagem](link-da-imagem ou SVG automático)</a:t>
+            </a:r>
+          </a:p>
+          <a:p>
+            <a:pPr marL="0" indent="0">
+              <a:buNone/>
+            </a:pPr>
+            <a:endParaRPr lang="pt-BR" dirty="0">
+              <a:latin typeface="Consolas" panose="020B0609020204030204" pitchFamily="49" charset="0"/>
+            </a:endParaRPr>
+          </a:p>
+        </p:txBody>
+      </p:sp>
+    </p:spTree>
+    <p:extLst>
+      <p:ext uri="{BB962C8B-B14F-4D97-AF65-F5344CB8AC3E}">
+        <p14:creationId xmlns:p14="http://schemas.microsoft.com/office/powerpoint/2010/main" val="1127416196"/>
+      </p:ext>
+    </p:extLst>
+  </p:cSld>
+  <p:clrMapOvr>
+    <a:masterClrMapping/>
+  </p:clrMapOvr>
+</p:sld>
+</file>
+
+<file path=ppt/slides/slide17.xml><?xml version="1.0" encoding="utf-8"?>
+<p:sld xmlns:a="http://schemas.openxmlformats.org/drawingml/2006/main" xmlns:r="http://schemas.openxmlformats.org/officeDocument/2006/relationships" xmlns:p="http://schemas.openxmlformats.org/presentationml/2006/main">
+  <p:cSld>
+    <p:spTree>
+      <p:nvGrpSpPr>
+        <p:cNvPr id="1" name=""/>
+        <p:cNvGrpSpPr/>
+        <p:nvPr/>
+      </p:nvGrpSpPr>
+      <p:grpSpPr>
+        <a:xfrm>
+          <a:off x="0" y="0"/>
+          <a:ext cx="0" cy="0"/>
+          <a:chOff x="0" y="0"/>
+          <a:chExt cx="0" cy="0"/>
+        </a:xfrm>
+      </p:grpSpPr>
+      <p:sp>
+        <p:nvSpPr>
+          <p:cNvPr id="2" name="Título 1">
+            <a:extLst>
+              <a:ext uri="{FF2B5EF4-FFF2-40B4-BE49-F238E27FC236}">
+                <a16:creationId xmlns:a16="http://schemas.microsoft.com/office/drawing/2014/main" id="{92F44F43-6B0B-45B5-884C-BDE4F2AFC364}"/>
+              </a:ext>
+            </a:extLst>
+          </p:cNvPr>
+          <p:cNvSpPr>
+            <a:spLocks noGrp="1"/>
+          </p:cNvSpPr>
+          <p:nvPr>
+            <p:ph type="title"/>
+          </p:nvPr>
+        </p:nvSpPr>
+        <p:spPr/>
+        <p:txBody>
+          <a:bodyPr/>
+          <a:lstStyle/>
+          <a:p>
+            <a:r>
+              <a:rPr lang="pt-BR" dirty="0"/>
+              <a:t>Vejamos agora como é feito um README.md para um bom perfil</a:t>
+            </a:r>
+          </a:p>
+        </p:txBody>
+      </p:sp>
+      <p:pic>
+        <p:nvPicPr>
+          <p:cNvPr id="5" name="Espaço Reservado para Imagem 4">
+            <a:extLst>
+              <a:ext uri="{FF2B5EF4-FFF2-40B4-BE49-F238E27FC236}">
+                <a16:creationId xmlns:a16="http://schemas.microsoft.com/office/drawing/2014/main" id="{E915C410-831D-47D8-A3CE-470168948E39}"/>
+              </a:ext>
+            </a:extLst>
+          </p:cNvPr>
+          <p:cNvPicPr>
+            <a:picLocks noGrp="1" noChangeAspect="1"/>
+          </p:cNvPicPr>
+          <p:nvPr>
+            <p:ph type="pic" sz="quarter" idx="13"/>
+          </p:nvPr>
+        </p:nvPicPr>
+        <p:blipFill>
+          <a:blip r:embed="rId2"/>
+          <a:srcRect t="14983" b="14983"/>
+          <a:stretch>
+            <a:fillRect/>
+          </a:stretch>
+        </p:blipFill>
+        <p:spPr>
+          <a:prstGeom prst="rect">
+            <a:avLst/>
+          </a:prstGeom>
+        </p:spPr>
+      </p:pic>
+      <p:sp>
+        <p:nvSpPr>
+          <p:cNvPr id="4" name="Espaço Reservado para Texto 3">
+            <a:extLst>
+              <a:ext uri="{FF2B5EF4-FFF2-40B4-BE49-F238E27FC236}">
+                <a16:creationId xmlns:a16="http://schemas.microsoft.com/office/drawing/2014/main" id="{AFA0D48B-A104-45D8-9B44-CE97D6AFD546}"/>
+              </a:ext>
+            </a:extLst>
+          </p:cNvPr>
+          <p:cNvSpPr>
+            <a:spLocks noGrp="1"/>
+          </p:cNvSpPr>
+          <p:nvPr>
+            <p:ph type="body" sz="half" idx="2"/>
+          </p:nvPr>
+        </p:nvSpPr>
+        <p:spPr/>
+        <p:txBody>
+          <a:bodyPr/>
+          <a:lstStyle/>
+          <a:p>
+            <a:endParaRPr lang="pt-BR" dirty="0"/>
+          </a:p>
+        </p:txBody>
+      </p:sp>
+    </p:spTree>
+    <p:extLst>
+      <p:ext uri="{BB962C8B-B14F-4D97-AF65-F5344CB8AC3E}">
+        <p14:creationId xmlns:p14="http://schemas.microsoft.com/office/powerpoint/2010/main" val="2259284471"/>
       </p:ext>
     </p:extLst>
   </p:cSld>
@@ -6001,7 +7874,12 @@
             <p:ph type="title"/>
           </p:nvPr>
         </p:nvSpPr>
-        <p:spPr/>
+        <p:spPr>
+          <a:xfrm>
+            <a:off x="814728" y="781310"/>
+            <a:ext cx="4852988" cy="1617163"/>
+          </a:xfrm>
+        </p:spPr>
         <p:txBody>
           <a:bodyPr/>
           <a:lstStyle/>
@@ -6030,7 +7908,7 @@
           </p:nvPr>
         </p:nvPicPr>
         <p:blipFill>
-          <a:blip r:embed="rId2">
+          <a:blip r:embed="rId3">
             <a:extLst>
               <a:ext uri="{28A0092B-C50C-407E-A947-70E740481C1C}">
                 <a14:useLocalDpi xmlns:a14="http://schemas.microsoft.com/office/drawing/2010/main" val="0"/>
@@ -6043,6 +7921,10 @@
           </a:stretch>
         </p:blipFill>
         <p:spPr>
+          <a:xfrm>
+            <a:off x="6325144" y="255494"/>
+            <a:ext cx="5639830" cy="6347012"/>
+          </a:xfrm>
           <a:prstGeom prst="roundRect">
             <a:avLst>
               <a:gd name="adj" fmla="val 0"/>
@@ -6136,7 +8018,7 @@
             </a:r>
             <a:r>
               <a:rPr lang="pt-BR" sz="1800" dirty="0"/>
-              <a:t> Multiplataforma (Desktop, Web, Mobile, SE)</a:t>
+              <a:t> Multiplataforma (Desktop, Web, Mobile, Sistemas Embarcados)</a:t>
             </a:r>
           </a:p>
           <a:p>
@@ -6184,7 +8066,7 @@
             </a:pPr>
             <a:r>
               <a:rPr lang="pt-BR" sz="1800" dirty="0">
-                <a:hlinkClick r:id="rId3"/>
+                <a:hlinkClick r:id="rId4"/>
               </a:rPr>
               <a:t>github.com/ThiagoSousa81</a:t>
             </a:r>
@@ -6716,17 +8598,47 @@
             </a:pPr>
             <a:r>
               <a:rPr lang="pt-BR" sz="1800" dirty="0"/>
-              <a:t>Remoção automática de confirmação (</a:t>
-            </a:r>
-            <a:r>
-              <a:rPr lang="pt-BR" sz="1800" dirty="0">
-                <a:latin typeface="Consolas" panose="020B0609020204030204" pitchFamily="49" charset="0"/>
+              <a:t>Remoção automática de </a:t>
+            </a:r>
+            <a:r>
+              <a:rPr lang="pt-BR" sz="1800"/>
+              <a:t>confirmação (</a:t>
+            </a:r>
+            <a:r>
+              <a:rPr lang="pt-BR" sz="1800">
+                <a:solidFill>
+                  <a:schemeClr val="accent1">
+                    <a:lumMod val="60000"/>
+                    <a:lumOff val="40000"/>
+                  </a:schemeClr>
+                </a:solidFill>
+                <a:latin typeface="Consolas" panose="020B0609020204030204" pitchFamily="49" charset="0"/>
+                <a:hlinkClick r:id="rId2">
+                  <a:extLst>
+                    <a:ext uri="{A12FA001-AC4F-418D-AE19-62706E023703}">
+                      <ahyp:hlinkClr xmlns:ahyp="http://schemas.microsoft.com/office/drawing/2018/hyperlinkcolor" val="tx"/>
+                    </a:ext>
+                  </a:extLst>
+                </a:hlinkClick>
               </a:rPr>
               <a:t>.</a:t>
             </a:r>
             <a:r>
               <a:rPr lang="pt-BR" sz="1800" dirty="0" err="1">
-                <a:latin typeface="Consolas" panose="020B0609020204030204" pitchFamily="49" charset="0"/>
+                <a:solidFill>
+                  <a:schemeClr val="accent1">
+                    <a:lumMod val="60000"/>
+                    <a:lumOff val="40000"/>
+                  </a:schemeClr>
+                </a:solidFill>
+                <a:latin typeface="Consolas" panose="020B0609020204030204" pitchFamily="49" charset="0"/>
+                <a:hlinkClick r:id="rId2">
+                  <a:extLst>
+                    <a:ext uri="{A12FA001-AC4F-418D-AE19-62706E023703}">
+                      <ahyp:hlinkClr xmlns:ahyp="http://schemas.microsoft.com/office/drawing/2018/hyperlinkcolor" val="tx"/>
+                    </a:ext>
+                  </a:extLst>
+                </a:hlinkClick>
               </a:rPr>
               <a:t>gitignore</a:t>
             </a:r>
@@ -6764,13 +8676,13 @@
           </p:nvPr>
         </p:nvPicPr>
         <p:blipFill>
-          <a:blip r:embed="rId2">
+          <a:blip r:embed="rId3">
             <a:extLst>
               <a:ext uri="{28A0092B-C50C-407E-A947-70E740481C1C}">
                 <a14:useLocalDpi xmlns:a14="http://schemas.microsoft.com/office/drawing/2010/main" val="0"/>
               </a:ext>
               <a:ext uri="{837473B0-CC2E-450A-ABE3-18F120FF3D39}">
-                <a1611:picAttrSrcUrl xmlns:a1611="http://schemas.microsoft.com/office/drawing/2016/11/main" r:id="rId3"/>
+                <a1611:picAttrSrcUrl xmlns:a1611="http://schemas.microsoft.com/office/drawing/2016/11/main" r:id="rId4"/>
               </a:ext>
             </a:extLst>
           </a:blip>
@@ -8135,4 +10047,299 @@
     </a:ext>
   </a:extLst>
 </a:theme>
+</file>
+
+<file path=ppt/theme/theme2.xml><?xml version="1.0" encoding="utf-8"?>
+<a:theme xmlns:a="http://schemas.openxmlformats.org/drawingml/2006/main" name="Tema do Office">
+  <a:themeElements>
+    <a:clrScheme name="Office">
+      <a:dk1>
+        <a:sysClr val="windowText" lastClr="000000"/>
+      </a:dk1>
+      <a:lt1>
+        <a:sysClr val="window" lastClr="FFFFFF"/>
+      </a:lt1>
+      <a:dk2>
+        <a:srgbClr val="44546A"/>
+      </a:dk2>
+      <a:lt2>
+        <a:srgbClr val="E7E6E6"/>
+      </a:lt2>
+      <a:accent1>
+        <a:srgbClr val="4472C4"/>
+      </a:accent1>
+      <a:accent2>
+        <a:srgbClr val="ED7D31"/>
+      </a:accent2>
+      <a:accent3>
+        <a:srgbClr val="A5A5A5"/>
+      </a:accent3>
+      <a:accent4>
+        <a:srgbClr val="FFC000"/>
+      </a:accent4>
+      <a:accent5>
+        <a:srgbClr val="5B9BD5"/>
+      </a:accent5>
+      <a:accent6>
+        <a:srgbClr val="70AD47"/>
+      </a:accent6>
+      <a:hlink>
+        <a:srgbClr val="0563C1"/>
+      </a:hlink>
+      <a:folHlink>
+        <a:srgbClr val="954F72"/>
+      </a:folHlink>
+    </a:clrScheme>
+    <a:fontScheme name="Office">
+      <a:majorFont>
+        <a:latin typeface="Calibri Light" panose="020F0302020204030204"/>
+        <a:ea typeface=""/>
+        <a:cs typeface=""/>
+        <a:font script="Jpan" typeface="游ゴシック Light"/>
+        <a:font script="Hang" typeface="맑은 고딕"/>
+        <a:font script="Hans" typeface="等线 Light"/>
+        <a:font script="Hant" typeface="新細明體"/>
+        <a:font script="Arab" typeface="Times New Roman"/>
+        <a:font script="Hebr" typeface="Times New Roman"/>
+        <a:font script="Thai" typeface="Angsana New"/>
+        <a:font script="Ethi" typeface="Nyala"/>
+        <a:font script="Beng" typeface="Vrinda"/>
+        <a:font script="Gujr" typeface="Shruti"/>
+        <a:font script="Khmr" typeface="MoolBoran"/>
+        <a:font script="Knda" typeface="Tunga"/>
+        <a:font script="Guru" typeface="Raavi"/>
+        <a:font script="Cans" typeface="Euphemia"/>
+        <a:font script="Cher" typeface="Plantagenet Cherokee"/>
+        <a:font script="Yiii" typeface="Microsoft Yi Baiti"/>
+        <a:font script="Tibt" typeface="Microsoft Himalaya"/>
+        <a:font script="Thaa" typeface="MV Boli"/>
+        <a:font script="Deva" typeface="Mangal"/>
+        <a:font script="Telu" typeface="Gautami"/>
+        <a:font script="Taml" typeface="Latha"/>
+        <a:font script="Syrc" typeface="Estrangelo Edessa"/>
+        <a:font script="Orya" typeface="Kalinga"/>
+        <a:font script="Mlym" typeface="Kartika"/>
+        <a:font script="Laoo" typeface="DokChampa"/>
+        <a:font script="Sinh" typeface="Iskoola Pota"/>
+        <a:font script="Mong" typeface="Mongolian Baiti"/>
+        <a:font script="Viet" typeface="Times New Roman"/>
+        <a:font script="Uigh" typeface="Microsoft Uighur"/>
+        <a:font script="Geor" typeface="Sylfaen"/>
+        <a:font script="Armn" typeface="Arial"/>
+        <a:font script="Bugi" typeface="Leelawadee UI"/>
+        <a:font script="Bopo" typeface="Microsoft JhengHei"/>
+        <a:font script="Java" typeface="Javanese Text"/>
+        <a:font script="Lisu" typeface="Segoe UI"/>
+        <a:font script="Mymr" typeface="Myanmar Text"/>
+        <a:font script="Nkoo" typeface="Ebrima"/>
+        <a:font script="Olck" typeface="Nirmala UI"/>
+        <a:font script="Osma" typeface="Ebrima"/>
+        <a:font script="Phag" typeface="Phagspa"/>
+        <a:font script="Syrn" typeface="Estrangelo Edessa"/>
+        <a:font script="Syrj" typeface="Estrangelo Edessa"/>
+        <a:font script="Syre" typeface="Estrangelo Edessa"/>
+        <a:font script="Sora" typeface="Nirmala UI"/>
+        <a:font script="Tale" typeface="Microsoft Tai Le"/>
+        <a:font script="Talu" typeface="Microsoft New Tai Lue"/>
+        <a:font script="Tfng" typeface="Ebrima"/>
+      </a:majorFont>
+      <a:minorFont>
+        <a:latin typeface="Calibri" panose="020F0502020204030204"/>
+        <a:ea typeface=""/>
+        <a:cs typeface=""/>
+        <a:font script="Jpan" typeface="游ゴシック"/>
+        <a:font script="Hang" typeface="맑은 고딕"/>
+        <a:font script="Hans" typeface="等线"/>
+        <a:font script="Hant" typeface="新細明體"/>
+        <a:font script="Arab" typeface="Arial"/>
+        <a:font script="Hebr" typeface="Arial"/>
+        <a:font script="Thai" typeface="Cordia New"/>
+        <a:font script="Ethi" typeface="Nyala"/>
+        <a:font script="Beng" typeface="Vrinda"/>
+        <a:font script="Gujr" typeface="Shruti"/>
+        <a:font script="Khmr" typeface="DaunPenh"/>
+        <a:font script="Knda" typeface="Tunga"/>
+        <a:font script="Guru" typeface="Raavi"/>
+        <a:font script="Cans" typeface="Euphemia"/>
+        <a:font script="Cher" typeface="Plantagenet Cherokee"/>
+        <a:font script="Yiii" typeface="Microsoft Yi Baiti"/>
+        <a:font script="Tibt" typeface="Microsoft Himalaya"/>
+        <a:font script="Thaa" typeface="MV Boli"/>
+        <a:font script="Deva" typeface="Mangal"/>
+        <a:font script="Telu" typeface="Gautami"/>
+        <a:font script="Taml" typeface="Latha"/>
+        <a:font script="Syrc" typeface="Estrangelo Edessa"/>
+        <a:font script="Orya" typeface="Kalinga"/>
+        <a:font script="Mlym" typeface="Kartika"/>
+        <a:font script="Laoo" typeface="DokChampa"/>
+        <a:font script="Sinh" typeface="Iskoola Pota"/>
+        <a:font script="Mong" typeface="Mongolian Baiti"/>
+        <a:font script="Viet" typeface="Arial"/>
+        <a:font script="Uigh" typeface="Microsoft Uighur"/>
+        <a:font script="Geor" typeface="Sylfaen"/>
+        <a:font script="Armn" typeface="Arial"/>
+        <a:font script="Bugi" typeface="Leelawadee UI"/>
+        <a:font script="Bopo" typeface="Microsoft JhengHei"/>
+        <a:font script="Java" typeface="Javanese Text"/>
+        <a:font script="Lisu" typeface="Segoe UI"/>
+        <a:font script="Mymr" typeface="Myanmar Text"/>
+        <a:font script="Nkoo" typeface="Ebrima"/>
+        <a:font script="Olck" typeface="Nirmala UI"/>
+        <a:font script="Osma" typeface="Ebrima"/>
+        <a:font script="Phag" typeface="Phagspa"/>
+        <a:font script="Syrn" typeface="Estrangelo Edessa"/>
+        <a:font script="Syrj" typeface="Estrangelo Edessa"/>
+        <a:font script="Syre" typeface="Estrangelo Edessa"/>
+        <a:font script="Sora" typeface="Nirmala UI"/>
+        <a:font script="Tale" typeface="Microsoft Tai Le"/>
+        <a:font script="Talu" typeface="Microsoft New Tai Lue"/>
+        <a:font script="Tfng" typeface="Ebrima"/>
+      </a:minorFont>
+    </a:fontScheme>
+    <a:fmtScheme name="Office">
+      <a:fillStyleLst>
+        <a:solidFill>
+          <a:schemeClr val="phClr"/>
+        </a:solidFill>
+        <a:gradFill rotWithShape="1">
+          <a:gsLst>
+            <a:gs pos="0">
+              <a:schemeClr val="phClr">
+                <a:lumMod val="110000"/>
+                <a:satMod val="105000"/>
+                <a:tint val="67000"/>
+              </a:schemeClr>
+            </a:gs>
+            <a:gs pos="50000">
+              <a:schemeClr val="phClr">
+                <a:lumMod val="105000"/>
+                <a:satMod val="103000"/>
+                <a:tint val="73000"/>
+              </a:schemeClr>
+            </a:gs>
+            <a:gs pos="100000">
+              <a:schemeClr val="phClr">
+                <a:lumMod val="105000"/>
+                <a:satMod val="109000"/>
+                <a:tint val="81000"/>
+              </a:schemeClr>
+            </a:gs>
+          </a:gsLst>
+          <a:lin ang="5400000" scaled="0"/>
+        </a:gradFill>
+        <a:gradFill rotWithShape="1">
+          <a:gsLst>
+            <a:gs pos="0">
+              <a:schemeClr val="phClr">
+                <a:satMod val="103000"/>
+                <a:lumMod val="102000"/>
+                <a:tint val="94000"/>
+              </a:schemeClr>
+            </a:gs>
+            <a:gs pos="50000">
+              <a:schemeClr val="phClr">
+                <a:satMod val="110000"/>
+                <a:lumMod val="100000"/>
+                <a:shade val="100000"/>
+              </a:schemeClr>
+            </a:gs>
+            <a:gs pos="100000">
+              <a:schemeClr val="phClr">
+                <a:lumMod val="99000"/>
+                <a:satMod val="120000"/>
+                <a:shade val="78000"/>
+              </a:schemeClr>
+            </a:gs>
+          </a:gsLst>
+          <a:lin ang="5400000" scaled="0"/>
+        </a:gradFill>
+      </a:fillStyleLst>
+      <a:lnStyleLst>
+        <a:ln w="6350" cap="flat" cmpd="sng" algn="ctr">
+          <a:solidFill>
+            <a:schemeClr val="phClr"/>
+          </a:solidFill>
+          <a:prstDash val="solid"/>
+          <a:miter lim="800000"/>
+        </a:ln>
+        <a:ln w="12700" cap="flat" cmpd="sng" algn="ctr">
+          <a:solidFill>
+            <a:schemeClr val="phClr"/>
+          </a:solidFill>
+          <a:prstDash val="solid"/>
+          <a:miter lim="800000"/>
+        </a:ln>
+        <a:ln w="19050" cap="flat" cmpd="sng" algn="ctr">
+          <a:solidFill>
+            <a:schemeClr val="phClr"/>
+          </a:solidFill>
+          <a:prstDash val="solid"/>
+          <a:miter lim="800000"/>
+        </a:ln>
+      </a:lnStyleLst>
+      <a:effectStyleLst>
+        <a:effectStyle>
+          <a:effectLst/>
+        </a:effectStyle>
+        <a:effectStyle>
+          <a:effectLst/>
+        </a:effectStyle>
+        <a:effectStyle>
+          <a:effectLst>
+            <a:outerShdw blurRad="57150" dist="19050" dir="5400000" algn="ctr" rotWithShape="0">
+              <a:srgbClr val="000000">
+                <a:alpha val="63000"/>
+              </a:srgbClr>
+            </a:outerShdw>
+          </a:effectLst>
+        </a:effectStyle>
+      </a:effectStyleLst>
+      <a:bgFillStyleLst>
+        <a:solidFill>
+          <a:schemeClr val="phClr"/>
+        </a:solidFill>
+        <a:solidFill>
+          <a:schemeClr val="phClr">
+            <a:tint val="95000"/>
+            <a:satMod val="170000"/>
+          </a:schemeClr>
+        </a:solidFill>
+        <a:gradFill rotWithShape="1">
+          <a:gsLst>
+            <a:gs pos="0">
+              <a:schemeClr val="phClr">
+                <a:tint val="93000"/>
+                <a:satMod val="150000"/>
+                <a:shade val="98000"/>
+                <a:lumMod val="102000"/>
+              </a:schemeClr>
+            </a:gs>
+            <a:gs pos="50000">
+              <a:schemeClr val="phClr">
+                <a:tint val="98000"/>
+                <a:satMod val="130000"/>
+                <a:shade val="90000"/>
+                <a:lumMod val="103000"/>
+              </a:schemeClr>
+            </a:gs>
+            <a:gs pos="100000">
+              <a:schemeClr val="phClr">
+                <a:shade val="63000"/>
+                <a:satMod val="120000"/>
+              </a:schemeClr>
+            </a:gs>
+          </a:gsLst>
+          <a:lin ang="5400000" scaled="0"/>
+        </a:gradFill>
+      </a:bgFillStyleLst>
+    </a:fmtScheme>
+  </a:themeElements>
+  <a:objectDefaults/>
+  <a:extraClrSchemeLst/>
+  <a:extLst>
+    <a:ext uri="{05A4C25C-085E-4340-85A3-A5531E510DB2}">
+      <thm15:themeFamily xmlns:thm15="http://schemas.microsoft.com/office/thememl/2012/main" name="Office Theme" id="{62F939B6-93AF-4DB8-9C6B-D6C7DFDC589F}" vid="{4A3C46E8-61CC-4603-A589-7422A47A8E4A}"/>
+    </a:ext>
+  </a:extLst>
+</a:theme>
 </file>
--- a/Git-GitHub/Git & Git-Hub – Aprimorando o conhecimento.pptx
+++ b/Git-GitHub/Git & Git-Hub – Aprimorando o conhecimento.pptx
@@ -5,7 +5,7 @@
     <p:sldMasterId id="2147483795" r:id="rId1"/>
   </p:sldMasterIdLst>
   <p:notesMasterIdLst>
-    <p:notesMasterId r:id="rId19"/>
+    <p:notesMasterId r:id="rId23"/>
   </p:notesMasterIdLst>
   <p:sldIdLst>
     <p:sldId id="256" r:id="rId2"/>
@@ -25,6 +25,10 @@
     <p:sldId id="271" r:id="rId16"/>
     <p:sldId id="272" r:id="rId17"/>
     <p:sldId id="273" r:id="rId18"/>
+    <p:sldId id="275" r:id="rId19"/>
+    <p:sldId id="274" r:id="rId20"/>
+    <p:sldId id="276" r:id="rId21"/>
+    <p:sldId id="277" r:id="rId22"/>
   </p:sldIdLst>
   <p:sldSz cx="12192000" cy="6858000"/>
   <p:notesSz cx="6858000" cy="9144000"/>
@@ -213,7 +217,7 @@
           <a:p>
             <a:fld id="{A6AF2050-F4A5-41B1-8B2F-CEB940469450}" type="datetimeFigureOut">
               <a:rPr lang="pt-BR" smtClean="0"/>
-              <a:t>19/03/2025</a:t>
+              <a:t>20/03/2025</a:t>
             </a:fld>
             <a:endParaRPr lang="pt-BR"/>
           </a:p>
@@ -575,6 +579,90 @@
 </p:notes>
 </file>
 
+<file path=ppt/notesSlides/notesSlide2.xml><?xml version="1.0" encoding="utf-8"?>
+<p:notes xmlns:a="http://schemas.openxmlformats.org/drawingml/2006/main" xmlns:r="http://schemas.openxmlformats.org/officeDocument/2006/relationships" xmlns:p="http://schemas.openxmlformats.org/presentationml/2006/main">
+  <p:cSld>
+    <p:spTree>
+      <p:nvGrpSpPr>
+        <p:cNvPr id="1" name=""/>
+        <p:cNvGrpSpPr/>
+        <p:nvPr/>
+      </p:nvGrpSpPr>
+      <p:grpSpPr>
+        <a:xfrm>
+          <a:off x="0" y="0"/>
+          <a:ext cx="0" cy="0"/>
+          <a:chOff x="0" y="0"/>
+          <a:chExt cx="0" cy="0"/>
+        </a:xfrm>
+      </p:grpSpPr>
+      <p:sp>
+        <p:nvSpPr>
+          <p:cNvPr id="2" name="Espaço Reservado para Imagem de Slide 1"/>
+          <p:cNvSpPr>
+            <a:spLocks noGrp="1" noRot="1" noChangeAspect="1"/>
+          </p:cNvSpPr>
+          <p:nvPr>
+            <p:ph type="sldImg"/>
+          </p:nvPr>
+        </p:nvSpPr>
+        <p:spPr/>
+      </p:sp>
+      <p:sp>
+        <p:nvSpPr>
+          <p:cNvPr id="3" name="Espaço Reservado para Anotações 2"/>
+          <p:cNvSpPr>
+            <a:spLocks noGrp="1"/>
+          </p:cNvSpPr>
+          <p:nvPr>
+            <p:ph type="body" idx="1"/>
+          </p:nvPr>
+        </p:nvSpPr>
+        <p:spPr/>
+        <p:txBody>
+          <a:bodyPr/>
+          <a:lstStyle/>
+          <a:p>
+            <a:endParaRPr lang="pt-BR" dirty="0"/>
+          </a:p>
+        </p:txBody>
+      </p:sp>
+      <p:sp>
+        <p:nvSpPr>
+          <p:cNvPr id="4" name="Espaço Reservado para Número de Slide 3"/>
+          <p:cNvSpPr>
+            <a:spLocks noGrp="1"/>
+          </p:cNvSpPr>
+          <p:nvPr>
+            <p:ph type="sldNum" sz="quarter" idx="5"/>
+          </p:nvPr>
+        </p:nvSpPr>
+        <p:spPr/>
+        <p:txBody>
+          <a:bodyPr/>
+          <a:lstStyle/>
+          <a:p>
+            <a:fld id="{25F08706-877A-4C08-9971-45F2131156D8}" type="slidenum">
+              <a:rPr lang="pt-BR" smtClean="0"/>
+              <a:t>3</a:t>
+            </a:fld>
+            <a:endParaRPr lang="pt-BR"/>
+          </a:p>
+        </p:txBody>
+      </p:sp>
+    </p:spTree>
+    <p:extLst>
+      <p:ext uri="{BB962C8B-B14F-4D97-AF65-F5344CB8AC3E}">
+        <p14:creationId xmlns:p14="http://schemas.microsoft.com/office/powerpoint/2010/main" val="3555113593"/>
+      </p:ext>
+    </p:extLst>
+  </p:cSld>
+  <p:clrMapOvr>
+    <a:masterClrMapping/>
+  </p:clrMapOvr>
+</p:notes>
+</file>
+
 <file path=ppt/slideLayouts/slideLayout1.xml><?xml version="1.0" encoding="utf-8"?>
 <p:sldLayout xmlns:a="http://schemas.openxmlformats.org/drawingml/2006/main" xmlns:r="http://schemas.openxmlformats.org/officeDocument/2006/relationships" xmlns:p="http://schemas.openxmlformats.org/presentationml/2006/main" type="title" preserve="1">
   <p:cSld name="Slide de Título">
@@ -670,7 +758,7 @@
           <a:effectLst/>
           <a:extLst>
             <a:ext uri="{91240B29-F687-4f45-9708-019B960494DF}">
-              <a14:hiddenLine xmlns="" xmlns:a14="http://schemas.microsoft.com/office/drawing/2010/main" w="9525">
+              <a14:hiddenLine xmlns:a14="http://schemas.microsoft.com/office/drawing/2010/main" xmlns="" w="9525">
                 <a:solidFill>
                   <a:srgbClr val="000000"/>
                 </a:solidFill>
@@ -862,7 +950,7 @@
           <a:p>
             <a:fld id="{7E3A08E2-22EA-4B94-AECE-CF991948958D}" type="datetimeFigureOut">
               <a:rPr lang="pt-BR" smtClean="0"/>
-              <a:t>19/03/2025</a:t>
+              <a:t>20/03/2025</a:t>
             </a:fld>
             <a:endParaRPr lang="pt-BR"/>
           </a:p>
@@ -1180,7 +1268,7 @@
           <a:p>
             <a:fld id="{7E3A08E2-22EA-4B94-AECE-CF991948958D}" type="datetimeFigureOut">
               <a:rPr lang="pt-BR" smtClean="0"/>
-              <a:t>19/03/2025</a:t>
+              <a:t>20/03/2025</a:t>
             </a:fld>
             <a:endParaRPr lang="pt-BR"/>
           </a:p>
@@ -1668,7 +1756,7 @@
           <a:p>
             <a:fld id="{7E3A08E2-22EA-4B94-AECE-CF991948958D}" type="datetimeFigureOut">
               <a:rPr lang="pt-BR" smtClean="0"/>
-              <a:t>19/03/2025</a:t>
+              <a:t>20/03/2025</a:t>
             </a:fld>
             <a:endParaRPr lang="pt-BR"/>
           </a:p>
@@ -2037,7 +2125,7 @@
           <a:p>
             <a:fld id="{7E3A08E2-22EA-4B94-AECE-CF991948958D}" type="datetimeFigureOut">
               <a:rPr lang="pt-BR" smtClean="0"/>
-              <a:t>19/03/2025</a:t>
+              <a:t>20/03/2025</a:t>
             </a:fld>
             <a:endParaRPr lang="pt-BR"/>
           </a:p>
@@ -2192,7 +2280,7 @@
           <a:ln/>
           <a:extLst>
             <a:ext uri="{91240B29-F687-4f45-9708-019B960494DF}">
-              <a14:hiddenLine xmlns="" xmlns:a14="http://schemas.microsoft.com/office/drawing/2010/main" w="9525">
+              <a14:hiddenLine xmlns:a14="http://schemas.microsoft.com/office/drawing/2010/main" xmlns="" w="9525">
                 <a:solidFill>
                   <a:srgbClr val="000000"/>
                 </a:solidFill>
@@ -2310,7 +2398,7 @@
           <a:p>
             <a:fld id="{7E3A08E2-22EA-4B94-AECE-CF991948958D}" type="datetimeFigureOut">
               <a:rPr lang="pt-BR" smtClean="0"/>
-              <a:t>19/03/2025</a:t>
+              <a:t>20/03/2025</a:t>
             </a:fld>
             <a:endParaRPr lang="pt-BR"/>
           </a:p>
@@ -2467,7 +2555,7 @@
           <a:ln/>
           <a:extLst>
             <a:ext uri="{91240B29-F687-4f45-9708-019B960494DF}">
-              <a14:hiddenLine xmlns="" xmlns:a14="http://schemas.microsoft.com/office/drawing/2010/main" w="9525">
+              <a14:hiddenLine xmlns:a14="http://schemas.microsoft.com/office/drawing/2010/main" xmlns="" w="9525">
                 <a:solidFill>
                   <a:srgbClr val="000000"/>
                 </a:solidFill>
@@ -2595,7 +2683,7 @@
           <a:p>
             <a:fld id="{7E3A08E2-22EA-4B94-AECE-CF991948958D}" type="datetimeFigureOut">
               <a:rPr lang="pt-BR" smtClean="0"/>
-              <a:t>19/03/2025</a:t>
+              <a:t>20/03/2025</a:t>
             </a:fld>
             <a:endParaRPr lang="pt-BR"/>
           </a:p>
@@ -2750,7 +2838,7 @@
           <a:ln/>
           <a:extLst>
             <a:ext uri="{91240B29-F687-4f45-9708-019B960494DF}">
-              <a14:hiddenLine xmlns="" xmlns:a14="http://schemas.microsoft.com/office/drawing/2010/main" w="9525">
+              <a14:hiddenLine xmlns:a14="http://schemas.microsoft.com/office/drawing/2010/main" xmlns="" w="9525">
                 <a:solidFill>
                   <a:srgbClr val="000000"/>
                 </a:solidFill>
@@ -2878,7 +2966,7 @@
           <a:p>
             <a:fld id="{7E3A08E2-22EA-4B94-AECE-CF991948958D}" type="datetimeFigureOut">
               <a:rPr lang="pt-BR" smtClean="0"/>
-              <a:t>19/03/2025</a:t>
+              <a:t>20/03/2025</a:t>
             </a:fld>
             <a:endParaRPr lang="pt-BR"/>
           </a:p>
@@ -3221,7 +3309,7 @@
           <a:p>
             <a:fld id="{7E3A08E2-22EA-4B94-AECE-CF991948958D}" type="datetimeFigureOut">
               <a:rPr lang="pt-BR" smtClean="0"/>
-              <a:t>19/03/2025</a:t>
+              <a:t>20/03/2025</a:t>
             </a:fld>
             <a:endParaRPr lang="pt-BR"/>
           </a:p>
@@ -3376,7 +3464,7 @@
           <a:ln/>
           <a:extLst>
             <a:ext uri="{91240B29-F687-4f45-9708-019B960494DF}">
-              <a14:hiddenLine xmlns="" xmlns:a14="http://schemas.microsoft.com/office/drawing/2010/main" w="9525">
+              <a14:hiddenLine xmlns:a14="http://schemas.microsoft.com/office/drawing/2010/main" xmlns="" w="9525">
                 <a:solidFill>
                   <a:srgbClr val="000000"/>
                 </a:solidFill>
@@ -3560,7 +3648,7 @@
           <a:p>
             <a:fld id="{7E3A08E2-22EA-4B94-AECE-CF991948958D}" type="datetimeFigureOut">
               <a:rPr lang="pt-BR" smtClean="0"/>
-              <a:t>19/03/2025</a:t>
+              <a:t>20/03/2025</a:t>
             </a:fld>
             <a:endParaRPr lang="pt-BR"/>
           </a:p>
@@ -3715,7 +3803,7 @@
           <a:ln/>
           <a:extLst>
             <a:ext uri="{91240B29-F687-4f45-9708-019B960494DF}">
-              <a14:hiddenLine xmlns="" xmlns:a14="http://schemas.microsoft.com/office/drawing/2010/main" w="9525">
+              <a14:hiddenLine xmlns:a14="http://schemas.microsoft.com/office/drawing/2010/main" xmlns="" w="9525">
                 <a:solidFill>
                   <a:srgbClr val="000000"/>
                 </a:solidFill>
@@ -4037,7 +4125,7 @@
           <a:p>
             <a:fld id="{7E3A08E2-22EA-4B94-AECE-CF991948958D}" type="datetimeFigureOut">
               <a:rPr lang="pt-BR" smtClean="0"/>
-              <a:t>19/03/2025</a:t>
+              <a:t>20/03/2025</a:t>
             </a:fld>
             <a:endParaRPr lang="pt-BR"/>
           </a:p>
@@ -4192,7 +4280,7 @@
           <a:ln/>
           <a:extLst>
             <a:ext uri="{91240B29-F687-4f45-9708-019B960494DF}">
-              <a14:hiddenLine xmlns="" xmlns:a14="http://schemas.microsoft.com/office/drawing/2010/main" w="9525">
+              <a14:hiddenLine xmlns:a14="http://schemas.microsoft.com/office/drawing/2010/main" xmlns="" w="9525">
                 <a:solidFill>
                   <a:srgbClr val="000000"/>
                 </a:solidFill>
@@ -4258,7 +4346,7 @@
           <a:p>
             <a:fld id="{7E3A08E2-22EA-4B94-AECE-CF991948958D}" type="datetimeFigureOut">
               <a:rPr lang="pt-BR" smtClean="0"/>
-              <a:t>19/03/2025</a:t>
+              <a:t>20/03/2025</a:t>
             </a:fld>
             <a:endParaRPr lang="pt-BR"/>
           </a:p>
@@ -4353,7 +4441,7 @@
           <a:p>
             <a:fld id="{7E3A08E2-22EA-4B94-AECE-CF991948958D}" type="datetimeFigureOut">
               <a:rPr lang="pt-BR" smtClean="0"/>
-              <a:t>19/03/2025</a:t>
+              <a:t>20/03/2025</a:t>
             </a:fld>
             <a:endParaRPr lang="pt-BR"/>
           </a:p>
@@ -4621,7 +4709,7 @@
           <a:ln/>
           <a:extLst>
             <a:ext uri="{91240B29-F687-4f45-9708-019B960494DF}">
-              <a14:hiddenLine xmlns="" xmlns:a14="http://schemas.microsoft.com/office/drawing/2010/main" w="9525">
+              <a14:hiddenLine xmlns:a14="http://schemas.microsoft.com/office/drawing/2010/main" xmlns="" w="9525">
                 <a:solidFill>
                   <a:srgbClr val="000000"/>
                 </a:solidFill>
@@ -4820,7 +4908,7 @@
           <a:p>
             <a:fld id="{7E3A08E2-22EA-4B94-AECE-CF991948958D}" type="datetimeFigureOut">
               <a:rPr lang="pt-BR" smtClean="0"/>
-              <a:t>19/03/2025</a:t>
+              <a:t>20/03/2025</a:t>
             </a:fld>
             <a:endParaRPr lang="pt-BR"/>
           </a:p>
@@ -5133,7 +5221,7 @@
           <a:p>
             <a:fld id="{7E3A08E2-22EA-4B94-AECE-CF991948958D}" type="datetimeFigureOut">
               <a:rPr lang="pt-BR" smtClean="0"/>
-              <a:t>19/03/2025</a:t>
+              <a:t>20/03/2025</a:t>
             </a:fld>
             <a:endParaRPr lang="pt-BR"/>
           </a:p>
@@ -5403,7 +5491,7 @@
           <a:p>
             <a:fld id="{7E3A08E2-22EA-4B94-AECE-CF991948958D}" type="datetimeFigureOut">
               <a:rPr lang="pt-BR" smtClean="0"/>
-              <a:t>19/03/2025</a:t>
+              <a:t>20/03/2025</a:t>
             </a:fld>
             <a:endParaRPr lang="pt-BR"/>
           </a:p>
@@ -7841,6 +7929,424 @@
 </p:sld>
 </file>
 
+<file path=ppt/slides/slide18.xml><?xml version="1.0" encoding="utf-8"?>
+<p:sld xmlns:a="http://schemas.openxmlformats.org/drawingml/2006/main" xmlns:r="http://schemas.openxmlformats.org/officeDocument/2006/relationships" xmlns:p="http://schemas.openxmlformats.org/presentationml/2006/main">
+  <p:cSld>
+    <p:spTree>
+      <p:nvGrpSpPr>
+        <p:cNvPr id="1" name="">
+          <a:extLst>
+            <a:ext uri="{FF2B5EF4-FFF2-40B4-BE49-F238E27FC236}">
+              <a16:creationId xmlns:a16="http://schemas.microsoft.com/office/drawing/2014/main" id="{81D2C025-3B80-DCF1-8058-88917C722743}"/>
+            </a:ext>
+          </a:extLst>
+        </p:cNvPr>
+        <p:cNvGrpSpPr/>
+        <p:nvPr/>
+      </p:nvGrpSpPr>
+      <p:grpSpPr>
+        <a:xfrm>
+          <a:off x="0" y="0"/>
+          <a:ext cx="0" cy="0"/>
+          <a:chOff x="0" y="0"/>
+          <a:chExt cx="0" cy="0"/>
+        </a:xfrm>
+      </p:grpSpPr>
+      <p:sp>
+        <p:nvSpPr>
+          <p:cNvPr id="2" name="Título 1">
+            <a:extLst>
+              <a:ext uri="{FF2B5EF4-FFF2-40B4-BE49-F238E27FC236}">
+                <a16:creationId xmlns:a16="http://schemas.microsoft.com/office/drawing/2014/main" id="{FA5F1756-7AF5-394C-AD8E-673DCFAE7684}"/>
+              </a:ext>
+            </a:extLst>
+          </p:cNvPr>
+          <p:cNvSpPr>
+            <a:spLocks noGrp="1"/>
+          </p:cNvSpPr>
+          <p:nvPr>
+            <p:ph type="title"/>
+          </p:nvPr>
+        </p:nvSpPr>
+        <p:spPr/>
+        <p:txBody>
+          <a:bodyPr/>
+          <a:lstStyle/>
+          <a:p>
+            <a:r>
+              <a:rPr lang="pt-BR" sz="2800" dirty="0"/>
+              <a:t>Como criar um README.md para seu </a:t>
+            </a:r>
+            <a:r>
+              <a:rPr lang="pt-BR" sz="2800" dirty="0" err="1"/>
+              <a:t>Git-Hub</a:t>
+            </a:r>
+            <a:endParaRPr lang="pt-BR" sz="2800" dirty="0"/>
+          </a:p>
+        </p:txBody>
+      </p:sp>
+      <p:pic>
+        <p:nvPicPr>
+          <p:cNvPr id="6" name="Espaço Reservado para Conteúdo 5">
+            <a:extLst>
+              <a:ext uri="{FF2B5EF4-FFF2-40B4-BE49-F238E27FC236}">
+                <a16:creationId xmlns:a16="http://schemas.microsoft.com/office/drawing/2014/main" id="{C925354B-5250-61F4-7501-53FB3067ED14}"/>
+              </a:ext>
+            </a:extLst>
+          </p:cNvPr>
+          <p:cNvPicPr>
+            <a:picLocks noGrp="1" noChangeAspect="1"/>
+          </p:cNvPicPr>
+          <p:nvPr>
+            <p:ph idx="1"/>
+          </p:nvPr>
+        </p:nvPicPr>
+        <p:blipFill>
+          <a:blip r:embed="rId2"/>
+          <a:stretch>
+            <a:fillRect/>
+          </a:stretch>
+        </p:blipFill>
+        <p:spPr>
+          <a:xfrm>
+            <a:off x="5313363" y="1219797"/>
+            <a:ext cx="6251575" cy="4418406"/>
+          </a:xfrm>
+        </p:spPr>
+      </p:pic>
+      <p:sp>
+        <p:nvSpPr>
+          <p:cNvPr id="12" name="Espaço Reservado para Texto 3">
+            <a:extLst>
+              <a:ext uri="{FF2B5EF4-FFF2-40B4-BE49-F238E27FC236}">
+                <a16:creationId xmlns:a16="http://schemas.microsoft.com/office/drawing/2014/main" id="{437054BA-A960-2E8F-70E2-CA329DA42321}"/>
+              </a:ext>
+            </a:extLst>
+          </p:cNvPr>
+          <p:cNvSpPr>
+            <a:spLocks noGrp="1"/>
+          </p:cNvSpPr>
+          <p:nvPr>
+            <p:ph type="body" sz="half" idx="2"/>
+          </p:nvPr>
+        </p:nvSpPr>
+        <p:spPr>
+          <a:xfrm>
+            <a:off x="1073151" y="2260738"/>
+            <a:ext cx="3547533" cy="3600311"/>
+          </a:xfrm>
+        </p:spPr>
+        <p:txBody>
+          <a:bodyPr anchor="ctr">
+            <a:normAutofit/>
+          </a:bodyPr>
+          <a:lstStyle/>
+          <a:p>
+            <a:r>
+              <a:rPr lang="pt-BR" sz="2400" dirty="0"/>
+              <a:t>Crie um repositório com o seu nome de usuário do </a:t>
+            </a:r>
+            <a:r>
+              <a:rPr lang="pt-BR" sz="2400" dirty="0" err="1"/>
+              <a:t>Git-Hub</a:t>
+            </a:r>
+            <a:endParaRPr lang="pt-BR" sz="2400" dirty="0"/>
+          </a:p>
+          <a:p>
+            <a:r>
+              <a:rPr lang="pt-BR" sz="2400" dirty="0"/>
+              <a:t>Nele crie um arquivo README.md</a:t>
+            </a:r>
+          </a:p>
+        </p:txBody>
+      </p:sp>
+    </p:spTree>
+    <p:extLst>
+      <p:ext uri="{BB962C8B-B14F-4D97-AF65-F5344CB8AC3E}">
+        <p14:creationId xmlns:p14="http://schemas.microsoft.com/office/powerpoint/2010/main" val="1535548394"/>
+      </p:ext>
+    </p:extLst>
+  </p:cSld>
+  <p:clrMapOvr>
+    <a:masterClrMapping/>
+  </p:clrMapOvr>
+</p:sld>
+</file>
+
+<file path=ppt/slides/slide19.xml><?xml version="1.0" encoding="utf-8"?>
+<p:sld xmlns:a="http://schemas.openxmlformats.org/drawingml/2006/main" xmlns:r="http://schemas.openxmlformats.org/officeDocument/2006/relationships" xmlns:p="http://schemas.openxmlformats.org/presentationml/2006/main">
+  <p:cSld>
+    <p:spTree>
+      <p:nvGrpSpPr>
+        <p:cNvPr id="1" name="">
+          <a:extLst>
+            <a:ext uri="{FF2B5EF4-FFF2-40B4-BE49-F238E27FC236}">
+              <a16:creationId xmlns:a16="http://schemas.microsoft.com/office/drawing/2014/main" id="{5E97F59D-B827-271A-D3F5-E58BFE0365FA}"/>
+            </a:ext>
+          </a:extLst>
+        </p:cNvPr>
+        <p:cNvGrpSpPr/>
+        <p:nvPr/>
+      </p:nvGrpSpPr>
+      <p:grpSpPr>
+        <a:xfrm>
+          <a:off x="0" y="0"/>
+          <a:ext cx="0" cy="0"/>
+          <a:chOff x="0" y="0"/>
+          <a:chExt cx="0" cy="0"/>
+        </a:xfrm>
+      </p:grpSpPr>
+      <p:pic>
+        <p:nvPicPr>
+          <p:cNvPr id="10" name="Espaço Reservado para Conteúdo 6">
+            <a:extLst>
+              <a:ext uri="{FF2B5EF4-FFF2-40B4-BE49-F238E27FC236}">
+                <a16:creationId xmlns:a16="http://schemas.microsoft.com/office/drawing/2014/main" id="{F79F5EA6-6334-B0A4-9BCD-F33D70A35773}"/>
+              </a:ext>
+            </a:extLst>
+          </p:cNvPr>
+          <p:cNvPicPr>
+            <a:picLocks noGrp="1" noChangeAspect="1"/>
+          </p:cNvPicPr>
+          <p:nvPr>
+            <p:ph idx="1"/>
+          </p:nvPr>
+        </p:nvPicPr>
+        <p:blipFill>
+          <a:blip r:embed="rId2">
+            <a:extLst>
+              <a:ext uri="{28A0092B-C50C-407E-A947-70E740481C1C}">
+                <a14:useLocalDpi xmlns:a14="http://schemas.microsoft.com/office/drawing/2010/main" val="0"/>
+              </a:ext>
+              <a:ext uri="{837473B0-CC2E-450A-ABE3-18F120FF3D39}">
+                <a1611:picAttrSrcUrl xmlns:a1611="http://schemas.microsoft.com/office/drawing/2016/11/main" r:id="rId3"/>
+              </a:ext>
+            </a:extLst>
+          </a:blip>
+          <a:stretch>
+            <a:fillRect/>
+          </a:stretch>
+        </p:blipFill>
+        <p:spPr>
+          <a:xfrm>
+            <a:off x="1073150" y="2260738"/>
+            <a:ext cx="3547533" cy="3823688"/>
+          </a:xfrm>
+        </p:spPr>
+      </p:pic>
+      <p:sp>
+        <p:nvSpPr>
+          <p:cNvPr id="2" name="Título 1">
+            <a:extLst>
+              <a:ext uri="{FF2B5EF4-FFF2-40B4-BE49-F238E27FC236}">
+                <a16:creationId xmlns:a16="http://schemas.microsoft.com/office/drawing/2014/main" id="{A152066B-D5B7-9414-43C1-AF055CFED1C7}"/>
+              </a:ext>
+            </a:extLst>
+          </p:cNvPr>
+          <p:cNvSpPr>
+            <a:spLocks noGrp="1"/>
+          </p:cNvSpPr>
+          <p:nvPr>
+            <p:ph type="title"/>
+          </p:nvPr>
+        </p:nvSpPr>
+        <p:spPr/>
+        <p:txBody>
+          <a:bodyPr/>
+          <a:lstStyle/>
+          <a:p>
+            <a:r>
+              <a:rPr lang="pt-BR" sz="2800" dirty="0"/>
+              <a:t>O que não pode faltar no README de seu perfil?</a:t>
+            </a:r>
+          </a:p>
+        </p:txBody>
+      </p:sp>
+      <p:sp>
+        <p:nvSpPr>
+          <p:cNvPr id="9" name="Espaço Reservado para Conteúdo 8">
+            <a:extLst>
+              <a:ext uri="{FF2B5EF4-FFF2-40B4-BE49-F238E27FC236}">
+                <a16:creationId xmlns:a16="http://schemas.microsoft.com/office/drawing/2014/main" id="{2A0CE04F-802E-D6FE-A0A5-DB323079D896}"/>
+              </a:ext>
+            </a:extLst>
+          </p:cNvPr>
+          <p:cNvSpPr>
+            <a:spLocks noGrp="1"/>
+          </p:cNvSpPr>
+          <p:nvPr>
+            <p:ph idx="1"/>
+          </p:nvPr>
+        </p:nvSpPr>
+        <p:spPr/>
+        <p:txBody>
+          <a:bodyPr/>
+          <a:lstStyle/>
+          <a:p>
+            <a:pPr marL="0" indent="0">
+              <a:buNone/>
+            </a:pPr>
+            <a:r>
+              <a:rPr lang="pt-BR" dirty="0"/>
+              <a:t>Lembrando que no </a:t>
+            </a:r>
+            <a:r>
+              <a:rPr lang="pt-BR" dirty="0" err="1"/>
+              <a:t>Git-Hub</a:t>
+            </a:r>
+            <a:r>
+              <a:rPr lang="pt-BR" dirty="0"/>
+              <a:t> você tem uma visibilidade internacional</a:t>
+            </a:r>
+          </a:p>
+          <a:p>
+            <a:pPr marL="0" indent="0">
+              <a:buNone/>
+            </a:pPr>
+            <a:endParaRPr lang="pt-BR" dirty="0"/>
+          </a:p>
+          <a:p>
+            <a:pPr>
+              <a:buFont typeface="Wingdings" panose="05000000000000000000" pitchFamily="2" charset="2"/>
+              <a:buChar char="Ø"/>
+            </a:pPr>
+            <a:r>
+              <a:rPr lang="pt-BR" dirty="0"/>
+              <a:t>Nome de identificação</a:t>
+            </a:r>
+          </a:p>
+          <a:p>
+            <a:pPr>
+              <a:buFont typeface="Wingdings" panose="05000000000000000000" pitchFamily="2" charset="2"/>
+              <a:buChar char="Ø"/>
+            </a:pPr>
+            <a:r>
+              <a:rPr lang="pt-BR" dirty="0"/>
+              <a:t>Escolaridade atual</a:t>
+            </a:r>
+          </a:p>
+          <a:p>
+            <a:pPr>
+              <a:buFont typeface="Wingdings" panose="05000000000000000000" pitchFamily="2" charset="2"/>
+              <a:buChar char="Ø"/>
+            </a:pPr>
+            <a:r>
+              <a:rPr lang="pt-BR" dirty="0"/>
+              <a:t>Habilidades técnicas principais</a:t>
+            </a:r>
+          </a:p>
+          <a:p>
+            <a:pPr>
+              <a:buFont typeface="Wingdings" panose="05000000000000000000" pitchFamily="2" charset="2"/>
+              <a:buChar char="Ø"/>
+            </a:pPr>
+            <a:r>
+              <a:rPr lang="pt-BR" dirty="0"/>
+              <a:t>Projetos principais</a:t>
+            </a:r>
+          </a:p>
+          <a:p>
+            <a:pPr>
+              <a:buFont typeface="Wingdings" panose="05000000000000000000" pitchFamily="2" charset="2"/>
+              <a:buChar char="Ø"/>
+            </a:pPr>
+            <a:r>
+              <a:rPr lang="pt-BR" dirty="0"/>
+              <a:t>Dashboards de atividade do </a:t>
+            </a:r>
+            <a:r>
+              <a:rPr lang="pt-BR" dirty="0" err="1"/>
+              <a:t>Git-Hub</a:t>
+            </a:r>
+            <a:r>
+              <a:rPr lang="pt-BR" dirty="0"/>
+              <a:t> </a:t>
+            </a:r>
+          </a:p>
+          <a:p>
+            <a:pPr>
+              <a:buFont typeface="Wingdings" panose="05000000000000000000" pitchFamily="2" charset="2"/>
+              <a:buChar char="Ø"/>
+            </a:pPr>
+            <a:r>
+              <a:rPr lang="pt-BR" dirty="0"/>
+              <a:t>Sessão de idiomas (EN-US)</a:t>
+            </a:r>
+          </a:p>
+          <a:p>
+            <a:pPr>
+              <a:buFont typeface="Wingdings" panose="05000000000000000000" pitchFamily="2" charset="2"/>
+              <a:buChar char="Ø"/>
+            </a:pPr>
+            <a:r>
+              <a:rPr lang="pt-BR" dirty="0"/>
+              <a:t>Botões de redes sociais</a:t>
+            </a:r>
+          </a:p>
+          <a:p>
+            <a:pPr>
+              <a:buFont typeface="Wingdings" panose="05000000000000000000" pitchFamily="2" charset="2"/>
+              <a:buChar char="Ø"/>
+            </a:pPr>
+            <a:r>
+              <a:rPr lang="pt-BR" dirty="0"/>
+              <a:t>Decoração*</a:t>
+            </a:r>
+          </a:p>
+        </p:txBody>
+      </p:sp>
+      <p:pic>
+        <p:nvPicPr>
+          <p:cNvPr id="22" name="Imagem 21">
+            <a:extLst>
+              <a:ext uri="{FF2B5EF4-FFF2-40B4-BE49-F238E27FC236}">
+                <a16:creationId xmlns:a16="http://schemas.microsoft.com/office/drawing/2014/main" id="{1BD98431-9A12-153F-2F7B-D0FC7597DFC1}"/>
+              </a:ext>
+            </a:extLst>
+          </p:cNvPr>
+          <p:cNvPicPr>
+            <a:picLocks noChangeAspect="1"/>
+          </p:cNvPicPr>
+          <p:nvPr/>
+        </p:nvPicPr>
+        <p:blipFill>
+          <a:blip r:embed="rId2">
+            <a:extLst>
+              <a:ext uri="{28A0092B-C50C-407E-A947-70E740481C1C}">
+                <a14:useLocalDpi xmlns:a14="http://schemas.microsoft.com/office/drawing/2010/main" val="0"/>
+              </a:ext>
+              <a:ext uri="{837473B0-CC2E-450A-ABE3-18F120FF3D39}">
+                <a1611:picAttrSrcUrl xmlns:a1611="http://schemas.microsoft.com/office/drawing/2016/11/main" r:id="rId3"/>
+              </a:ext>
+            </a:extLst>
+          </a:blip>
+          <a:stretch>
+            <a:fillRect/>
+          </a:stretch>
+        </p:blipFill>
+        <p:spPr>
+          <a:xfrm>
+            <a:off x="1073150" y="2260738"/>
+            <a:ext cx="3547533" cy="3823688"/>
+          </a:xfrm>
+          <a:prstGeom prst="rect">
+            <a:avLst/>
+          </a:prstGeom>
+        </p:spPr>
+      </p:pic>
+    </p:spTree>
+    <p:extLst>
+      <p:ext uri="{BB962C8B-B14F-4D97-AF65-F5344CB8AC3E}">
+        <p14:creationId xmlns:p14="http://schemas.microsoft.com/office/powerpoint/2010/main" val="2013744961"/>
+      </p:ext>
+    </p:extLst>
+  </p:cSld>
+  <p:clrMapOvr>
+    <a:masterClrMapping/>
+  </p:clrMapOvr>
+</p:sld>
+</file>
+
 <file path=ppt/slides/slide2.xml><?xml version="1.0" encoding="utf-8"?>
 <p:sld xmlns:a="http://schemas.openxmlformats.org/drawingml/2006/main" xmlns:r="http://schemas.openxmlformats.org/officeDocument/2006/relationships" xmlns:p="http://schemas.openxmlformats.org/presentationml/2006/main">
   <p:cSld>
@@ -8078,6 +8584,284 @@
     <p:extLst>
       <p:ext uri="{BB962C8B-B14F-4D97-AF65-F5344CB8AC3E}">
         <p14:creationId xmlns:p14="http://schemas.microsoft.com/office/powerpoint/2010/main" val="853662053"/>
+      </p:ext>
+    </p:extLst>
+  </p:cSld>
+  <p:clrMapOvr>
+    <a:masterClrMapping/>
+  </p:clrMapOvr>
+</p:sld>
+</file>
+
+<file path=ppt/slides/slide20.xml><?xml version="1.0" encoding="utf-8"?>
+<p:sld xmlns:a="http://schemas.openxmlformats.org/drawingml/2006/main" xmlns:r="http://schemas.openxmlformats.org/officeDocument/2006/relationships" xmlns:p="http://schemas.openxmlformats.org/presentationml/2006/main">
+  <p:cSld>
+    <p:spTree>
+      <p:nvGrpSpPr>
+        <p:cNvPr id="1" name="">
+          <a:extLst>
+            <a:ext uri="{FF2B5EF4-FFF2-40B4-BE49-F238E27FC236}">
+              <a16:creationId xmlns:a16="http://schemas.microsoft.com/office/drawing/2014/main" id="{EE639976-76BE-0A96-39AD-AAA71C649724}"/>
+            </a:ext>
+          </a:extLst>
+        </p:cNvPr>
+        <p:cNvGrpSpPr/>
+        <p:nvPr/>
+      </p:nvGrpSpPr>
+      <p:grpSpPr>
+        <a:xfrm>
+          <a:off x="0" y="0"/>
+          <a:ext cx="0" cy="0"/>
+          <a:chOff x="0" y="0"/>
+          <a:chExt cx="0" cy="0"/>
+        </a:xfrm>
+      </p:grpSpPr>
+      <p:sp>
+        <p:nvSpPr>
+          <p:cNvPr id="2" name="Título 1">
+            <a:extLst>
+              <a:ext uri="{FF2B5EF4-FFF2-40B4-BE49-F238E27FC236}">
+                <a16:creationId xmlns:a16="http://schemas.microsoft.com/office/drawing/2014/main" id="{79EC4F93-81FD-A6DF-AE3B-53DC10115931}"/>
+              </a:ext>
+            </a:extLst>
+          </p:cNvPr>
+          <p:cNvSpPr>
+            <a:spLocks noGrp="1"/>
+          </p:cNvSpPr>
+          <p:nvPr>
+            <p:ph type="title"/>
+          </p:nvPr>
+        </p:nvSpPr>
+        <p:spPr/>
+        <p:txBody>
+          <a:bodyPr/>
+          <a:lstStyle/>
+          <a:p>
+            <a:r>
+              <a:rPr lang="pt-BR" dirty="0" err="1"/>
+              <a:t>Git-Hub</a:t>
+            </a:r>
+            <a:r>
+              <a:rPr lang="pt-BR" dirty="0"/>
+              <a:t> </a:t>
+            </a:r>
+            <a:r>
+              <a:rPr lang="pt-BR" dirty="0" err="1"/>
+              <a:t>Codespaces</a:t>
+            </a:r>
+            <a:endParaRPr lang="pt-BR" dirty="0"/>
+          </a:p>
+        </p:txBody>
+      </p:sp>
+      <p:sp>
+        <p:nvSpPr>
+          <p:cNvPr id="3" name="Espaço Reservado para Texto 2">
+            <a:extLst>
+              <a:ext uri="{FF2B5EF4-FFF2-40B4-BE49-F238E27FC236}">
+                <a16:creationId xmlns:a16="http://schemas.microsoft.com/office/drawing/2014/main" id="{FBA2EED1-F741-9121-B741-A77419555C6F}"/>
+              </a:ext>
+            </a:extLst>
+          </p:cNvPr>
+          <p:cNvSpPr>
+            <a:spLocks noGrp="1"/>
+          </p:cNvSpPr>
+          <p:nvPr>
+            <p:ph type="body" idx="1"/>
+          </p:nvPr>
+        </p:nvSpPr>
+        <p:spPr/>
+        <p:txBody>
+          <a:bodyPr/>
+          <a:lstStyle/>
+          <a:p>
+            <a:r>
+              <a:rPr lang="pt-BR" dirty="0" err="1"/>
+              <a:t>Git</a:t>
+            </a:r>
+            <a:r>
+              <a:rPr lang="pt-BR" dirty="0"/>
+              <a:t> &amp; </a:t>
+            </a:r>
+            <a:r>
+              <a:rPr lang="pt-BR" dirty="0" err="1"/>
+              <a:t>Git-Hub</a:t>
+            </a:r>
+            <a:r>
+              <a:rPr lang="pt-BR"/>
+              <a:t> – Aprimorando o conhecimento</a:t>
+            </a:r>
+          </a:p>
+        </p:txBody>
+      </p:sp>
+    </p:spTree>
+    <p:extLst>
+      <p:ext uri="{BB962C8B-B14F-4D97-AF65-F5344CB8AC3E}">
+        <p14:creationId xmlns:p14="http://schemas.microsoft.com/office/powerpoint/2010/main" val="566274063"/>
+      </p:ext>
+    </p:extLst>
+  </p:cSld>
+  <p:clrMapOvr>
+    <a:masterClrMapping/>
+  </p:clrMapOvr>
+</p:sld>
+</file>
+
+<file path=ppt/slides/slide21.xml><?xml version="1.0" encoding="utf-8"?>
+<p:sld xmlns:a="http://schemas.openxmlformats.org/drawingml/2006/main" xmlns:r="http://schemas.openxmlformats.org/officeDocument/2006/relationships" xmlns:p="http://schemas.openxmlformats.org/presentationml/2006/main">
+  <p:cSld>
+    <p:spTree>
+      <p:nvGrpSpPr>
+        <p:cNvPr id="1" name="">
+          <a:extLst>
+            <a:ext uri="{FF2B5EF4-FFF2-40B4-BE49-F238E27FC236}">
+              <a16:creationId xmlns:a16="http://schemas.microsoft.com/office/drawing/2014/main" id="{69DA4C11-AF1D-992E-7083-E9CF29F989E4}"/>
+            </a:ext>
+          </a:extLst>
+        </p:cNvPr>
+        <p:cNvGrpSpPr/>
+        <p:nvPr/>
+      </p:nvGrpSpPr>
+      <p:grpSpPr>
+        <a:xfrm>
+          <a:off x="0" y="0"/>
+          <a:ext cx="0" cy="0"/>
+          <a:chOff x="0" y="0"/>
+          <a:chExt cx="0" cy="0"/>
+        </a:xfrm>
+      </p:grpSpPr>
+      <p:sp>
+        <p:nvSpPr>
+          <p:cNvPr id="2" name="Título 1">
+            <a:extLst>
+              <a:ext uri="{FF2B5EF4-FFF2-40B4-BE49-F238E27FC236}">
+                <a16:creationId xmlns:a16="http://schemas.microsoft.com/office/drawing/2014/main" id="{6B4B2E6A-7FC2-A6B0-58B9-211A72CE94A9}"/>
+              </a:ext>
+            </a:extLst>
+          </p:cNvPr>
+          <p:cNvSpPr>
+            <a:spLocks noGrp="1"/>
+          </p:cNvSpPr>
+          <p:nvPr>
+            <p:ph type="title"/>
+          </p:nvPr>
+        </p:nvSpPr>
+        <p:spPr/>
+        <p:txBody>
+          <a:bodyPr/>
+          <a:lstStyle/>
+          <a:p>
+            <a:r>
+              <a:rPr lang="pt-BR" dirty="0" err="1"/>
+              <a:t>Codespaces</a:t>
+            </a:r>
+            <a:endParaRPr lang="pt-BR" dirty="0"/>
+          </a:p>
+        </p:txBody>
+      </p:sp>
+      <p:sp>
+        <p:nvSpPr>
+          <p:cNvPr id="3" name="Espaço Reservado para Conteúdo 2">
+            <a:extLst>
+              <a:ext uri="{FF2B5EF4-FFF2-40B4-BE49-F238E27FC236}">
+                <a16:creationId xmlns:a16="http://schemas.microsoft.com/office/drawing/2014/main" id="{D3B54FD4-E042-997F-4706-D0A059A91AD9}"/>
+              </a:ext>
+            </a:extLst>
+          </p:cNvPr>
+          <p:cNvSpPr>
+            <a:spLocks noGrp="1"/>
+          </p:cNvSpPr>
+          <p:nvPr>
+            <p:ph sz="half" idx="1"/>
+          </p:nvPr>
+        </p:nvSpPr>
+        <p:spPr/>
+        <p:txBody>
+          <a:bodyPr anchor="t"/>
+          <a:lstStyle/>
+          <a:p>
+            <a:pPr marL="0" indent="0">
+              <a:buNone/>
+            </a:pPr>
+            <a:endParaRPr lang="pt-BR" dirty="0">
+              <a:cs typeface="Courier New" panose="02070309020205020404" pitchFamily="49" charset="0"/>
+            </a:endParaRPr>
+          </a:p>
+          <a:p>
+            <a:pPr marL="0" indent="0">
+              <a:buNone/>
+            </a:pPr>
+            <a:endParaRPr lang="pt-BR" dirty="0">
+              <a:cs typeface="Courier New" panose="02070309020205020404" pitchFamily="49" charset="0"/>
+            </a:endParaRPr>
+          </a:p>
+          <a:p>
+            <a:pPr marL="0" indent="0">
+              <a:buNone/>
+            </a:pPr>
+            <a:r>
+              <a:rPr lang="pt-BR" dirty="0">
+                <a:cs typeface="Courier New" panose="02070309020205020404" pitchFamily="49" charset="0"/>
+              </a:rPr>
+              <a:t>O </a:t>
+            </a:r>
+            <a:r>
+              <a:rPr lang="pt-BR" dirty="0" err="1">
+                <a:cs typeface="Courier New" panose="02070309020205020404" pitchFamily="49" charset="0"/>
+              </a:rPr>
+              <a:t>Codespace</a:t>
+            </a:r>
+            <a:r>
+              <a:rPr lang="pt-BR" dirty="0">
+                <a:cs typeface="Courier New" panose="02070309020205020404" pitchFamily="49" charset="0"/>
+              </a:rPr>
+              <a:t> é um espaço de trabalho totalmente funcional via navegador</a:t>
+            </a:r>
+          </a:p>
+          <a:p>
+            <a:pPr marL="0" indent="0">
+              <a:buNone/>
+            </a:pPr>
+            <a:r>
+              <a:rPr lang="pt-BR" dirty="0">
+                <a:cs typeface="Courier New" panose="02070309020205020404" pitchFamily="49" charset="0"/>
+              </a:rPr>
+              <a:t>Praticamente é um ambiente baseado em container</a:t>
+            </a:r>
+          </a:p>
+        </p:txBody>
+      </p:sp>
+      <p:sp>
+        <p:nvSpPr>
+          <p:cNvPr id="5" name="Espaço Reservado para Conteúdo 4">
+            <a:extLst>
+              <a:ext uri="{FF2B5EF4-FFF2-40B4-BE49-F238E27FC236}">
+                <a16:creationId xmlns:a16="http://schemas.microsoft.com/office/drawing/2014/main" id="{BB29A0C3-14C8-8C0F-454A-D97A6A036C14}"/>
+              </a:ext>
+            </a:extLst>
+          </p:cNvPr>
+          <p:cNvSpPr>
+            <a:spLocks noGrp="1"/>
+          </p:cNvSpPr>
+          <p:nvPr>
+            <p:ph sz="half" idx="2"/>
+          </p:nvPr>
+        </p:nvSpPr>
+        <p:spPr/>
+        <p:txBody>
+          <a:bodyPr/>
+          <a:lstStyle/>
+          <a:p>
+            <a:pPr marL="0" indent="0">
+              <a:buNone/>
+            </a:pPr>
+            <a:endParaRPr lang="pt-BR" dirty="0"/>
+          </a:p>
+        </p:txBody>
+      </p:sp>
+    </p:spTree>
+    <p:extLst>
+      <p:ext uri="{BB962C8B-B14F-4D97-AF65-F5344CB8AC3E}">
+        <p14:creationId xmlns:p14="http://schemas.microsoft.com/office/powerpoint/2010/main" val="1027117334"/>
       </p:ext>
     </p:extLst>
   </p:cSld>
@@ -8598,14 +9382,10 @@
             </a:pPr>
             <a:r>
               <a:rPr lang="pt-BR" sz="1800" dirty="0"/>
-              <a:t>Remoção automática de </a:t>
-            </a:r>
-            <a:r>
-              <a:rPr lang="pt-BR" sz="1800"/>
-              <a:t>confirmação (</a:t>
-            </a:r>
-            <a:r>
-              <a:rPr lang="pt-BR" sz="1800">
+              <a:t>Remoção automática de confirmação (</a:t>
+            </a:r>
+            <a:r>
+              <a:rPr lang="pt-BR" sz="1800" dirty="0">
                 <a:solidFill>
                   <a:schemeClr val="accent1">
                     <a:lumMod val="60000"/>

--- a/Git-GitHub/Git & Git-Hub – Aprimorando o conhecimento.pptx
+++ b/Git-GitHub/Git & Git-Hub – Aprimorando o conhecimento.pptx
@@ -217,7 +217,7 @@
           <a:p>
             <a:fld id="{A6AF2050-F4A5-41B1-8B2F-CEB940469450}" type="datetimeFigureOut">
               <a:rPr lang="pt-BR" smtClean="0"/>
-              <a:t>20/03/2025</a:t>
+              <a:t>22/03/2025</a:t>
             </a:fld>
             <a:endParaRPr lang="pt-BR"/>
           </a:p>
@@ -663,6 +663,1108 @@
 </p:notes>
 </file>
 
+<file path=ppt/notesSlides/notesSlide3.xml><?xml version="1.0" encoding="utf-8"?>
+<p:notes xmlns:a="http://schemas.openxmlformats.org/drawingml/2006/main" xmlns:r="http://schemas.openxmlformats.org/officeDocument/2006/relationships" xmlns:p="http://schemas.openxmlformats.org/presentationml/2006/main">
+  <p:cSld>
+    <p:spTree>
+      <p:nvGrpSpPr>
+        <p:cNvPr id="1" name=""/>
+        <p:cNvGrpSpPr/>
+        <p:nvPr/>
+      </p:nvGrpSpPr>
+      <p:grpSpPr>
+        <a:xfrm>
+          <a:off x="0" y="0"/>
+          <a:ext cx="0" cy="0"/>
+          <a:chOff x="0" y="0"/>
+          <a:chExt cx="0" cy="0"/>
+        </a:xfrm>
+      </p:grpSpPr>
+      <p:sp>
+        <p:nvSpPr>
+          <p:cNvPr id="2" name="Espaço Reservado para Imagem de Slide 1"/>
+          <p:cNvSpPr>
+            <a:spLocks noGrp="1" noRot="1" noChangeAspect="1"/>
+          </p:cNvSpPr>
+          <p:nvPr>
+            <p:ph type="sldImg"/>
+          </p:nvPr>
+        </p:nvSpPr>
+        <p:spPr/>
+      </p:sp>
+      <p:sp>
+        <p:nvSpPr>
+          <p:cNvPr id="3" name="Espaço Reservado para Anotações 2"/>
+          <p:cNvSpPr>
+            <a:spLocks noGrp="1"/>
+          </p:cNvSpPr>
+          <p:nvPr>
+            <p:ph type="body" idx="1"/>
+          </p:nvPr>
+        </p:nvSpPr>
+        <p:spPr/>
+        <p:txBody>
+          <a:bodyPr/>
+          <a:lstStyle/>
+          <a:p>
+            <a:endParaRPr lang="pt-BR" dirty="0"/>
+          </a:p>
+        </p:txBody>
+      </p:sp>
+      <p:sp>
+        <p:nvSpPr>
+          <p:cNvPr id="4" name="Espaço Reservado para Número de Slide 3"/>
+          <p:cNvSpPr>
+            <a:spLocks noGrp="1"/>
+          </p:cNvSpPr>
+          <p:nvPr>
+            <p:ph type="sldNum" sz="quarter" idx="5"/>
+          </p:nvPr>
+        </p:nvSpPr>
+        <p:spPr/>
+        <p:txBody>
+          <a:bodyPr/>
+          <a:lstStyle/>
+          <a:p>
+            <a:fld id="{25F08706-877A-4C08-9971-45F2131156D8}" type="slidenum">
+              <a:rPr lang="pt-BR" smtClean="0"/>
+              <a:t>6</a:t>
+            </a:fld>
+            <a:endParaRPr lang="pt-BR"/>
+          </a:p>
+        </p:txBody>
+      </p:sp>
+    </p:spTree>
+    <p:extLst>
+      <p:ext uri="{BB962C8B-B14F-4D97-AF65-F5344CB8AC3E}">
+        <p14:creationId xmlns:p14="http://schemas.microsoft.com/office/powerpoint/2010/main" val="3265708531"/>
+      </p:ext>
+    </p:extLst>
+  </p:cSld>
+  <p:clrMapOvr>
+    <a:masterClrMapping/>
+  </p:clrMapOvr>
+</p:notes>
+</file>
+
+<file path=ppt/notesSlides/notesSlide4.xml><?xml version="1.0" encoding="utf-8"?>
+<p:notes xmlns:a="http://schemas.openxmlformats.org/drawingml/2006/main" xmlns:r="http://schemas.openxmlformats.org/officeDocument/2006/relationships" xmlns:p="http://schemas.openxmlformats.org/presentationml/2006/main">
+  <p:cSld>
+    <p:spTree>
+      <p:nvGrpSpPr>
+        <p:cNvPr id="1" name=""/>
+        <p:cNvGrpSpPr/>
+        <p:nvPr/>
+      </p:nvGrpSpPr>
+      <p:grpSpPr>
+        <a:xfrm>
+          <a:off x="0" y="0"/>
+          <a:ext cx="0" cy="0"/>
+          <a:chOff x="0" y="0"/>
+          <a:chExt cx="0" cy="0"/>
+        </a:xfrm>
+      </p:grpSpPr>
+      <p:sp>
+        <p:nvSpPr>
+          <p:cNvPr id="2" name="Espaço Reservado para Imagem de Slide 1"/>
+          <p:cNvSpPr>
+            <a:spLocks noGrp="1" noRot="1" noChangeAspect="1"/>
+          </p:cNvSpPr>
+          <p:nvPr>
+            <p:ph type="sldImg"/>
+          </p:nvPr>
+        </p:nvSpPr>
+        <p:spPr/>
+      </p:sp>
+      <p:sp>
+        <p:nvSpPr>
+          <p:cNvPr id="3" name="Espaço Reservado para Anotações 2"/>
+          <p:cNvSpPr>
+            <a:spLocks noGrp="1"/>
+          </p:cNvSpPr>
+          <p:nvPr>
+            <p:ph type="body" idx="1"/>
+          </p:nvPr>
+        </p:nvSpPr>
+        <p:spPr/>
+        <p:txBody>
+          <a:bodyPr/>
+          <a:lstStyle/>
+          <a:p>
+            <a:pPr algn="l">
+              <a:buNone/>
+            </a:pPr>
+            <a:r>
+              <a:rPr lang="pt-BR" b="0" i="0" dirty="0">
+                <a:solidFill>
+                  <a:srgbClr val="FFFFFF"/>
+                </a:solidFill>
+                <a:effectLst/>
+                <a:latin typeface="-apple-system"/>
+              </a:rPr>
+              <a:t>O GitHub é uma plataforma de hospedagem de código-fonte e controle de versão com o uso do </a:t>
+            </a:r>
+            <a:r>
+              <a:rPr lang="pt-BR" b="0" i="0" dirty="0" err="1">
+                <a:solidFill>
+                  <a:srgbClr val="FFFFFF"/>
+                </a:solidFill>
+                <a:effectLst/>
+                <a:latin typeface="-apple-system"/>
+              </a:rPr>
+              <a:t>Git</a:t>
+            </a:r>
+            <a:r>
+              <a:rPr lang="pt-BR" b="0" i="0" dirty="0">
+                <a:solidFill>
+                  <a:srgbClr val="FFFFFF"/>
+                </a:solidFill>
+                <a:effectLst/>
+                <a:latin typeface="-apple-system"/>
+              </a:rPr>
+              <a:t>. Ele oferece funcionalidades de colaboração, como </a:t>
+            </a:r>
+            <a:r>
+              <a:rPr lang="pt-BR" b="0" i="0" dirty="0" err="1">
+                <a:solidFill>
+                  <a:srgbClr val="FFFFFF"/>
+                </a:solidFill>
+                <a:effectLst/>
+                <a:latin typeface="-apple-system"/>
+              </a:rPr>
+              <a:t>pull</a:t>
+            </a:r>
+            <a:r>
+              <a:rPr lang="pt-BR" b="0" i="0" dirty="0">
+                <a:solidFill>
+                  <a:srgbClr val="FFFFFF"/>
+                </a:solidFill>
+                <a:effectLst/>
+                <a:latin typeface="-apple-system"/>
+              </a:rPr>
+              <a:t> </a:t>
+            </a:r>
+            <a:r>
+              <a:rPr lang="pt-BR" b="0" i="0" dirty="0" err="1">
+                <a:solidFill>
+                  <a:srgbClr val="FFFFFF"/>
+                </a:solidFill>
+                <a:effectLst/>
+                <a:latin typeface="-apple-system"/>
+              </a:rPr>
+              <a:t>requests</a:t>
+            </a:r>
+            <a:r>
+              <a:rPr lang="pt-BR" b="0" i="0" dirty="0">
+                <a:solidFill>
+                  <a:srgbClr val="FFFFFF"/>
+                </a:solidFill>
+                <a:effectLst/>
+                <a:latin typeface="-apple-system"/>
+              </a:rPr>
+              <a:t>, </a:t>
+            </a:r>
+            <a:r>
+              <a:rPr lang="pt-BR" b="0" i="0" dirty="0" err="1">
+                <a:solidFill>
+                  <a:srgbClr val="FFFFFF"/>
+                </a:solidFill>
+                <a:effectLst/>
+                <a:latin typeface="-apple-system"/>
+              </a:rPr>
+              <a:t>issues</a:t>
+            </a:r>
+            <a:r>
+              <a:rPr lang="pt-BR" b="0" i="0" dirty="0">
+                <a:solidFill>
+                  <a:srgbClr val="FFFFFF"/>
+                </a:solidFill>
+                <a:effectLst/>
+                <a:latin typeface="-apple-system"/>
+              </a:rPr>
+              <a:t>, e wikis, além de integração contínua e entrega contínua (CI/CD). Aqui está um resumo da história do GitHub:</a:t>
+            </a:r>
+          </a:p>
+          <a:p>
+            <a:pPr algn="l">
+              <a:buNone/>
+            </a:pPr>
+            <a:r>
+              <a:rPr lang="pt-BR" b="1" i="0" dirty="0">
+                <a:solidFill>
+                  <a:srgbClr val="FFFFFF"/>
+                </a:solidFill>
+                <a:effectLst/>
+                <a:latin typeface="-apple-system"/>
+              </a:rPr>
+              <a:t>Fundação e Crescimento Inicial</a:t>
+            </a:r>
+          </a:p>
+          <a:p>
+            <a:pPr algn="l">
+              <a:buFont typeface="Arial" panose="020B0604020202020204" pitchFamily="34" charset="0"/>
+              <a:buChar char="•"/>
+            </a:pPr>
+            <a:r>
+              <a:rPr lang="pt-BR" b="1" i="0" dirty="0">
+                <a:solidFill>
+                  <a:srgbClr val="FFFFFF"/>
+                </a:solidFill>
+                <a:effectLst/>
+                <a:latin typeface="-apple-system"/>
+              </a:rPr>
+              <a:t>2008</a:t>
+            </a:r>
+            <a:r>
+              <a:rPr lang="pt-BR" b="0" i="0" dirty="0">
+                <a:solidFill>
+                  <a:srgbClr val="FFFFFF"/>
+                </a:solidFill>
+                <a:effectLst/>
+                <a:latin typeface="-apple-system"/>
+              </a:rPr>
+              <a:t>: GitHub foi fundado por Tom Preston-Werner, Chris </a:t>
+            </a:r>
+            <a:r>
+              <a:rPr lang="pt-BR" b="0" i="0" dirty="0" err="1">
+                <a:solidFill>
+                  <a:srgbClr val="FFFFFF"/>
+                </a:solidFill>
+                <a:effectLst/>
+                <a:latin typeface="-apple-system"/>
+              </a:rPr>
+              <a:t>Wanstrath</a:t>
+            </a:r>
+            <a:r>
+              <a:rPr lang="pt-BR" b="0" i="0" dirty="0">
+                <a:solidFill>
+                  <a:srgbClr val="FFFFFF"/>
+                </a:solidFill>
+                <a:effectLst/>
+                <a:latin typeface="-apple-system"/>
+              </a:rPr>
+              <a:t>, PJ </a:t>
+            </a:r>
+            <a:r>
+              <a:rPr lang="pt-BR" b="0" i="0" dirty="0" err="1">
+                <a:solidFill>
+                  <a:srgbClr val="FFFFFF"/>
+                </a:solidFill>
+                <a:effectLst/>
+                <a:latin typeface="-apple-system"/>
+              </a:rPr>
+              <a:t>Hyett</a:t>
+            </a:r>
+            <a:r>
+              <a:rPr lang="pt-BR" b="0" i="0" dirty="0">
+                <a:solidFill>
+                  <a:srgbClr val="FFFFFF"/>
+                </a:solidFill>
+                <a:effectLst/>
+                <a:latin typeface="-apple-system"/>
+              </a:rPr>
+              <a:t> e Scott </a:t>
+            </a:r>
+            <a:r>
+              <a:rPr lang="pt-BR" b="0" i="0" dirty="0" err="1">
+                <a:solidFill>
+                  <a:srgbClr val="FFFFFF"/>
+                </a:solidFill>
+                <a:effectLst/>
+                <a:latin typeface="-apple-system"/>
+              </a:rPr>
+              <a:t>Chacon</a:t>
+            </a:r>
+            <a:r>
+              <a:rPr lang="pt-BR" b="0" i="0" dirty="0">
+                <a:solidFill>
+                  <a:srgbClr val="FFFFFF"/>
+                </a:solidFill>
+                <a:effectLst/>
+                <a:latin typeface="-apple-system"/>
+              </a:rPr>
+              <a:t>. A primeira versão do site foi lançada em abril de 2008.</a:t>
+            </a:r>
+          </a:p>
+          <a:p>
+            <a:pPr algn="l">
+              <a:buFont typeface="Arial" panose="020B0604020202020204" pitchFamily="34" charset="0"/>
+              <a:buChar char="•"/>
+            </a:pPr>
+            <a:r>
+              <a:rPr lang="pt-BR" b="1" i="0" dirty="0">
+                <a:solidFill>
+                  <a:srgbClr val="FFFFFF"/>
+                </a:solidFill>
+                <a:effectLst/>
+                <a:latin typeface="-apple-system"/>
+              </a:rPr>
+              <a:t>2009</a:t>
+            </a:r>
+            <a:r>
+              <a:rPr lang="pt-BR" b="0" i="0" dirty="0">
+                <a:solidFill>
+                  <a:srgbClr val="FFFFFF"/>
+                </a:solidFill>
+                <a:effectLst/>
+                <a:latin typeface="-apple-system"/>
+              </a:rPr>
+              <a:t>: GitHub lançou planos pagos, permitindo que desenvolvedores privados usassem o serviço.</a:t>
+            </a:r>
+          </a:p>
+          <a:p>
+            <a:pPr algn="l">
+              <a:buFont typeface="Arial" panose="020B0604020202020204" pitchFamily="34" charset="0"/>
+              <a:buChar char="•"/>
+            </a:pPr>
+            <a:r>
+              <a:rPr lang="pt-BR" b="1" i="0" dirty="0">
+                <a:solidFill>
+                  <a:srgbClr val="FFFFFF"/>
+                </a:solidFill>
+                <a:effectLst/>
+                <a:latin typeface="-apple-system"/>
+              </a:rPr>
+              <a:t>2010</a:t>
+            </a:r>
+            <a:r>
+              <a:rPr lang="pt-BR" b="0" i="0" dirty="0">
+                <a:solidFill>
+                  <a:srgbClr val="FFFFFF"/>
+                </a:solidFill>
+                <a:effectLst/>
+                <a:latin typeface="-apple-system"/>
+              </a:rPr>
+              <a:t>: GitHub alcançou 1 milhão de repositórios. A plataforma começou a atrair grandes projetos de código aberto.</a:t>
+            </a:r>
+          </a:p>
+          <a:p>
+            <a:pPr algn="l">
+              <a:buNone/>
+            </a:pPr>
+            <a:r>
+              <a:rPr lang="pt-BR" b="1" i="0" dirty="0">
+                <a:solidFill>
+                  <a:srgbClr val="FFFFFF"/>
+                </a:solidFill>
+                <a:effectLst/>
+                <a:latin typeface="-apple-system"/>
+              </a:rPr>
+              <a:t>Expansão e Inovações</a:t>
+            </a:r>
+          </a:p>
+          <a:p>
+            <a:pPr algn="l">
+              <a:buFont typeface="Arial" panose="020B0604020202020204" pitchFamily="34" charset="0"/>
+              <a:buChar char="•"/>
+            </a:pPr>
+            <a:r>
+              <a:rPr lang="pt-BR" b="1" i="0" dirty="0">
+                <a:solidFill>
+                  <a:srgbClr val="FFFFFF"/>
+                </a:solidFill>
+                <a:effectLst/>
+                <a:latin typeface="-apple-system"/>
+              </a:rPr>
+              <a:t>2011</a:t>
+            </a:r>
+            <a:r>
+              <a:rPr lang="pt-BR" b="0" i="0" dirty="0">
+                <a:solidFill>
+                  <a:srgbClr val="FFFFFF"/>
+                </a:solidFill>
+                <a:effectLst/>
+                <a:latin typeface="-apple-system"/>
+              </a:rPr>
+              <a:t>: GitHub adicionou o GitHub Pages, permitindo que usuários hospedassem sites estáticos diretamente de seus repositórios.</a:t>
+            </a:r>
+          </a:p>
+          <a:p>
+            <a:pPr algn="l">
+              <a:buFont typeface="Arial" panose="020B0604020202020204" pitchFamily="34" charset="0"/>
+              <a:buChar char="•"/>
+            </a:pPr>
+            <a:r>
+              <a:rPr lang="pt-BR" b="1" i="0" dirty="0">
+                <a:solidFill>
+                  <a:srgbClr val="FFFFFF"/>
+                </a:solidFill>
+                <a:effectLst/>
+                <a:latin typeface="-apple-system"/>
+              </a:rPr>
+              <a:t>2012</a:t>
+            </a:r>
+            <a:r>
+              <a:rPr lang="pt-BR" b="0" i="0" dirty="0">
+                <a:solidFill>
+                  <a:srgbClr val="FFFFFF"/>
+                </a:solidFill>
+                <a:effectLst/>
+                <a:latin typeface="-apple-system"/>
+              </a:rPr>
+              <a:t>: GitHub alcançou 2 milhões de repositórios. A empresa também lançou o GitHub Enterprise, uma versão do GitHub para instalação em servidores corporativos.</a:t>
+            </a:r>
+          </a:p>
+          <a:p>
+            <a:pPr algn="l">
+              <a:buFont typeface="Arial" panose="020B0604020202020204" pitchFamily="34" charset="0"/>
+              <a:buChar char="•"/>
+            </a:pPr>
+            <a:r>
+              <a:rPr lang="pt-BR" b="1" i="0" dirty="0">
+                <a:solidFill>
+                  <a:srgbClr val="FFFFFF"/>
+                </a:solidFill>
+                <a:effectLst/>
+                <a:latin typeface="-apple-system"/>
+              </a:rPr>
+              <a:t>2013</a:t>
+            </a:r>
+            <a:r>
+              <a:rPr lang="pt-BR" b="0" i="0" dirty="0">
+                <a:solidFill>
+                  <a:srgbClr val="FFFFFF"/>
+                </a:solidFill>
+                <a:effectLst/>
+                <a:latin typeface="-apple-system"/>
+              </a:rPr>
+              <a:t>: GitHub lançou o GitHub </a:t>
+            </a:r>
+            <a:r>
+              <a:rPr lang="pt-BR" b="0" i="0" dirty="0" err="1">
+                <a:solidFill>
+                  <a:srgbClr val="FFFFFF"/>
+                </a:solidFill>
+                <a:effectLst/>
+                <a:latin typeface="-apple-system"/>
+              </a:rPr>
+              <a:t>Education</a:t>
+            </a:r>
+            <a:r>
+              <a:rPr lang="pt-BR" b="0" i="0" dirty="0">
+                <a:solidFill>
+                  <a:srgbClr val="FFFFFF"/>
+                </a:solidFill>
+                <a:effectLst/>
+                <a:latin typeface="-apple-system"/>
+              </a:rPr>
+              <a:t>, oferecendo recursos gratuitos para estudantes e educadores.</a:t>
+            </a:r>
+          </a:p>
+          <a:p>
+            <a:pPr algn="l">
+              <a:buNone/>
+            </a:pPr>
+            <a:r>
+              <a:rPr lang="pt-BR" b="1" i="0" dirty="0">
+                <a:solidFill>
+                  <a:srgbClr val="FFFFFF"/>
+                </a:solidFill>
+                <a:effectLst/>
+                <a:latin typeface="-apple-system"/>
+              </a:rPr>
+              <a:t>Aquisições e Crescimento</a:t>
+            </a:r>
+          </a:p>
+          <a:p>
+            <a:pPr algn="l">
+              <a:buFont typeface="Arial" panose="020B0604020202020204" pitchFamily="34" charset="0"/>
+              <a:buChar char="•"/>
+            </a:pPr>
+            <a:r>
+              <a:rPr lang="pt-BR" b="1" i="0" dirty="0">
+                <a:solidFill>
+                  <a:srgbClr val="FFFFFF"/>
+                </a:solidFill>
+                <a:effectLst/>
+                <a:latin typeface="-apple-system"/>
+              </a:rPr>
+              <a:t>2014</a:t>
+            </a:r>
+            <a:r>
+              <a:rPr lang="pt-BR" b="0" i="0" dirty="0">
+                <a:solidFill>
+                  <a:srgbClr val="FFFFFF"/>
+                </a:solidFill>
+                <a:effectLst/>
+                <a:latin typeface="-apple-system"/>
+              </a:rPr>
+              <a:t>: GitHub levantou US$ 250 milhões em financiamento de investidores como </a:t>
+            </a:r>
+            <a:r>
+              <a:rPr lang="pt-BR" b="0" i="0" dirty="0" err="1">
+                <a:solidFill>
+                  <a:srgbClr val="FFFFFF"/>
+                </a:solidFill>
+                <a:effectLst/>
+                <a:latin typeface="-apple-system"/>
+              </a:rPr>
+              <a:t>Andreessen</a:t>
+            </a:r>
+            <a:r>
+              <a:rPr lang="pt-BR" b="0" i="0" dirty="0">
+                <a:solidFill>
+                  <a:srgbClr val="FFFFFF"/>
+                </a:solidFill>
+                <a:effectLst/>
+                <a:latin typeface="-apple-system"/>
+              </a:rPr>
+              <a:t> Horowitz, valorizando a empresa em US$ 2 bilhões.</a:t>
+            </a:r>
+          </a:p>
+          <a:p>
+            <a:pPr algn="l">
+              <a:buFont typeface="Arial" panose="020B0604020202020204" pitchFamily="34" charset="0"/>
+              <a:buChar char="•"/>
+            </a:pPr>
+            <a:r>
+              <a:rPr lang="pt-BR" b="1" i="0" dirty="0">
+                <a:solidFill>
+                  <a:srgbClr val="FFFFFF"/>
+                </a:solidFill>
+                <a:effectLst/>
+                <a:latin typeface="-apple-system"/>
+              </a:rPr>
+              <a:t>2015</a:t>
+            </a:r>
+            <a:r>
+              <a:rPr lang="pt-BR" b="0" i="0" dirty="0">
+                <a:solidFill>
+                  <a:srgbClr val="FFFFFF"/>
+                </a:solidFill>
+                <a:effectLst/>
+                <a:latin typeface="-apple-system"/>
+              </a:rPr>
+              <a:t>: GitHub alcançou 10 milhões de usuários registrados.</a:t>
+            </a:r>
+          </a:p>
+          <a:p>
+            <a:pPr algn="l">
+              <a:buFont typeface="Arial" panose="020B0604020202020204" pitchFamily="34" charset="0"/>
+              <a:buChar char="•"/>
+            </a:pPr>
+            <a:r>
+              <a:rPr lang="pt-BR" b="1" i="0" dirty="0">
+                <a:solidFill>
+                  <a:srgbClr val="FFFFFF"/>
+                </a:solidFill>
+                <a:effectLst/>
+                <a:latin typeface="-apple-system"/>
+              </a:rPr>
+              <a:t>2016</a:t>
+            </a:r>
+            <a:r>
+              <a:rPr lang="pt-BR" b="0" i="0" dirty="0">
+                <a:solidFill>
+                  <a:srgbClr val="FFFFFF"/>
+                </a:solidFill>
+                <a:effectLst/>
+                <a:latin typeface="-apple-system"/>
+              </a:rPr>
+              <a:t>: GitHub lançou novas funcionalidades como o GitHub </a:t>
+            </a:r>
+            <a:r>
+              <a:rPr lang="pt-BR" b="0" i="0" dirty="0" err="1">
+                <a:solidFill>
+                  <a:srgbClr val="FFFFFF"/>
+                </a:solidFill>
+                <a:effectLst/>
+                <a:latin typeface="-apple-system"/>
+              </a:rPr>
+              <a:t>Projects</a:t>
+            </a:r>
+            <a:r>
+              <a:rPr lang="pt-BR" b="0" i="0" dirty="0">
+                <a:solidFill>
+                  <a:srgbClr val="FFFFFF"/>
+                </a:solidFill>
+                <a:effectLst/>
+                <a:latin typeface="-apple-system"/>
+              </a:rPr>
+              <a:t>, que adicionou funcionalidades de gerenciamento de projetos.</a:t>
+            </a:r>
+          </a:p>
+          <a:p>
+            <a:pPr algn="l">
+              <a:buNone/>
+            </a:pPr>
+            <a:r>
+              <a:rPr lang="pt-BR" b="1" i="0" dirty="0">
+                <a:solidFill>
+                  <a:srgbClr val="FFFFFF"/>
+                </a:solidFill>
+                <a:effectLst/>
+                <a:latin typeface="-apple-system"/>
+              </a:rPr>
+              <a:t>Aquisição pela Microsoft</a:t>
+            </a:r>
+          </a:p>
+          <a:p>
+            <a:pPr algn="l">
+              <a:buFont typeface="Arial" panose="020B0604020202020204" pitchFamily="34" charset="0"/>
+              <a:buChar char="•"/>
+            </a:pPr>
+            <a:r>
+              <a:rPr lang="pt-BR" b="1" i="0" dirty="0">
+                <a:solidFill>
+                  <a:srgbClr val="FFFFFF"/>
+                </a:solidFill>
+                <a:effectLst/>
+                <a:latin typeface="-apple-system"/>
+              </a:rPr>
+              <a:t>2018</a:t>
+            </a:r>
+            <a:r>
+              <a:rPr lang="pt-BR" b="0" i="0" dirty="0">
+                <a:solidFill>
+                  <a:srgbClr val="FFFFFF"/>
+                </a:solidFill>
+                <a:effectLst/>
+                <a:latin typeface="-apple-system"/>
+              </a:rPr>
+              <a:t>: Microsoft anunciou a aquisição do GitHub por US$ 7,5 bilhões em ações. A aquisição foi concluída em outubro de 2018, com Nat Friedman, </a:t>
+            </a:r>
+            <a:r>
+              <a:rPr lang="pt-BR" b="0" i="0" dirty="0" err="1">
+                <a:solidFill>
+                  <a:srgbClr val="FFFFFF"/>
+                </a:solidFill>
+                <a:effectLst/>
+                <a:latin typeface="-apple-system"/>
+              </a:rPr>
+              <a:t>ex-CEO</a:t>
+            </a:r>
+            <a:r>
+              <a:rPr lang="pt-BR" b="0" i="0" dirty="0">
+                <a:solidFill>
+                  <a:srgbClr val="FFFFFF"/>
+                </a:solidFill>
+                <a:effectLst/>
+                <a:latin typeface="-apple-system"/>
+              </a:rPr>
+              <a:t> da </a:t>
+            </a:r>
+            <a:r>
+              <a:rPr lang="pt-BR" b="0" i="0" dirty="0" err="1">
+                <a:solidFill>
+                  <a:srgbClr val="FFFFFF"/>
+                </a:solidFill>
+                <a:effectLst/>
+                <a:latin typeface="-apple-system"/>
+              </a:rPr>
+              <a:t>Xamarin</a:t>
+            </a:r>
+            <a:r>
+              <a:rPr lang="pt-BR" b="0" i="0" dirty="0">
+                <a:solidFill>
+                  <a:srgbClr val="FFFFFF"/>
+                </a:solidFill>
+                <a:effectLst/>
+                <a:latin typeface="-apple-system"/>
+              </a:rPr>
+              <a:t>, assumindo como CEO do GitHub.</a:t>
+            </a:r>
+          </a:p>
+          <a:p>
+            <a:pPr algn="l">
+              <a:buFont typeface="Arial" panose="020B0604020202020204" pitchFamily="34" charset="0"/>
+              <a:buChar char="•"/>
+            </a:pPr>
+            <a:r>
+              <a:rPr lang="pt-BR" b="1" i="0" dirty="0">
+                <a:solidFill>
+                  <a:srgbClr val="FFFFFF"/>
+                </a:solidFill>
+                <a:effectLst/>
+                <a:latin typeface="-apple-system"/>
+              </a:rPr>
+              <a:t>2019</a:t>
+            </a:r>
+            <a:r>
+              <a:rPr lang="pt-BR" b="0" i="0" dirty="0">
+                <a:solidFill>
+                  <a:srgbClr val="FFFFFF"/>
+                </a:solidFill>
+                <a:effectLst/>
+                <a:latin typeface="-apple-system"/>
+              </a:rPr>
+              <a:t>: GitHub lançou o GitHub </a:t>
+            </a:r>
+            <a:r>
+              <a:rPr lang="pt-BR" b="0" i="0" dirty="0" err="1">
+                <a:solidFill>
+                  <a:srgbClr val="FFFFFF"/>
+                </a:solidFill>
+                <a:effectLst/>
+                <a:latin typeface="-apple-system"/>
+              </a:rPr>
+              <a:t>Actions</a:t>
+            </a:r>
+            <a:r>
+              <a:rPr lang="pt-BR" b="0" i="0" dirty="0">
+                <a:solidFill>
+                  <a:srgbClr val="FFFFFF"/>
+                </a:solidFill>
+                <a:effectLst/>
+                <a:latin typeface="-apple-system"/>
+              </a:rPr>
+              <a:t>, uma plataforma de CI/CD integrada que permite automação de fluxos de trabalho.</a:t>
+            </a:r>
+          </a:p>
+          <a:p>
+            <a:pPr algn="l">
+              <a:buNone/>
+            </a:pPr>
+            <a:r>
+              <a:rPr lang="pt-BR" b="1" i="0" dirty="0">
+                <a:solidFill>
+                  <a:srgbClr val="FFFFFF"/>
+                </a:solidFill>
+                <a:effectLst/>
+                <a:latin typeface="-apple-system"/>
+              </a:rPr>
+              <a:t>Inovações Recentes e Expansões</a:t>
+            </a:r>
+          </a:p>
+          <a:p>
+            <a:pPr algn="l">
+              <a:buFont typeface="Arial" panose="020B0604020202020204" pitchFamily="34" charset="0"/>
+              <a:buChar char="•"/>
+            </a:pPr>
+            <a:r>
+              <a:rPr lang="pt-BR" b="1" i="0" dirty="0">
+                <a:solidFill>
+                  <a:srgbClr val="FFFFFF"/>
+                </a:solidFill>
+                <a:effectLst/>
+                <a:latin typeface="-apple-system"/>
+              </a:rPr>
+              <a:t>2020</a:t>
+            </a:r>
+            <a:r>
+              <a:rPr lang="pt-BR" b="0" i="0" dirty="0">
+                <a:solidFill>
+                  <a:srgbClr val="FFFFFF"/>
+                </a:solidFill>
+                <a:effectLst/>
+                <a:latin typeface="-apple-system"/>
+              </a:rPr>
+              <a:t>: GitHub lançou o </a:t>
+            </a:r>
+            <a:r>
+              <a:rPr lang="pt-BR" b="0" i="0" dirty="0" err="1">
+                <a:solidFill>
+                  <a:srgbClr val="FFFFFF"/>
+                </a:solidFill>
+                <a:effectLst/>
+                <a:latin typeface="-apple-system"/>
+              </a:rPr>
+              <a:t>Codespaces</a:t>
+            </a:r>
+            <a:r>
+              <a:rPr lang="pt-BR" b="0" i="0" dirty="0">
+                <a:solidFill>
+                  <a:srgbClr val="FFFFFF"/>
+                </a:solidFill>
+                <a:effectLst/>
+                <a:latin typeface="-apple-system"/>
+              </a:rPr>
+              <a:t>, um ambiente de desenvolvimento baseado em nuvem. GitHub também tornou repositórios privados ilimitados gratuitos para todos os usuários.</a:t>
+            </a:r>
+          </a:p>
+          <a:p>
+            <a:pPr algn="l">
+              <a:buFont typeface="Arial" panose="020B0604020202020204" pitchFamily="34" charset="0"/>
+              <a:buChar char="•"/>
+            </a:pPr>
+            <a:r>
+              <a:rPr lang="pt-BR" b="1" i="0" dirty="0">
+                <a:solidFill>
+                  <a:srgbClr val="FFFFFF"/>
+                </a:solidFill>
+                <a:effectLst/>
+                <a:latin typeface="-apple-system"/>
+              </a:rPr>
+              <a:t>2021</a:t>
+            </a:r>
+            <a:r>
+              <a:rPr lang="pt-BR" b="0" i="0" dirty="0">
+                <a:solidFill>
+                  <a:srgbClr val="FFFFFF"/>
+                </a:solidFill>
+                <a:effectLst/>
+                <a:latin typeface="-apple-system"/>
+              </a:rPr>
+              <a:t>: GitHub </a:t>
+            </a:r>
+            <a:r>
+              <a:rPr lang="pt-BR" b="0" i="0" dirty="0" err="1">
+                <a:solidFill>
+                  <a:srgbClr val="FFFFFF"/>
+                </a:solidFill>
+                <a:effectLst/>
+                <a:latin typeface="-apple-system"/>
+              </a:rPr>
+              <a:t>Copilot</a:t>
+            </a:r>
+            <a:r>
+              <a:rPr lang="pt-BR" b="0" i="0" dirty="0">
+                <a:solidFill>
+                  <a:srgbClr val="FFFFFF"/>
+                </a:solidFill>
+                <a:effectLst/>
+                <a:latin typeface="-apple-system"/>
+              </a:rPr>
+              <a:t> foi lançado em versão beta, uma ferramenta de inteligência artificial para autocompletar código, desenvolvida em colaboração com a OpenAI.</a:t>
+            </a:r>
+          </a:p>
+          <a:p>
+            <a:pPr algn="l">
+              <a:buFont typeface="Arial" panose="020B0604020202020204" pitchFamily="34" charset="0"/>
+              <a:buChar char="•"/>
+            </a:pPr>
+            <a:r>
+              <a:rPr lang="pt-BR" b="1" i="0" dirty="0">
+                <a:solidFill>
+                  <a:srgbClr val="FFFFFF"/>
+                </a:solidFill>
+                <a:effectLst/>
+                <a:latin typeface="-apple-system"/>
+              </a:rPr>
+              <a:t>2022</a:t>
+            </a:r>
+            <a:r>
+              <a:rPr lang="pt-BR" b="0" i="0" dirty="0">
+                <a:solidFill>
+                  <a:srgbClr val="FFFFFF"/>
+                </a:solidFill>
+                <a:effectLst/>
+                <a:latin typeface="-apple-system"/>
+              </a:rPr>
+              <a:t>: GitHub anunciou a disponibilidade geral do GitHub </a:t>
+            </a:r>
+            <a:r>
+              <a:rPr lang="pt-BR" b="0" i="0" dirty="0" err="1">
+                <a:solidFill>
+                  <a:srgbClr val="FFFFFF"/>
+                </a:solidFill>
+                <a:effectLst/>
+                <a:latin typeface="-apple-system"/>
+              </a:rPr>
+              <a:t>Copilot</a:t>
+            </a:r>
+            <a:r>
+              <a:rPr lang="pt-BR" b="0" i="0" dirty="0">
+                <a:solidFill>
+                  <a:srgbClr val="FFFFFF"/>
+                </a:solidFill>
+                <a:effectLst/>
+                <a:latin typeface="-apple-system"/>
+              </a:rPr>
+              <a:t>. A plataforma continuou a crescer em termos de usuários, repositórios e funcionalidades.</a:t>
+            </a:r>
+          </a:p>
+          <a:p>
+            <a:pPr algn="l">
+              <a:buFont typeface="Arial" panose="020B0604020202020204" pitchFamily="34" charset="0"/>
+              <a:buChar char="•"/>
+            </a:pPr>
+            <a:r>
+              <a:rPr lang="pt-BR" b="1" i="0" dirty="0">
+                <a:solidFill>
+                  <a:srgbClr val="FFFFFF"/>
+                </a:solidFill>
+                <a:effectLst/>
+                <a:latin typeface="-apple-system"/>
+              </a:rPr>
+              <a:t>2023</a:t>
+            </a:r>
+            <a:r>
+              <a:rPr lang="pt-BR" b="0" i="0" dirty="0">
+                <a:solidFill>
+                  <a:srgbClr val="FFFFFF"/>
+                </a:solidFill>
+                <a:effectLst/>
+                <a:latin typeface="-apple-system"/>
+              </a:rPr>
+              <a:t>: GitHub introduziu várias melhorias de segurança, como a verificação de dependências e alertas de segurança aprimorados.</a:t>
+            </a:r>
+          </a:p>
+          <a:p>
+            <a:pPr algn="l">
+              <a:buNone/>
+            </a:pPr>
+            <a:r>
+              <a:rPr lang="pt-BR" b="1" i="0" dirty="0">
+                <a:solidFill>
+                  <a:srgbClr val="FFFFFF"/>
+                </a:solidFill>
+                <a:effectLst/>
+                <a:latin typeface="-apple-system"/>
+              </a:rPr>
+              <a:t>GitHub Hoje</a:t>
+            </a:r>
+          </a:p>
+          <a:p>
+            <a:pPr algn="l">
+              <a:buFont typeface="Arial" panose="020B0604020202020204" pitchFamily="34" charset="0"/>
+              <a:buChar char="•"/>
+            </a:pPr>
+            <a:r>
+              <a:rPr lang="pt-BR" b="0" i="0" dirty="0">
+                <a:solidFill>
+                  <a:srgbClr val="FFFFFF"/>
+                </a:solidFill>
+                <a:effectLst/>
+                <a:latin typeface="-apple-system"/>
+              </a:rPr>
+              <a:t>GitHub é a maior plataforma de hospedagem de código-fonte do mundo, com milhões de desenvolvedores e repositórios.</a:t>
+            </a:r>
+          </a:p>
+          <a:p>
+            <a:pPr algn="l">
+              <a:buFont typeface="Arial" panose="020B0604020202020204" pitchFamily="34" charset="0"/>
+              <a:buChar char="•"/>
+            </a:pPr>
+            <a:r>
+              <a:rPr lang="pt-BR" b="0" i="0" dirty="0">
+                <a:solidFill>
+                  <a:srgbClr val="FFFFFF"/>
+                </a:solidFill>
+                <a:effectLst/>
+                <a:latin typeface="-apple-system"/>
+              </a:rPr>
+              <a:t>Ele continua a inovar com novas funcionalidades e integrações, mantendo-se uma ferramenta essencial para desenvolvedores de software em todo o mundo.</a:t>
+            </a:r>
+          </a:p>
+          <a:p>
+            <a:pPr algn="l">
+              <a:buNone/>
+            </a:pPr>
+            <a:r>
+              <a:rPr lang="pt-BR" b="1" i="0" dirty="0">
+                <a:solidFill>
+                  <a:srgbClr val="FFFFFF"/>
+                </a:solidFill>
+                <a:effectLst/>
+                <a:latin typeface="-apple-system"/>
+              </a:rPr>
+              <a:t>Referências e Recursos</a:t>
+            </a:r>
+          </a:p>
+          <a:p>
+            <a:pPr algn="l">
+              <a:buFont typeface="Arial" panose="020B0604020202020204" pitchFamily="34" charset="0"/>
+              <a:buChar char="•"/>
+            </a:pPr>
+            <a:r>
+              <a:rPr lang="pt-BR" b="0" i="0" u="sng" dirty="0">
+                <a:solidFill>
+                  <a:srgbClr val="FFFFFF"/>
+                </a:solidFill>
+                <a:effectLst/>
+                <a:latin typeface="-apple-system"/>
+                <a:hlinkClick r:id="rId3"/>
+              </a:rPr>
+              <a:t>História do GitHub na Wikipedia</a:t>
+            </a:r>
+            <a:endParaRPr lang="pt-BR" b="0" i="0" dirty="0">
+              <a:solidFill>
+                <a:srgbClr val="FFFFFF"/>
+              </a:solidFill>
+              <a:effectLst/>
+              <a:latin typeface="-apple-system"/>
+            </a:endParaRPr>
+          </a:p>
+          <a:p>
+            <a:pPr algn="l">
+              <a:buFont typeface="Arial" panose="020B0604020202020204" pitchFamily="34" charset="0"/>
+              <a:buChar char="•"/>
+            </a:pPr>
+            <a:r>
+              <a:rPr lang="pt-BR" b="0" i="0" u="sng" dirty="0">
+                <a:solidFill>
+                  <a:srgbClr val="FFFFFF"/>
+                </a:solidFill>
+                <a:effectLst/>
+                <a:latin typeface="-apple-system"/>
+                <a:hlinkClick r:id="rId4"/>
+              </a:rPr>
+              <a:t>GitHub Blog</a:t>
+            </a:r>
+            <a:endParaRPr lang="pt-BR" b="0" i="0" dirty="0">
+              <a:solidFill>
+                <a:srgbClr val="FFFFFF"/>
+              </a:solidFill>
+              <a:effectLst/>
+              <a:latin typeface="-apple-system"/>
+            </a:endParaRPr>
+          </a:p>
+          <a:p>
+            <a:pPr algn="l">
+              <a:buFont typeface="Arial" panose="020B0604020202020204" pitchFamily="34" charset="0"/>
+              <a:buChar char="•"/>
+            </a:pPr>
+            <a:r>
+              <a:rPr lang="pt-BR" b="0" i="0" u="sng" dirty="0">
+                <a:solidFill>
+                  <a:srgbClr val="FFFFFF"/>
+                </a:solidFill>
+                <a:effectLst/>
+                <a:latin typeface="-apple-system"/>
+                <a:hlinkClick r:id="rId5"/>
+              </a:rPr>
+              <a:t>Documentação Oficial do GitHub</a:t>
+            </a:r>
+            <a:endParaRPr lang="pt-BR" b="0" i="0" dirty="0">
+              <a:solidFill>
+                <a:srgbClr val="FFFFFF"/>
+              </a:solidFill>
+              <a:effectLst/>
+              <a:latin typeface="-apple-system"/>
+            </a:endParaRPr>
+          </a:p>
+          <a:p>
+            <a:endParaRPr lang="pt-BR" dirty="0"/>
+          </a:p>
+        </p:txBody>
+      </p:sp>
+      <p:sp>
+        <p:nvSpPr>
+          <p:cNvPr id="4" name="Espaço Reservado para Número de Slide 3"/>
+          <p:cNvSpPr>
+            <a:spLocks noGrp="1"/>
+          </p:cNvSpPr>
+          <p:nvPr>
+            <p:ph type="sldNum" sz="quarter" idx="5"/>
+          </p:nvPr>
+        </p:nvSpPr>
+        <p:spPr/>
+        <p:txBody>
+          <a:bodyPr/>
+          <a:lstStyle/>
+          <a:p>
+            <a:fld id="{25F08706-877A-4C08-9971-45F2131156D8}" type="slidenum">
+              <a:rPr lang="pt-BR" smtClean="0"/>
+              <a:t>21</a:t>
+            </a:fld>
+            <a:endParaRPr lang="pt-BR"/>
+          </a:p>
+        </p:txBody>
+      </p:sp>
+    </p:spTree>
+    <p:extLst>
+      <p:ext uri="{BB962C8B-B14F-4D97-AF65-F5344CB8AC3E}">
+        <p14:creationId xmlns:p14="http://schemas.microsoft.com/office/powerpoint/2010/main" val="3365972434"/>
+      </p:ext>
+    </p:extLst>
+  </p:cSld>
+  <p:clrMapOvr>
+    <a:masterClrMapping/>
+  </p:clrMapOvr>
+</p:notes>
+</file>
+
 <file path=ppt/slideLayouts/slideLayout1.xml><?xml version="1.0" encoding="utf-8"?>
 <p:sldLayout xmlns:a="http://schemas.openxmlformats.org/drawingml/2006/main" xmlns:r="http://schemas.openxmlformats.org/officeDocument/2006/relationships" xmlns:p="http://schemas.openxmlformats.org/presentationml/2006/main" type="title" preserve="1">
   <p:cSld name="Slide de Título">
@@ -950,7 +2052,7 @@
           <a:p>
             <a:fld id="{7E3A08E2-22EA-4B94-AECE-CF991948958D}" type="datetimeFigureOut">
               <a:rPr lang="pt-BR" smtClean="0"/>
-              <a:t>20/03/2025</a:t>
+              <a:t>22/03/2025</a:t>
             </a:fld>
             <a:endParaRPr lang="pt-BR"/>
           </a:p>
@@ -1268,7 +2370,7 @@
           <a:p>
             <a:fld id="{7E3A08E2-22EA-4B94-AECE-CF991948958D}" type="datetimeFigureOut">
               <a:rPr lang="pt-BR" smtClean="0"/>
-              <a:t>20/03/2025</a:t>
+              <a:t>22/03/2025</a:t>
             </a:fld>
             <a:endParaRPr lang="pt-BR"/>
           </a:p>
@@ -1756,7 +2858,7 @@
           <a:p>
             <a:fld id="{7E3A08E2-22EA-4B94-AECE-CF991948958D}" type="datetimeFigureOut">
               <a:rPr lang="pt-BR" smtClean="0"/>
-              <a:t>20/03/2025</a:t>
+              <a:t>22/03/2025</a:t>
             </a:fld>
             <a:endParaRPr lang="pt-BR"/>
           </a:p>
@@ -2125,7 +3227,7 @@
           <a:p>
             <a:fld id="{7E3A08E2-22EA-4B94-AECE-CF991948958D}" type="datetimeFigureOut">
               <a:rPr lang="pt-BR" smtClean="0"/>
-              <a:t>20/03/2025</a:t>
+              <a:t>22/03/2025</a:t>
             </a:fld>
             <a:endParaRPr lang="pt-BR"/>
           </a:p>
@@ -2398,7 +3500,7 @@
           <a:p>
             <a:fld id="{7E3A08E2-22EA-4B94-AECE-CF991948958D}" type="datetimeFigureOut">
               <a:rPr lang="pt-BR" smtClean="0"/>
-              <a:t>20/03/2025</a:t>
+              <a:t>22/03/2025</a:t>
             </a:fld>
             <a:endParaRPr lang="pt-BR"/>
           </a:p>
@@ -2683,7 +3785,7 @@
           <a:p>
             <a:fld id="{7E3A08E2-22EA-4B94-AECE-CF991948958D}" type="datetimeFigureOut">
               <a:rPr lang="pt-BR" smtClean="0"/>
-              <a:t>20/03/2025</a:t>
+              <a:t>22/03/2025</a:t>
             </a:fld>
             <a:endParaRPr lang="pt-BR"/>
           </a:p>
@@ -2966,7 +4068,7 @@
           <a:p>
             <a:fld id="{7E3A08E2-22EA-4B94-AECE-CF991948958D}" type="datetimeFigureOut">
               <a:rPr lang="pt-BR" smtClean="0"/>
-              <a:t>20/03/2025</a:t>
+              <a:t>22/03/2025</a:t>
             </a:fld>
             <a:endParaRPr lang="pt-BR"/>
           </a:p>
@@ -3309,7 +4411,7 @@
           <a:p>
             <a:fld id="{7E3A08E2-22EA-4B94-AECE-CF991948958D}" type="datetimeFigureOut">
               <a:rPr lang="pt-BR" smtClean="0"/>
-              <a:t>20/03/2025</a:t>
+              <a:t>22/03/2025</a:t>
             </a:fld>
             <a:endParaRPr lang="pt-BR"/>
           </a:p>
@@ -3648,7 +4750,7 @@
           <a:p>
             <a:fld id="{7E3A08E2-22EA-4B94-AECE-CF991948958D}" type="datetimeFigureOut">
               <a:rPr lang="pt-BR" smtClean="0"/>
-              <a:t>20/03/2025</a:t>
+              <a:t>22/03/2025</a:t>
             </a:fld>
             <a:endParaRPr lang="pt-BR"/>
           </a:p>
@@ -4125,7 +5227,7 @@
           <a:p>
             <a:fld id="{7E3A08E2-22EA-4B94-AECE-CF991948958D}" type="datetimeFigureOut">
               <a:rPr lang="pt-BR" smtClean="0"/>
-              <a:t>20/03/2025</a:t>
+              <a:t>22/03/2025</a:t>
             </a:fld>
             <a:endParaRPr lang="pt-BR"/>
           </a:p>
@@ -4346,7 +5448,7 @@
           <a:p>
             <a:fld id="{7E3A08E2-22EA-4B94-AECE-CF991948958D}" type="datetimeFigureOut">
               <a:rPr lang="pt-BR" smtClean="0"/>
-              <a:t>20/03/2025</a:t>
+              <a:t>22/03/2025</a:t>
             </a:fld>
             <a:endParaRPr lang="pt-BR"/>
           </a:p>
@@ -4441,7 +5543,7 @@
           <a:p>
             <a:fld id="{7E3A08E2-22EA-4B94-AECE-CF991948958D}" type="datetimeFigureOut">
               <a:rPr lang="pt-BR" smtClean="0"/>
-              <a:t>20/03/2025</a:t>
+              <a:t>22/03/2025</a:t>
             </a:fld>
             <a:endParaRPr lang="pt-BR"/>
           </a:p>
@@ -4908,7 +6010,7 @@
           <a:p>
             <a:fld id="{7E3A08E2-22EA-4B94-AECE-CF991948958D}" type="datetimeFigureOut">
               <a:rPr lang="pt-BR" smtClean="0"/>
-              <a:t>20/03/2025</a:t>
+              <a:t>22/03/2025</a:t>
             </a:fld>
             <a:endParaRPr lang="pt-BR"/>
           </a:p>
@@ -5221,7 +6323,7 @@
           <a:p>
             <a:fld id="{7E3A08E2-22EA-4B94-AECE-CF991948958D}" type="datetimeFigureOut">
               <a:rPr lang="pt-BR" smtClean="0"/>
-              <a:t>20/03/2025</a:t>
+              <a:t>22/03/2025</a:t>
             </a:fld>
             <a:endParaRPr lang="pt-BR"/>
           </a:p>
@@ -5491,7 +6593,7 @@
           <a:p>
             <a:fld id="{7E3A08E2-22EA-4B94-AECE-CF991948958D}" type="datetimeFigureOut">
               <a:rPr lang="pt-BR" smtClean="0"/>
-              <a:t>20/03/2025</a:t>
+              <a:t>22/03/2025</a:t>
             </a:fld>
             <a:endParaRPr lang="pt-BR"/>
           </a:p>
@@ -6680,7 +7782,9 @@
         </p:nvSpPr>
         <p:spPr/>
         <p:txBody>
-          <a:bodyPr anchor="t"/>
+          <a:bodyPr anchor="t">
+            <a:normAutofit/>
+          </a:bodyPr>
           <a:lstStyle/>
           <a:p>
             <a:pPr marL="0" indent="0">
@@ -6895,7 +7999,7 @@
         </p:spPr>
         <p:txBody>
           <a:bodyPr numCol="2" anchor="t">
-            <a:normAutofit/>
+            <a:normAutofit fontScale="92500" lnSpcReduction="10000"/>
           </a:bodyPr>
           <a:lstStyle/>
           <a:p>
@@ -7080,6 +8184,50 @@
             <a:pPr marL="0" indent="0">
               <a:buNone/>
             </a:pPr>
+            <a:endParaRPr lang="pt-BR" dirty="0">
+              <a:latin typeface="Consolas" panose="020B0609020204030204" pitchFamily="49" charset="0"/>
+            </a:endParaRPr>
+          </a:p>
+          <a:p>
+            <a:pPr marL="0" indent="0">
+              <a:buNone/>
+            </a:pPr>
+            <a:r>
+              <a:rPr lang="pt-BR" dirty="0">
+                <a:latin typeface="Consolas" panose="020B0609020204030204" pitchFamily="49" charset="0"/>
+              </a:rPr>
+              <a:t>Para </a:t>
+            </a:r>
+            <a:r>
+              <a:rPr lang="pt-BR" dirty="0" err="1">
+                <a:latin typeface="Consolas" panose="020B0609020204030204" pitchFamily="49" charset="0"/>
+              </a:rPr>
+              <a:t>templates</a:t>
+            </a:r>
+            <a:r>
+              <a:rPr lang="pt-BR" dirty="0">
+                <a:latin typeface="Consolas" panose="020B0609020204030204" pitchFamily="49" charset="0"/>
+              </a:rPr>
+              <a:t> de README e dicas específicas acesse</a:t>
+            </a:r>
+          </a:p>
+          <a:p>
+            <a:pPr marL="0" indent="0">
+              <a:buNone/>
+            </a:pPr>
+            <a:r>
+              <a:rPr lang="pt-BR">
+                <a:latin typeface="Consolas" panose="020B0609020204030204" pitchFamily="49" charset="0"/>
+                <a:hlinkClick r:id="rId2"/>
+              </a:rPr>
+              <a:t>https://github.com/iuricode/readme-template</a:t>
+            </a:r>
+            <a:r>
+              <a:rPr lang="pt-BR">
+                <a:latin typeface="Consolas" panose="020B0609020204030204" pitchFamily="49" charset="0"/>
+              </a:rPr>
+              <a:t> </a:t>
+            </a:r>
             <a:endParaRPr lang="pt-BR" dirty="0">
               <a:latin typeface="Consolas" panose="020B0609020204030204" pitchFamily="49" charset="0"/>
             </a:endParaRPr>
@@ -9315,7 +10463,12 @@
             <p:ph type="body" sz="half" idx="2"/>
           </p:nvPr>
         </p:nvSpPr>
-        <p:spPr/>
+        <p:spPr>
+          <a:xfrm>
+            <a:off x="1073151" y="2260738"/>
+            <a:ext cx="3547533" cy="3741051"/>
+          </a:xfrm>
+        </p:spPr>
         <p:txBody>
           <a:bodyPr anchor="t">
             <a:normAutofit lnSpcReduction="10000"/>
@@ -9426,6 +10579,13 @@
               <a:rPr lang="pt-BR" sz="1800" dirty="0"/>
               <a:t>)</a:t>
             </a:r>
+          </a:p>
+          <a:p>
+            <a:pPr marL="285750" indent="-285750">
+              <a:buFont typeface="Arial" panose="020B0604020202020204" pitchFamily="34" charset="0"/>
+              <a:buChar char="•"/>
+            </a:pPr>
+            <a:endParaRPr lang="pt-BR" sz="1800" dirty="0"/>
           </a:p>
           <a:p>
             <a:pPr marL="285750" indent="-285750">
@@ -9486,6 +10646,261 @@
           </a:effectLst>
         </p:spPr>
       </p:pic>
+      <p:sp>
+        <p:nvSpPr>
+          <p:cNvPr id="3" name="Espaço Reservado para Texto 3">
+            <a:extLst>
+              <a:ext uri="{FF2B5EF4-FFF2-40B4-BE49-F238E27FC236}">
+                <a16:creationId xmlns:a16="http://schemas.microsoft.com/office/drawing/2014/main" id="{3EAE6758-E1E6-536F-DA99-556A09678E68}"/>
+              </a:ext>
+            </a:extLst>
+          </p:cNvPr>
+          <p:cNvSpPr txBox="1">
+            <a:spLocks/>
+          </p:cNvSpPr>
+          <p:nvPr/>
+        </p:nvSpPr>
+        <p:spPr>
+          <a:xfrm>
+            <a:off x="4845053" y="5375076"/>
+            <a:ext cx="6251575" cy="1108851"/>
+          </a:xfrm>
+          <a:prstGeom prst="rect">
+            <a:avLst/>
+          </a:prstGeom>
+          <a:effectLst>
+            <a:outerShdw blurRad="50800" dir="14400000">
+              <a:srgbClr val="000000">
+                <a:alpha val="40000"/>
+              </a:srgbClr>
+            </a:outerShdw>
+          </a:effectLst>
+        </p:spPr>
+        <p:txBody>
+          <a:bodyPr vert="horz" lIns="91440" tIns="45720" rIns="91440" bIns="45720" rtlCol="0" anchor="t">
+            <a:normAutofit/>
+          </a:bodyPr>
+          <a:lstStyle>
+            <a:lvl1pPr marL="0" indent="0" algn="l" defTabSz="457200" rtl="0" eaLnBrk="1" latinLnBrk="0" hangingPunct="1">
+              <a:spcBef>
+                <a:spcPct val="20000"/>
+              </a:spcBef>
+              <a:spcAft>
+                <a:spcPts val="600"/>
+              </a:spcAft>
+              <a:buClr>
+                <a:schemeClr val="accent1"/>
+              </a:buClr>
+              <a:buFont typeface="Wingdings 2" charset="2"/>
+              <a:buNone/>
+              <a:defRPr sz="1400" kern="1200">
+                <a:solidFill>
+                  <a:schemeClr val="tx1"/>
+                </a:solidFill>
+                <a:latin typeface="+mn-lt"/>
+                <a:ea typeface="+mn-ea"/>
+                <a:cs typeface="+mn-cs"/>
+              </a:defRPr>
+            </a:lvl1pPr>
+            <a:lvl2pPr marL="457200" indent="0" algn="l" defTabSz="457200" rtl="0" eaLnBrk="1" latinLnBrk="0" hangingPunct="1">
+              <a:spcBef>
+                <a:spcPct val="20000"/>
+              </a:spcBef>
+              <a:spcAft>
+                <a:spcPts val="600"/>
+              </a:spcAft>
+              <a:buClr>
+                <a:schemeClr val="accent1"/>
+              </a:buClr>
+              <a:buFont typeface="Wingdings 2" charset="2"/>
+              <a:buNone/>
+              <a:defRPr sz="1200" kern="1200">
+                <a:solidFill>
+                  <a:schemeClr val="tx1"/>
+                </a:solidFill>
+                <a:latin typeface="+mn-lt"/>
+                <a:ea typeface="+mn-ea"/>
+                <a:cs typeface="+mn-cs"/>
+              </a:defRPr>
+            </a:lvl2pPr>
+            <a:lvl3pPr marL="914400" indent="0" algn="l" defTabSz="457200" rtl="0" eaLnBrk="1" latinLnBrk="0" hangingPunct="1">
+              <a:spcBef>
+                <a:spcPct val="20000"/>
+              </a:spcBef>
+              <a:spcAft>
+                <a:spcPts val="600"/>
+              </a:spcAft>
+              <a:buClr>
+                <a:schemeClr val="accent1"/>
+              </a:buClr>
+              <a:buFont typeface="Wingdings 2" charset="2"/>
+              <a:buNone/>
+              <a:defRPr sz="1000" kern="1200">
+                <a:solidFill>
+                  <a:schemeClr val="tx1"/>
+                </a:solidFill>
+                <a:latin typeface="+mn-lt"/>
+                <a:ea typeface="+mn-ea"/>
+                <a:cs typeface="+mn-cs"/>
+              </a:defRPr>
+            </a:lvl3pPr>
+            <a:lvl4pPr marL="1371600" indent="0" algn="l" defTabSz="457200" rtl="0" eaLnBrk="1" latinLnBrk="0" hangingPunct="1">
+              <a:spcBef>
+                <a:spcPct val="20000"/>
+              </a:spcBef>
+              <a:spcAft>
+                <a:spcPts val="600"/>
+              </a:spcAft>
+              <a:buClr>
+                <a:schemeClr val="accent1"/>
+              </a:buClr>
+              <a:buFont typeface="Wingdings 2" charset="2"/>
+              <a:buNone/>
+              <a:defRPr sz="900" kern="1200">
+                <a:solidFill>
+                  <a:schemeClr val="tx1"/>
+                </a:solidFill>
+                <a:latin typeface="+mn-lt"/>
+                <a:ea typeface="+mn-ea"/>
+                <a:cs typeface="+mn-cs"/>
+              </a:defRPr>
+            </a:lvl4pPr>
+            <a:lvl5pPr marL="1828800" indent="0" algn="l" defTabSz="457200" rtl="0" eaLnBrk="1" latinLnBrk="0" hangingPunct="1">
+              <a:spcBef>
+                <a:spcPct val="20000"/>
+              </a:spcBef>
+              <a:spcAft>
+                <a:spcPts val="600"/>
+              </a:spcAft>
+              <a:buClr>
+                <a:schemeClr val="accent1"/>
+              </a:buClr>
+              <a:buFont typeface="Wingdings 2" charset="2"/>
+              <a:buNone/>
+              <a:defRPr sz="900" kern="1200">
+                <a:solidFill>
+                  <a:schemeClr val="tx1"/>
+                </a:solidFill>
+                <a:latin typeface="+mn-lt"/>
+                <a:ea typeface="+mn-ea"/>
+                <a:cs typeface="+mn-cs"/>
+              </a:defRPr>
+            </a:lvl5pPr>
+            <a:lvl6pPr marL="2286000" indent="0" algn="l" defTabSz="457200" rtl="0" eaLnBrk="1" latinLnBrk="0" hangingPunct="1">
+              <a:spcBef>
+                <a:spcPct val="20000"/>
+              </a:spcBef>
+              <a:spcAft>
+                <a:spcPts val="600"/>
+              </a:spcAft>
+              <a:buClr>
+                <a:schemeClr val="accent1"/>
+              </a:buClr>
+              <a:buFont typeface="Wingdings 2" charset="2"/>
+              <a:buNone/>
+              <a:defRPr sz="900" kern="1200">
+                <a:solidFill>
+                  <a:schemeClr val="tx1"/>
+                </a:solidFill>
+                <a:latin typeface="+mn-lt"/>
+                <a:ea typeface="+mn-ea"/>
+                <a:cs typeface="+mn-cs"/>
+              </a:defRPr>
+            </a:lvl6pPr>
+            <a:lvl7pPr marL="2743200" indent="0" algn="l" defTabSz="457200" rtl="0" eaLnBrk="1" latinLnBrk="0" hangingPunct="1">
+              <a:spcBef>
+                <a:spcPct val="20000"/>
+              </a:spcBef>
+              <a:spcAft>
+                <a:spcPts val="600"/>
+              </a:spcAft>
+              <a:buClr>
+                <a:schemeClr val="accent1"/>
+              </a:buClr>
+              <a:buFont typeface="Wingdings 2" charset="2"/>
+              <a:buNone/>
+              <a:defRPr sz="900" kern="1200">
+                <a:solidFill>
+                  <a:schemeClr val="tx1"/>
+                </a:solidFill>
+                <a:latin typeface="+mn-lt"/>
+                <a:ea typeface="+mn-ea"/>
+                <a:cs typeface="+mn-cs"/>
+              </a:defRPr>
+            </a:lvl7pPr>
+            <a:lvl8pPr marL="3200400" indent="0" algn="l" defTabSz="457200" rtl="0" eaLnBrk="1" latinLnBrk="0" hangingPunct="1">
+              <a:spcBef>
+                <a:spcPct val="20000"/>
+              </a:spcBef>
+              <a:spcAft>
+                <a:spcPts val="600"/>
+              </a:spcAft>
+              <a:buClr>
+                <a:schemeClr val="accent1"/>
+              </a:buClr>
+              <a:buFont typeface="Wingdings 2" charset="2"/>
+              <a:buNone/>
+              <a:defRPr sz="900" kern="1200">
+                <a:solidFill>
+                  <a:schemeClr val="tx1"/>
+                </a:solidFill>
+                <a:latin typeface="+mn-lt"/>
+                <a:ea typeface="+mn-ea"/>
+                <a:cs typeface="+mn-cs"/>
+              </a:defRPr>
+            </a:lvl8pPr>
+            <a:lvl9pPr marL="3657600" indent="0" algn="l" defTabSz="457200" rtl="0" eaLnBrk="1" latinLnBrk="0" hangingPunct="1">
+              <a:spcBef>
+                <a:spcPct val="20000"/>
+              </a:spcBef>
+              <a:spcAft>
+                <a:spcPts val="600"/>
+              </a:spcAft>
+              <a:buClr>
+                <a:schemeClr val="accent1"/>
+              </a:buClr>
+              <a:buFont typeface="Wingdings 2" charset="2"/>
+              <a:buNone/>
+              <a:defRPr sz="900" kern="1200">
+                <a:solidFill>
+                  <a:schemeClr val="tx1"/>
+                </a:solidFill>
+                <a:latin typeface="+mn-lt"/>
+                <a:ea typeface="+mn-ea"/>
+                <a:cs typeface="+mn-cs"/>
+              </a:defRPr>
+            </a:lvl9pPr>
+          </a:lstStyle>
+          <a:p>
+            <a:r>
+              <a:rPr lang="pt-BR" sz="1800" dirty="0"/>
+              <a:t>Para entender melhor sobre padronização de </a:t>
+            </a:r>
+            <a:r>
+              <a:rPr lang="pt-BR" sz="1800" i="1" dirty="0" err="1"/>
+              <a:t>commits</a:t>
+            </a:r>
+            <a:r>
+              <a:rPr lang="pt-BR" sz="1800" i="1" dirty="0"/>
+              <a:t>,</a:t>
+            </a:r>
+            <a:r>
+              <a:rPr lang="pt-BR" sz="1800" dirty="0"/>
+              <a:t> acesse o  repositório </a:t>
+            </a:r>
+            <a:r>
+              <a:rPr lang="pt-BR" sz="1800" dirty="0">
+                <a:hlinkClick r:id="rId5"/>
+              </a:rPr>
+              <a:t>https://github.com/iuricode/padroes-de-commits</a:t>
+            </a:r>
+            <a:r>
+              <a:rPr lang="pt-BR" sz="1800" dirty="0"/>
+              <a:t> </a:t>
+            </a:r>
+          </a:p>
+        </p:txBody>
+      </p:sp>
     </p:spTree>
     <p:extLst>
       <p:ext uri="{BB962C8B-B14F-4D97-AF65-F5344CB8AC3E}">
